--- a/StudentPresentation.pptx
+++ b/StudentPresentation.pptx
@@ -5,10 +5,10 @@
     <p:sldMasterId id="2147483648" r:id="rId1"/>
   </p:sldMasterIdLst>
   <p:notesMasterIdLst>
-    <p:notesMasterId r:id="rId109"/>
+    <p:notesMasterId r:id="rId144"/>
   </p:notesMasterIdLst>
   <p:handoutMasterIdLst>
-    <p:handoutMasterId r:id="rId110"/>
+    <p:handoutMasterId r:id="rId145"/>
   </p:handoutMasterIdLst>
   <p:sldIdLst>
     <p:sldId id="476" r:id="rId2"/>
@@ -118,6 +118,41 @@
     <p:sldId id="588" r:id="rId106"/>
     <p:sldId id="586" r:id="rId107"/>
     <p:sldId id="585" r:id="rId108"/>
+    <p:sldId id="589" r:id="rId109"/>
+    <p:sldId id="590" r:id="rId110"/>
+    <p:sldId id="557" r:id="rId111"/>
+    <p:sldId id="558" r:id="rId112"/>
+    <p:sldId id="591" r:id="rId113"/>
+    <p:sldId id="592" r:id="rId114"/>
+    <p:sldId id="593" r:id="rId115"/>
+    <p:sldId id="594" r:id="rId116"/>
+    <p:sldId id="559" r:id="rId117"/>
+    <p:sldId id="595" r:id="rId118"/>
+    <p:sldId id="597" r:id="rId119"/>
+    <p:sldId id="596" r:id="rId120"/>
+    <p:sldId id="561" r:id="rId121"/>
+    <p:sldId id="598" r:id="rId122"/>
+    <p:sldId id="613" r:id="rId123"/>
+    <p:sldId id="615" r:id="rId124"/>
+    <p:sldId id="614" r:id="rId125"/>
+    <p:sldId id="599" r:id="rId126"/>
+    <p:sldId id="560" r:id="rId127"/>
+    <p:sldId id="600" r:id="rId128"/>
+    <p:sldId id="603" r:id="rId129"/>
+    <p:sldId id="601" r:id="rId130"/>
+    <p:sldId id="616" r:id="rId131"/>
+    <p:sldId id="602" r:id="rId132"/>
+    <p:sldId id="604" r:id="rId133"/>
+    <p:sldId id="608" r:id="rId134"/>
+    <p:sldId id="605" r:id="rId135"/>
+    <p:sldId id="612" r:id="rId136"/>
+    <p:sldId id="606" r:id="rId137"/>
+    <p:sldId id="609" r:id="rId138"/>
+    <p:sldId id="610" r:id="rId139"/>
+    <p:sldId id="607" r:id="rId140"/>
+    <p:sldId id="611" r:id="rId141"/>
+    <p:sldId id="462" r:id="rId142"/>
+    <p:sldId id="459" r:id="rId143"/>
   </p:sldIdLst>
   <p:sldSz cx="9144000" cy="5143500" type="screen16x9"/>
   <p:notesSz cx="6858000" cy="9144000"/>
@@ -328,10 +363,46 @@
             <p14:sldId id="588"/>
             <p14:sldId id="586"/>
             <p14:sldId id="585"/>
+            <p14:sldId id="589"/>
+            <p14:sldId id="590"/>
+            <p14:sldId id="557"/>
+            <p14:sldId id="558"/>
+            <p14:sldId id="591"/>
+            <p14:sldId id="592"/>
+            <p14:sldId id="593"/>
+            <p14:sldId id="594"/>
+            <p14:sldId id="559"/>
+            <p14:sldId id="595"/>
+            <p14:sldId id="597"/>
+            <p14:sldId id="596"/>
+            <p14:sldId id="561"/>
+            <p14:sldId id="598"/>
+            <p14:sldId id="613"/>
+            <p14:sldId id="615"/>
+            <p14:sldId id="614"/>
+            <p14:sldId id="599"/>
+            <p14:sldId id="560"/>
+            <p14:sldId id="600"/>
+            <p14:sldId id="603"/>
+            <p14:sldId id="601"/>
+            <p14:sldId id="616"/>
+            <p14:sldId id="602"/>
+            <p14:sldId id="604"/>
+            <p14:sldId id="608"/>
+            <p14:sldId id="605"/>
+            <p14:sldId id="612"/>
+            <p14:sldId id="606"/>
+            <p14:sldId id="609"/>
+            <p14:sldId id="610"/>
+            <p14:sldId id="607"/>
+            <p14:sldId id="611"/>
           </p14:sldIdLst>
         </p14:section>
         <p14:section name="Sección sin título" id="{6765ECA5-4E68-49E3-85C0-1388D30716A3}">
-          <p14:sldIdLst/>
+          <p14:sldIdLst>
+            <p14:sldId id="462"/>
+            <p14:sldId id="459"/>
+          </p14:sldIdLst>
         </p14:section>
       </p14:sectionLst>
     </p:ext>
@@ -527,7 +598,7 @@
             <a:fld id="{1E8A4908-F131-6B4F-B703-F49409031879}" type="datetimeFigureOut">
               <a:rPr lang="en-US" smtClean="0"/>
               <a:pPr/>
-              <a:t>9/16/2015</a:t>
+              <a:t>10/3/2015</a:t>
             </a:fld>
             <a:endParaRPr lang="en-US"/>
           </a:p>
@@ -694,7 +765,7 @@
             <a:fld id="{F28E1A55-6A57-5141-A628-AA04EAF4415E}" type="datetimeFigureOut">
               <a:rPr lang="en-US" smtClean="0"/>
               <a:pPr/>
-              <a:t>9/16/2015</a:t>
+              <a:t>10/3/2015</a:t>
             </a:fld>
             <a:endParaRPr lang="en-US"/>
           </a:p>
@@ -1021,7 +1092,7 @@
           <p:nvPr userDrawn="1"/>
         </p:nvPicPr>
         <mc:AlternateContent xmlns:mc="http://schemas.openxmlformats.org/markup-compatibility/2006">
-          <mc:Choice xmlns="" xmlns:mv="urn:schemas-microsoft-com:mac:vml" xmlns:ma="http://schemas.microsoft.com/office/mac/drawingml/2008/main" Requires="ma">
+          <mc:Choice xmlns:ma="http://schemas.microsoft.com/office/mac/drawingml/2008/main" xmlns:mv="urn:schemas-microsoft-com:mac:vml" xmlns="" Requires="ma">
             <p:blipFill>
               <a:blip r:embed="rId3"/>
               <a:stretch>
@@ -1452,7 +1523,7 @@
             <a:fld id="{B9E0730F-B7E3-6A47-BE8A-187D77555B7C}" type="datetimeFigureOut">
               <a:rPr lang="en-US" smtClean="0"/>
               <a:pPr/>
-              <a:t>9/16/2015</a:t>
+              <a:t>10/3/2015</a:t>
             </a:fld>
             <a:endParaRPr lang="en-US"/>
           </a:p>
@@ -1555,7 +1626,7 @@
           <p:nvPr userDrawn="1"/>
         </p:nvPicPr>
         <mc:AlternateContent xmlns:mc="http://schemas.openxmlformats.org/markup-compatibility/2006">
-          <mc:Choice xmlns="" xmlns:mv="urn:schemas-microsoft-com:mac:vml" xmlns:ma="http://schemas.microsoft.com/office/mac/drawingml/2008/main" Requires="ma">
+          <mc:Choice xmlns:ma="http://schemas.microsoft.com/office/mac/drawingml/2008/main" xmlns:mv="urn:schemas-microsoft-com:mac:vml" xmlns="" Requires="ma">
             <p:blipFill>
               <a:blip r:embed="rId2"/>
               <a:stretch>
@@ -1811,7 +1882,7 @@
             <a:fld id="{B9E0730F-B7E3-6A47-BE8A-187D77555B7C}" type="datetimeFigureOut">
               <a:rPr lang="en-US" smtClean="0"/>
               <a:pPr/>
-              <a:t>9/16/2015</a:t>
+              <a:t>10/3/2015</a:t>
             </a:fld>
             <a:endParaRPr lang="en-US"/>
           </a:p>
@@ -2078,7 +2149,7 @@
           <p:nvPr userDrawn="1"/>
         </p:nvPicPr>
         <mc:AlternateContent xmlns:mc="http://schemas.openxmlformats.org/markup-compatibility/2006">
-          <mc:Choice xmlns="" xmlns:mv="urn:schemas-microsoft-com:mac:vml" xmlns:ma="http://schemas.microsoft.com/office/mac/drawingml/2008/main" Requires="ma">
+          <mc:Choice xmlns:ma="http://schemas.microsoft.com/office/mac/drawingml/2008/main" xmlns:mv="urn:schemas-microsoft-com:mac:vml" xmlns="" Requires="ma">
             <p:blipFill>
               <a:blip r:embed="rId2"/>
               <a:stretch>
@@ -2325,7 +2396,7 @@
           <p:nvPr userDrawn="1"/>
         </p:nvPicPr>
         <mc:AlternateContent xmlns:mc="http://schemas.openxmlformats.org/markup-compatibility/2006">
-          <mc:Choice xmlns="" xmlns:mv="urn:schemas-microsoft-com:mac:vml" xmlns:ma="http://schemas.microsoft.com/office/mac/drawingml/2008/main" Requires="ma">
+          <mc:Choice xmlns:ma="http://schemas.microsoft.com/office/mac/drawingml/2008/main" xmlns:mv="urn:schemas-microsoft-com:mac:vml" xmlns="" Requires="ma">
             <p:blipFill>
               <a:blip r:embed="rId3"/>
               <a:stretch>
@@ -2744,7 +2815,7 @@
           <p:nvPr userDrawn="1"/>
         </p:nvPicPr>
         <mc:AlternateContent xmlns:mc="http://schemas.openxmlformats.org/markup-compatibility/2006">
-          <mc:Choice xmlns="" xmlns:mv="urn:schemas-microsoft-com:mac:vml" xmlns:ma="http://schemas.microsoft.com/office/mac/drawingml/2008/main" Requires="ma">
+          <mc:Choice xmlns:ma="http://schemas.microsoft.com/office/mac/drawingml/2008/main" xmlns:mv="urn:schemas-microsoft-com:mac:vml" xmlns="" Requires="ma">
             <p:blipFill>
               <a:blip r:embed="rId3"/>
               <a:stretch>
@@ -3162,7 +3233,7 @@
           <p:nvPr userDrawn="1"/>
         </p:nvPicPr>
         <mc:AlternateContent xmlns:mc="http://schemas.openxmlformats.org/markup-compatibility/2006">
-          <mc:Choice xmlns="" xmlns:mv="urn:schemas-microsoft-com:mac:vml" xmlns:ma="http://schemas.microsoft.com/office/mac/drawingml/2008/main" Requires="ma">
+          <mc:Choice xmlns:ma="http://schemas.microsoft.com/office/mac/drawingml/2008/main" xmlns:mv="urn:schemas-microsoft-com:mac:vml" xmlns="" Requires="ma">
             <p:blipFill>
               <a:blip r:embed="rId3"/>
               <a:stretch>
@@ -3752,7 +3823,7 @@
           <p:nvPr userDrawn="1"/>
         </p:nvPicPr>
         <mc:AlternateContent xmlns:mc="http://schemas.openxmlformats.org/markup-compatibility/2006">
-          <mc:Choice xmlns="" xmlns:mv="urn:schemas-microsoft-com:mac:vml" xmlns:ma="http://schemas.microsoft.com/office/mac/drawingml/2008/main" Requires="ma">
+          <mc:Choice xmlns:ma="http://schemas.microsoft.com/office/mac/drawingml/2008/main" xmlns:mv="urn:schemas-microsoft-com:mac:vml" xmlns="" Requires="ma">
             <p:blipFill>
               <a:blip r:embed="rId3"/>
               <a:stretch>
@@ -3844,7 +3915,7 @@
             <a:fld id="{B9E0730F-B7E3-6A47-BE8A-187D77555B7C}" type="datetimeFigureOut">
               <a:rPr lang="en-US" smtClean="0"/>
               <a:pPr/>
-              <a:t>9/16/2015</a:t>
+              <a:t>10/3/2015</a:t>
             </a:fld>
             <a:endParaRPr lang="en-US"/>
           </a:p>
@@ -4228,7 +4299,7 @@
             <a:fld id="{B9E0730F-B7E3-6A47-BE8A-187D77555B7C}" type="datetimeFigureOut">
               <a:rPr lang="en-US" smtClean="0"/>
               <a:pPr/>
-              <a:t>9/16/2015</a:t>
+              <a:t>10/3/2015</a:t>
             </a:fld>
             <a:endParaRPr lang="en-US"/>
           </a:p>
@@ -4522,7 +4593,7 @@
             <a:fld id="{B9E0730F-B7E3-6A47-BE8A-187D77555B7C}" type="datetimeFigureOut">
               <a:rPr lang="en-US" smtClean="0"/>
               <a:pPr/>
-              <a:t>9/16/2015</a:t>
+              <a:t>10/3/2015</a:t>
             </a:fld>
             <a:endParaRPr lang="en-US"/>
           </a:p>
@@ -4906,7 +4977,7 @@
             <a:fld id="{B9E0730F-B7E3-6A47-BE8A-187D77555B7C}" type="datetimeFigureOut">
               <a:rPr lang="en-US" smtClean="0"/>
               <a:pPr/>
-              <a:t>9/16/2015</a:t>
+              <a:t>10/3/2015</a:t>
             </a:fld>
             <a:endParaRPr lang="en-US"/>
           </a:p>
@@ -5071,7 +5142,7 @@
           <p:nvPr userDrawn="1"/>
         </p:nvPicPr>
         <mc:AlternateContent xmlns:mc="http://schemas.openxmlformats.org/markup-compatibility/2006">
-          <mc:Choice xmlns="" xmlns:mv="urn:schemas-microsoft-com:mac:vml" xmlns:ma="http://schemas.microsoft.com/office/mac/drawingml/2008/main" Requires="ma">
+          <mc:Choice xmlns:ma="http://schemas.microsoft.com/office/mac/drawingml/2008/main" xmlns:mv="urn:schemas-microsoft-com:mac:vml" xmlns="" Requires="ma">
             <p:blipFill>
               <a:blip r:embed="rId3"/>
               <a:stretch>
@@ -5507,7 +5578,7 @@
             <a:fld id="{B9E0730F-B7E3-6A47-BE8A-187D77555B7C}" type="datetimeFigureOut">
               <a:rPr lang="en-US" smtClean="0"/>
               <a:pPr/>
-              <a:t>9/16/2015</a:t>
+              <a:t>10/3/2015</a:t>
             </a:fld>
             <a:endParaRPr lang="en-US"/>
           </a:p>
@@ -5741,7 +5812,7 @@
             <a:fld id="{B9E0730F-B7E3-6A47-BE8A-187D77555B7C}" type="datetimeFigureOut">
               <a:rPr lang="en-US" smtClean="0"/>
               <a:pPr/>
-              <a:t>9/16/2015</a:t>
+              <a:t>10/3/2015</a:t>
             </a:fld>
             <a:endParaRPr lang="en-US"/>
           </a:p>
@@ -6177,7 +6248,7 @@
             <a:fld id="{B9E0730F-B7E3-6A47-BE8A-187D77555B7C}" type="datetimeFigureOut">
               <a:rPr lang="en-US" smtClean="0"/>
               <a:pPr/>
-              <a:t>9/16/2015</a:t>
+              <a:t>10/3/2015</a:t>
             </a:fld>
             <a:endParaRPr lang="en-US"/>
           </a:p>
@@ -6703,7 +6774,7 @@
             <a:fld id="{B9E0730F-B7E3-6A47-BE8A-187D77555B7C}" type="datetimeFigureOut">
               <a:rPr lang="en-US" smtClean="0"/>
               <a:pPr/>
-              <a:t>9/16/2015</a:t>
+              <a:t>10/3/2015</a:t>
             </a:fld>
             <a:endParaRPr lang="en-US"/>
           </a:p>
@@ -6991,7 +7062,7 @@
             <a:fld id="{B9E0730F-B7E3-6A47-BE8A-187D77555B7C}" type="datetimeFigureOut">
               <a:rPr lang="en-US" smtClean="0"/>
               <a:pPr/>
-              <a:t>9/16/2015</a:t>
+              <a:t>10/3/2015</a:t>
             </a:fld>
             <a:endParaRPr lang="en-US"/>
           </a:p>
@@ -7369,7 +7440,7 @@
             <a:fld id="{B9E0730F-B7E3-6A47-BE8A-187D77555B7C}" type="datetimeFigureOut">
               <a:rPr lang="en-US" smtClean="0"/>
               <a:pPr/>
-              <a:t>9/16/2015</a:t>
+              <a:t>10/3/2015</a:t>
             </a:fld>
             <a:endParaRPr lang="en-US"/>
           </a:p>
@@ -7651,7 +7722,7 @@
             <a:fld id="{B9E0730F-B7E3-6A47-BE8A-187D77555B7C}" type="datetimeFigureOut">
               <a:rPr lang="en-US" smtClean="0"/>
               <a:pPr/>
-              <a:t>9/16/2015</a:t>
+              <a:t>10/3/2015</a:t>
             </a:fld>
             <a:endParaRPr lang="en-US"/>
           </a:p>
@@ -8019,7 +8090,7 @@
             <a:fld id="{B9E0730F-B7E3-6A47-BE8A-187D77555B7C}" type="datetimeFigureOut">
               <a:rPr lang="en-US" smtClean="0"/>
               <a:pPr/>
-              <a:t>9/16/2015</a:t>
+              <a:t>10/3/2015</a:t>
             </a:fld>
             <a:endParaRPr lang="en-US"/>
           </a:p>
@@ -8272,7 +8343,7 @@
             <a:fld id="{B9E0730F-B7E3-6A47-BE8A-187D77555B7C}" type="datetimeFigureOut">
               <a:rPr lang="en-US" smtClean="0"/>
               <a:pPr/>
-              <a:t>9/16/2015</a:t>
+              <a:t>10/3/2015</a:t>
             </a:fld>
             <a:endParaRPr lang="en-US"/>
           </a:p>
@@ -9069,7 +9140,7 @@
             <a:fld id="{B9E0730F-B7E3-6A47-BE8A-187D77555B7C}" type="datetimeFigureOut">
               <a:rPr lang="en-US" smtClean="0"/>
               <a:pPr/>
-              <a:t>9/16/2015</a:t>
+              <a:t>10/3/2015</a:t>
             </a:fld>
             <a:endParaRPr lang="en-US"/>
           </a:p>
@@ -10031,7 +10102,7 @@
           <p:nvPr userDrawn="1"/>
         </p:nvPicPr>
         <mc:AlternateContent xmlns:mc="http://schemas.openxmlformats.org/markup-compatibility/2006">
-          <mc:Choice xmlns="" xmlns:mv="urn:schemas-microsoft-com:mac:vml" xmlns:ma="http://schemas.microsoft.com/office/mac/drawingml/2008/main" Requires="ma">
+          <mc:Choice xmlns:ma="http://schemas.microsoft.com/office/mac/drawingml/2008/main" xmlns:mv="urn:schemas-microsoft-com:mac:vml" xmlns="" Requires="ma">
             <p:blipFill>
               <a:blip r:embed="rId3"/>
               <a:stretch>
@@ -10166,7 +10237,7 @@
             <a:fld id="{B9E0730F-B7E3-6A47-BE8A-187D77555B7C}" type="datetimeFigureOut">
               <a:rPr lang="en-US" smtClean="0"/>
               <a:pPr/>
-              <a:t>9/16/2015</a:t>
+              <a:t>10/3/2015</a:t>
             </a:fld>
             <a:endParaRPr lang="en-US"/>
           </a:p>
@@ -10858,7 +10929,7 @@
             <a:fld id="{B9E0730F-B7E3-6A47-BE8A-187D77555B7C}" type="datetimeFigureOut">
               <a:rPr lang="en-US" smtClean="0"/>
               <a:pPr/>
-              <a:t>9/16/2015</a:t>
+              <a:t>10/3/2015</a:t>
             </a:fld>
             <a:endParaRPr lang="en-US"/>
           </a:p>
@@ -11460,7 +11531,7 @@
             <a:fld id="{B9E0730F-B7E3-6A47-BE8A-187D77555B7C}" type="datetimeFigureOut">
               <a:rPr lang="en-US" smtClean="0"/>
               <a:pPr/>
-              <a:t>9/16/2015</a:t>
+              <a:t>10/3/2015</a:t>
             </a:fld>
             <a:endParaRPr lang="en-US"/>
           </a:p>
@@ -12272,7 +12343,7 @@
             <a:fld id="{B9E0730F-B7E3-6A47-BE8A-187D77555B7C}" type="datetimeFigureOut">
               <a:rPr lang="en-US" smtClean="0"/>
               <a:pPr/>
-              <a:t>9/16/2015</a:t>
+              <a:t>10/3/2015</a:t>
             </a:fld>
             <a:endParaRPr lang="en-US"/>
           </a:p>
@@ -12994,7 +13065,7 @@
             <a:fld id="{B9E0730F-B7E3-6A47-BE8A-187D77555B7C}" type="datetimeFigureOut">
               <a:rPr lang="en-US" smtClean="0"/>
               <a:pPr/>
-              <a:t>9/16/2015</a:t>
+              <a:t>10/3/2015</a:t>
             </a:fld>
             <a:endParaRPr lang="en-US"/>
           </a:p>
@@ -13609,7 +13680,7 @@
             <a:fld id="{B9E0730F-B7E3-6A47-BE8A-187D77555B7C}" type="datetimeFigureOut">
               <a:rPr lang="en-US" smtClean="0"/>
               <a:pPr/>
-              <a:t>9/16/2015</a:t>
+              <a:t>10/3/2015</a:t>
             </a:fld>
             <a:endParaRPr lang="en-US"/>
           </a:p>
@@ -14091,7 +14162,7 @@
             <a:fld id="{B9E0730F-B7E3-6A47-BE8A-187D77555B7C}" type="datetimeFigureOut">
               <a:rPr lang="en-US" smtClean="0"/>
               <a:pPr/>
-              <a:t>9/16/2015</a:t>
+              <a:t>10/3/2015</a:t>
             </a:fld>
             <a:endParaRPr lang="en-US"/>
           </a:p>
@@ -14665,7 +14736,7 @@
             <a:fld id="{B9E0730F-B7E3-6A47-BE8A-187D77555B7C}" type="datetimeFigureOut">
               <a:rPr lang="en-US" smtClean="0"/>
               <a:pPr/>
-              <a:t>9/16/2015</a:t>
+              <a:t>10/3/2015</a:t>
             </a:fld>
             <a:endParaRPr lang="en-US"/>
           </a:p>
@@ -15192,7 +15263,7 @@
             <a:fld id="{B9E0730F-B7E3-6A47-BE8A-187D77555B7C}" type="datetimeFigureOut">
               <a:rPr lang="en-US" smtClean="0"/>
               <a:pPr/>
-              <a:t>9/16/2015</a:t>
+              <a:t>10/3/2015</a:t>
             </a:fld>
             <a:endParaRPr lang="en-US"/>
           </a:p>
@@ -15983,7 +16054,7 @@
             <a:fld id="{B9E0730F-B7E3-6A47-BE8A-187D77555B7C}" type="datetimeFigureOut">
               <a:rPr lang="en-US" smtClean="0"/>
               <a:pPr/>
-              <a:t>9/16/2015</a:t>
+              <a:t>10/3/2015</a:t>
             </a:fld>
             <a:endParaRPr lang="en-US"/>
           </a:p>
@@ -17005,7 +17076,7 @@
           <p:nvPr userDrawn="1"/>
         </p:nvPicPr>
         <mc:AlternateContent xmlns:mc="http://schemas.openxmlformats.org/markup-compatibility/2006">
-          <mc:Choice xmlns="" xmlns:mv="urn:schemas-microsoft-com:mac:vml" xmlns:ma="http://schemas.microsoft.com/office/mac/drawingml/2008/main" Requires="ma">
+          <mc:Choice xmlns:ma="http://schemas.microsoft.com/office/mac/drawingml/2008/main" xmlns:mv="urn:schemas-microsoft-com:mac:vml" xmlns="" Requires="ma">
             <p:blipFill>
               <a:blip r:embed="rId3"/>
               <a:stretch>
@@ -17462,7 +17533,7 @@
           <p:nvPr userDrawn="1"/>
         </p:nvPicPr>
         <mc:AlternateContent xmlns:mc="http://schemas.openxmlformats.org/markup-compatibility/2006">
-          <mc:Choice xmlns="" xmlns:mv="urn:schemas-microsoft-com:mac:vml" xmlns:ma="http://schemas.microsoft.com/office/mac/drawingml/2008/main" Requires="ma">
+          <mc:Choice xmlns:ma="http://schemas.microsoft.com/office/mac/drawingml/2008/main" xmlns:mv="urn:schemas-microsoft-com:mac:vml" xmlns="" Requires="ma">
             <p:blipFill>
               <a:blip r:embed="rId3"/>
               <a:stretch>
@@ -17797,7 +17868,7 @@
           <p:nvPr userDrawn="1"/>
         </p:nvPicPr>
         <mc:AlternateContent xmlns:mc="http://schemas.openxmlformats.org/markup-compatibility/2006">
-          <mc:Choice xmlns="" xmlns:mv="urn:schemas-microsoft-com:mac:vml" xmlns:ma="http://schemas.microsoft.com/office/mac/drawingml/2008/main" Requires="ma">
+          <mc:Choice xmlns:ma="http://schemas.microsoft.com/office/mac/drawingml/2008/main" xmlns:mv="urn:schemas-microsoft-com:mac:vml" xmlns="" Requires="ma">
             <p:blipFill>
               <a:blip r:embed="rId3"/>
               <a:stretch>
@@ -18382,7 +18453,7 @@
           <p:nvPr userDrawn="1"/>
         </p:nvPicPr>
         <mc:AlternateContent xmlns:mc="http://schemas.openxmlformats.org/markup-compatibility/2006">
-          <mc:Choice xmlns="" xmlns:mv="urn:schemas-microsoft-com:mac:vml" xmlns:ma="http://schemas.microsoft.com/office/mac/drawingml/2008/main" Requires="ma">
+          <mc:Choice xmlns:ma="http://schemas.microsoft.com/office/mac/drawingml/2008/main" xmlns:mv="urn:schemas-microsoft-com:mac:vml" xmlns="" Requires="ma">
             <p:blipFill>
               <a:blip r:embed="rId3"/>
               <a:stretch>
@@ -18809,7 +18880,7 @@
           <p:nvPr userDrawn="1"/>
         </p:nvPicPr>
         <mc:AlternateContent xmlns:mc="http://schemas.openxmlformats.org/markup-compatibility/2006">
-          <mc:Choice xmlns="" xmlns:mv="urn:schemas-microsoft-com:mac:vml" xmlns:ma="http://schemas.microsoft.com/office/mac/drawingml/2008/main" Requires="ma">
+          <mc:Choice xmlns:ma="http://schemas.microsoft.com/office/mac/drawingml/2008/main" xmlns:mv="urn:schemas-microsoft-com:mac:vml" xmlns="" Requires="ma">
             <p:blipFill>
               <a:blip r:embed="rId2"/>
               <a:stretch>
@@ -18901,7 +18972,7 @@
             <a:fld id="{B9E0730F-B7E3-6A47-BE8A-187D77555B7C}" type="datetimeFigureOut">
               <a:rPr lang="en-US" smtClean="0"/>
               <a:pPr/>
-              <a:t>9/16/2015</a:t>
+              <a:t>10/3/2015</a:t>
             </a:fld>
             <a:endParaRPr lang="en-US"/>
           </a:p>
@@ -19004,7 +19075,7 @@
           <p:nvPr userDrawn="1"/>
         </p:nvPicPr>
         <mc:AlternateContent xmlns:mc="http://schemas.openxmlformats.org/markup-compatibility/2006">
-          <mc:Choice xmlns="" xmlns:mv="urn:schemas-microsoft-com:mac:vml" xmlns:ma="http://schemas.microsoft.com/office/mac/drawingml/2008/main" Requires="ma">
+          <mc:Choice xmlns:ma="http://schemas.microsoft.com/office/mac/drawingml/2008/main" xmlns:mv="urn:schemas-microsoft-com:mac:vml" xmlns="" Requires="ma">
             <p:blipFill>
               <a:blip r:embed="rId2"/>
               <a:stretch>
@@ -19378,7 +19449,7 @@
             <a:fld id="{B9E0730F-B7E3-6A47-BE8A-187D77555B7C}" type="datetimeFigureOut">
               <a:rPr lang="en-US" smtClean="0"/>
               <a:pPr/>
-              <a:t>9/16/2015</a:t>
+              <a:t>10/3/2015</a:t>
             </a:fld>
             <a:endParaRPr lang="en-US"/>
           </a:p>
@@ -20070,6 +20141,43 @@
           </a:p>
         </p:txBody>
       </p:sp>
+      <p:sp>
+        <p:nvSpPr>
+          <p:cNvPr id="3" name="CuadroTexto 2"/>
+          <p:cNvSpPr txBox="1"/>
+          <p:nvPr/>
+        </p:nvSpPr>
+        <p:spPr>
+          <a:xfrm>
+            <a:off x="2917064" y="1691091"/>
+            <a:ext cx="914400" cy="914400"/>
+          </a:xfrm>
+          <a:prstGeom prst="rect">
+            <a:avLst/>
+          </a:prstGeom>
+        </p:spPr>
+        <p:txBody>
+          <a:bodyPr vert="horz" wrap="none" lIns="91440" tIns="45720" rIns="91440" bIns="45720" rtlCol="0" anchor="ctr">
+            <a:normAutofit/>
+          </a:bodyPr>
+          <a:lstStyle/>
+          <a:p>
+            <a:r>
+              <a:rPr lang="es-ES" sz="1400" dirty="0" err="1" smtClean="0"/>
+              <a:t>Value</a:t>
+            </a:r>
+            <a:r>
+              <a:rPr lang="es-ES" sz="1400" dirty="0" smtClean="0"/>
+              <a:t> </a:t>
+            </a:r>
+            <a:r>
+              <a:rPr lang="es-ES" sz="1400" dirty="0" err="1" smtClean="0"/>
+              <a:t>Converters</a:t>
+            </a:r>
+            <a:endParaRPr lang="es-ES" sz="1400" dirty="0" smtClean="0"/>
+          </a:p>
+        </p:txBody>
+      </p:sp>
     </p:spTree>
     <p:extLst>
       <p:ext uri="{BB962C8B-B14F-4D97-AF65-F5344CB8AC3E}">
@@ -20624,6 +20732,177 @@
 </p:sld>
 </file>
 
+<file path=ppt/slides/slide108.xml><?xml version="1.0" encoding="utf-8"?>
+<p:sld xmlns:a="http://schemas.openxmlformats.org/drawingml/2006/main" xmlns:r="http://schemas.openxmlformats.org/officeDocument/2006/relationships" xmlns:p="http://schemas.openxmlformats.org/presentationml/2006/main">
+  <p:cSld>
+    <p:spTree>
+      <p:nvGrpSpPr>
+        <p:cNvPr id="1" name=""/>
+        <p:cNvGrpSpPr/>
+        <p:nvPr/>
+      </p:nvGrpSpPr>
+      <p:grpSpPr>
+        <a:xfrm>
+          <a:off x="0" y="0"/>
+          <a:ext cx="0" cy="0"/>
+          <a:chOff x="0" y="0"/>
+          <a:chExt cx="0" cy="0"/>
+        </a:xfrm>
+      </p:grpSpPr>
+      <p:sp>
+        <p:nvSpPr>
+          <p:cNvPr id="4" name="Título 3"/>
+          <p:cNvSpPr>
+            <a:spLocks noGrp="1"/>
+          </p:cNvSpPr>
+          <p:nvPr>
+            <p:ph type="title"/>
+          </p:nvPr>
+        </p:nvSpPr>
+        <p:spPr/>
+        <p:txBody>
+          <a:bodyPr/>
+          <a:lstStyle/>
+          <a:p>
+            <a:r>
+              <a:rPr lang="es-ES" dirty="0" smtClean="0"/>
+              <a:t>DEMO</a:t>
+            </a:r>
+            <a:endParaRPr lang="es-ES" dirty="0"/>
+          </a:p>
+        </p:txBody>
+      </p:sp>
+      <p:sp>
+        <p:nvSpPr>
+          <p:cNvPr id="5" name="Marcador de texto 4"/>
+          <p:cNvSpPr>
+            <a:spLocks noGrp="1"/>
+          </p:cNvSpPr>
+          <p:nvPr>
+            <p:ph type="body" idx="1"/>
+          </p:nvPr>
+        </p:nvSpPr>
+        <p:spPr/>
+        <p:txBody>
+          <a:bodyPr/>
+          <a:lstStyle/>
+          <a:p>
+            <a:r>
+              <a:rPr lang="es-ES" dirty="0" err="1" smtClean="0"/>
+              <a:t>Dependency</a:t>
+            </a:r>
+            <a:r>
+              <a:rPr lang="es-ES" dirty="0" smtClean="0"/>
+              <a:t> </a:t>
+            </a:r>
+            <a:r>
+              <a:rPr lang="es-ES" dirty="0" err="1" smtClean="0"/>
+              <a:t>inversion</a:t>
+            </a:r>
+            <a:endParaRPr lang="es-ES" dirty="0"/>
+          </a:p>
+        </p:txBody>
+      </p:sp>
+    </p:spTree>
+    <p:extLst>
+      <p:ext uri="{BB962C8B-B14F-4D97-AF65-F5344CB8AC3E}">
+        <p14:creationId xmlns:p14="http://schemas.microsoft.com/office/powerpoint/2010/main" val="160028371"/>
+      </p:ext>
+    </p:extLst>
+  </p:cSld>
+  <p:clrMapOvr>
+    <a:masterClrMapping/>
+  </p:clrMapOvr>
+</p:sld>
+</file>
+
+<file path=ppt/slides/slide109.xml><?xml version="1.0" encoding="utf-8"?>
+<p:sld xmlns:a="http://schemas.openxmlformats.org/drawingml/2006/main" xmlns:r="http://schemas.openxmlformats.org/officeDocument/2006/relationships" xmlns:p="http://schemas.openxmlformats.org/presentationml/2006/main">
+  <p:cSld>
+    <p:spTree>
+      <p:nvGrpSpPr>
+        <p:cNvPr id="1" name=""/>
+        <p:cNvGrpSpPr/>
+        <p:nvPr/>
+      </p:nvGrpSpPr>
+      <p:grpSpPr>
+        <a:xfrm>
+          <a:off x="0" y="0"/>
+          <a:ext cx="0" cy="0"/>
+          <a:chOff x="0" y="0"/>
+          <a:chExt cx="0" cy="0"/>
+        </a:xfrm>
+      </p:grpSpPr>
+      <p:sp>
+        <p:nvSpPr>
+          <p:cNvPr id="2" name="Título 1"/>
+          <p:cNvSpPr>
+            <a:spLocks noGrp="1"/>
+          </p:cNvSpPr>
+          <p:nvPr>
+            <p:ph type="title"/>
+          </p:nvPr>
+        </p:nvSpPr>
+        <p:spPr/>
+        <p:txBody>
+          <a:bodyPr/>
+          <a:lstStyle/>
+          <a:p>
+            <a:endParaRPr lang="es-ES"/>
+          </a:p>
+        </p:txBody>
+      </p:sp>
+      <p:sp>
+        <p:nvSpPr>
+          <p:cNvPr id="3" name="Marcador de contenido 2"/>
+          <p:cNvSpPr>
+            <a:spLocks noGrp="1"/>
+          </p:cNvSpPr>
+          <p:nvPr>
+            <p:ph sz="half" idx="1"/>
+          </p:nvPr>
+        </p:nvSpPr>
+        <p:spPr/>
+        <p:txBody>
+          <a:bodyPr/>
+          <a:lstStyle/>
+          <a:p>
+            <a:r>
+              <a:rPr lang="es-ES" dirty="0">
+                <a:hlinkClick r:id="rId2"/>
+              </a:rPr>
+              <a:t>http://</a:t>
+            </a:r>
+            <a:r>
+              <a:rPr lang="es-ES" dirty="0" smtClean="0">
+                <a:hlinkClick r:id="rId2"/>
+              </a:rPr>
+              <a:t>www.codeproject.com/Articles/465173/Dependency-Inversion-Principle-IoC-Container-Depen</a:t>
+            </a:r>
+            <a:endParaRPr lang="es-ES" dirty="0" smtClean="0"/>
+          </a:p>
+          <a:p>
+            <a:r>
+              <a:rPr lang="es-ES"/>
+              <a:t>http://ayende.com/blog/2886/building-an-ioc-container-in-15-lines-of-code</a:t>
+            </a:r>
+            <a:endParaRPr lang="es-ES" dirty="0"/>
+          </a:p>
+        </p:txBody>
+      </p:sp>
+    </p:spTree>
+    <p:extLst>
+      <p:ext uri="{BB962C8B-B14F-4D97-AF65-F5344CB8AC3E}">
+        <p14:creationId xmlns:p14="http://schemas.microsoft.com/office/powerpoint/2010/main" val="1686420893"/>
+      </p:ext>
+    </p:extLst>
+  </p:cSld>
+  <p:clrMapOvr>
+    <a:masterClrMapping/>
+  </p:clrMapOvr>
+</p:sld>
+</file>
+
 <file path=ppt/slides/slide11.xml><?xml version="1.0" encoding="utf-8"?>
 <p:sld xmlns:a="http://schemas.openxmlformats.org/drawingml/2006/main" xmlns:r="http://schemas.openxmlformats.org/officeDocument/2006/relationships" xmlns:p="http://schemas.openxmlformats.org/presentationml/2006/main">
   <p:cSld>
@@ -20690,6 +20969,889 @@
     <p:extLst>
       <p:ext uri="{BB962C8B-B14F-4D97-AF65-F5344CB8AC3E}">
         <p14:creationId xmlns:p14="http://schemas.microsoft.com/office/powerpoint/2010/main" val="3249065906"/>
+      </p:ext>
+    </p:extLst>
+  </p:cSld>
+  <p:clrMapOvr>
+    <a:masterClrMapping/>
+  </p:clrMapOvr>
+</p:sld>
+</file>
+
+<file path=ppt/slides/slide110.xml><?xml version="1.0" encoding="utf-8"?>
+<p:sld xmlns:a="http://schemas.openxmlformats.org/drawingml/2006/main" xmlns:r="http://schemas.openxmlformats.org/officeDocument/2006/relationships" xmlns:p="http://schemas.openxmlformats.org/presentationml/2006/main">
+  <p:cSld>
+    <p:spTree>
+      <p:nvGrpSpPr>
+        <p:cNvPr id="1" name=""/>
+        <p:cNvGrpSpPr/>
+        <p:nvPr/>
+      </p:nvGrpSpPr>
+      <p:grpSpPr>
+        <a:xfrm>
+          <a:off x="0" y="0"/>
+          <a:ext cx="0" cy="0"/>
+          <a:chOff x="0" y="0"/>
+          <a:chExt cx="0" cy="0"/>
+        </a:xfrm>
+      </p:grpSpPr>
+      <p:sp>
+        <p:nvSpPr>
+          <p:cNvPr id="4" name="Título 3"/>
+          <p:cNvSpPr>
+            <a:spLocks noGrp="1"/>
+          </p:cNvSpPr>
+          <p:nvPr>
+            <p:ph type="title"/>
+          </p:nvPr>
+        </p:nvSpPr>
+        <p:spPr/>
+        <p:txBody>
+          <a:bodyPr/>
+          <a:lstStyle/>
+          <a:p>
+            <a:r>
+              <a:rPr lang="es-ES" dirty="0" err="1"/>
+              <a:t>System.Linq</a:t>
+            </a:r>
+            <a:r>
+              <a:rPr lang="es-ES" dirty="0"/>
+              <a:t> II</a:t>
+            </a:r>
+          </a:p>
+        </p:txBody>
+      </p:sp>
+      <p:sp>
+        <p:nvSpPr>
+          <p:cNvPr id="5" name="Marcador de texto 4"/>
+          <p:cNvSpPr>
+            <a:spLocks noGrp="1"/>
+          </p:cNvSpPr>
+          <p:nvPr>
+            <p:ph type="body" idx="1"/>
+          </p:nvPr>
+        </p:nvSpPr>
+        <p:spPr/>
+        <p:txBody>
+          <a:bodyPr/>
+          <a:lstStyle/>
+          <a:p>
+            <a:r>
+              <a:rPr lang="es-ES" dirty="0" err="1" smtClean="0"/>
+              <a:t>Unleash</a:t>
+            </a:r>
+            <a:r>
+              <a:rPr lang="es-ES" dirty="0" smtClean="0"/>
+              <a:t> </a:t>
+            </a:r>
+            <a:r>
+              <a:rPr lang="es-ES" dirty="0" err="1" smtClean="0"/>
+              <a:t>the</a:t>
+            </a:r>
+            <a:r>
+              <a:rPr lang="es-ES" dirty="0" smtClean="0"/>
+              <a:t> </a:t>
+            </a:r>
+            <a:r>
+              <a:rPr lang="es-ES" dirty="0" err="1" smtClean="0"/>
+              <a:t>beast</a:t>
+            </a:r>
+            <a:endParaRPr lang="es-ES" dirty="0"/>
+          </a:p>
+        </p:txBody>
+      </p:sp>
+    </p:spTree>
+    <p:extLst>
+      <p:ext uri="{BB962C8B-B14F-4D97-AF65-F5344CB8AC3E}">
+        <p14:creationId xmlns:p14="http://schemas.microsoft.com/office/powerpoint/2010/main" val="830167238"/>
+      </p:ext>
+    </p:extLst>
+  </p:cSld>
+  <p:clrMapOvr>
+    <a:masterClrMapping/>
+  </p:clrMapOvr>
+</p:sld>
+</file>
+
+<file path=ppt/slides/slide111.xml><?xml version="1.0" encoding="utf-8"?>
+<p:sld xmlns:a="http://schemas.openxmlformats.org/drawingml/2006/main" xmlns:r="http://schemas.openxmlformats.org/officeDocument/2006/relationships" xmlns:p="http://schemas.openxmlformats.org/presentationml/2006/main">
+  <p:cSld>
+    <p:spTree>
+      <p:nvGrpSpPr>
+        <p:cNvPr id="1" name=""/>
+        <p:cNvGrpSpPr/>
+        <p:nvPr/>
+      </p:nvGrpSpPr>
+      <p:grpSpPr>
+        <a:xfrm>
+          <a:off x="0" y="0"/>
+          <a:ext cx="0" cy="0"/>
+          <a:chOff x="0" y="0"/>
+          <a:chExt cx="0" cy="0"/>
+        </a:xfrm>
+      </p:grpSpPr>
+      <p:sp>
+        <p:nvSpPr>
+          <p:cNvPr id="4" name="Título 3"/>
+          <p:cNvSpPr>
+            <a:spLocks noGrp="1"/>
+          </p:cNvSpPr>
+          <p:nvPr>
+            <p:ph type="title"/>
+          </p:nvPr>
+        </p:nvSpPr>
+        <p:spPr/>
+        <p:txBody>
+          <a:bodyPr/>
+          <a:lstStyle/>
+          <a:p>
+            <a:r>
+              <a:rPr lang="es-ES" dirty="0"/>
+              <a:t>ASP</a:t>
+            </a:r>
+          </a:p>
+        </p:txBody>
+      </p:sp>
+      <p:sp>
+        <p:nvSpPr>
+          <p:cNvPr id="5" name="Marcador de texto 4"/>
+          <p:cNvSpPr>
+            <a:spLocks noGrp="1"/>
+          </p:cNvSpPr>
+          <p:nvPr>
+            <p:ph type="body" idx="1"/>
+          </p:nvPr>
+        </p:nvSpPr>
+        <p:spPr/>
+        <p:txBody>
+          <a:bodyPr/>
+          <a:lstStyle/>
+          <a:p>
+            <a:endParaRPr lang="es-ES"/>
+          </a:p>
+        </p:txBody>
+      </p:sp>
+    </p:spTree>
+    <p:extLst>
+      <p:ext uri="{BB962C8B-B14F-4D97-AF65-F5344CB8AC3E}">
+        <p14:creationId xmlns:p14="http://schemas.microsoft.com/office/powerpoint/2010/main" val="1102975281"/>
+      </p:ext>
+    </p:extLst>
+  </p:cSld>
+  <p:clrMapOvr>
+    <a:masterClrMapping/>
+  </p:clrMapOvr>
+</p:sld>
+</file>
+
+<file path=ppt/slides/slide112.xml><?xml version="1.0" encoding="utf-8"?>
+<p:sld xmlns:a="http://schemas.openxmlformats.org/drawingml/2006/main" xmlns:r="http://schemas.openxmlformats.org/officeDocument/2006/relationships" xmlns:p="http://schemas.openxmlformats.org/presentationml/2006/main">
+  <p:cSld>
+    <p:spTree>
+      <p:nvGrpSpPr>
+        <p:cNvPr id="1" name=""/>
+        <p:cNvGrpSpPr/>
+        <p:nvPr/>
+      </p:nvGrpSpPr>
+      <p:grpSpPr>
+        <a:xfrm>
+          <a:off x="0" y="0"/>
+          <a:ext cx="0" cy="0"/>
+          <a:chOff x="0" y="0"/>
+          <a:chExt cx="0" cy="0"/>
+        </a:xfrm>
+      </p:grpSpPr>
+      <p:sp>
+        <p:nvSpPr>
+          <p:cNvPr id="2" name="Título 1"/>
+          <p:cNvSpPr>
+            <a:spLocks noGrp="1"/>
+          </p:cNvSpPr>
+          <p:nvPr>
+            <p:ph type="title"/>
+          </p:nvPr>
+        </p:nvSpPr>
+        <p:spPr/>
+        <p:txBody>
+          <a:bodyPr/>
+          <a:lstStyle/>
+          <a:p>
+            <a:endParaRPr lang="es-ES"/>
+          </a:p>
+        </p:txBody>
+      </p:sp>
+      <p:sp>
+        <p:nvSpPr>
+          <p:cNvPr id="3" name="Marcador de contenido 2"/>
+          <p:cNvSpPr>
+            <a:spLocks noGrp="1"/>
+          </p:cNvSpPr>
+          <p:nvPr>
+            <p:ph sz="half" idx="1"/>
+          </p:nvPr>
+        </p:nvSpPr>
+        <p:spPr/>
+        <p:txBody>
+          <a:bodyPr>
+            <a:normAutofit/>
+          </a:bodyPr>
+          <a:lstStyle/>
+          <a:p>
+            <a:r>
+              <a:rPr lang="es-ES" b="1" dirty="0"/>
+              <a:t>ASP.NET</a:t>
+            </a:r>
+            <a:r>
+              <a:rPr lang="es-ES" dirty="0"/>
+              <a:t> es un framework para aplicaciones </a:t>
+            </a:r>
+            <a:r>
+              <a:rPr lang="es-ES" dirty="0" smtClean="0"/>
+              <a:t>web. </a:t>
+            </a:r>
+            <a:r>
+              <a:rPr lang="es-ES" dirty="0"/>
+              <a:t>Apareció en enero de 2002 con la versión 1.0 del .NET Framework, y es la tecnología sucesora de la tecnología Active Server Pages (ASP). ASP.NET esta construido sobre el Common </a:t>
+            </a:r>
+            <a:r>
+              <a:rPr lang="es-ES" dirty="0" err="1"/>
+              <a:t>Language</a:t>
+            </a:r>
+            <a:r>
+              <a:rPr lang="es-ES" dirty="0"/>
+              <a:t> </a:t>
+            </a:r>
+            <a:r>
+              <a:rPr lang="es-ES" dirty="0" err="1" smtClean="0"/>
+              <a:t>Runtime</a:t>
+            </a:r>
+            <a:endParaRPr lang="es-ES" dirty="0"/>
+          </a:p>
+        </p:txBody>
+      </p:sp>
+    </p:spTree>
+    <p:extLst>
+      <p:ext uri="{BB962C8B-B14F-4D97-AF65-F5344CB8AC3E}">
+        <p14:creationId xmlns:p14="http://schemas.microsoft.com/office/powerpoint/2010/main" val="660436963"/>
+      </p:ext>
+    </p:extLst>
+  </p:cSld>
+  <p:clrMapOvr>
+    <a:masterClrMapping/>
+  </p:clrMapOvr>
+</p:sld>
+</file>
+
+<file path=ppt/slides/slide113.xml><?xml version="1.0" encoding="utf-8"?>
+<p:sld xmlns:a="http://schemas.openxmlformats.org/drawingml/2006/main" xmlns:r="http://schemas.openxmlformats.org/officeDocument/2006/relationships" xmlns:p="http://schemas.openxmlformats.org/presentationml/2006/main">
+  <p:cSld>
+    <p:spTree>
+      <p:nvGrpSpPr>
+        <p:cNvPr id="1" name=""/>
+        <p:cNvGrpSpPr/>
+        <p:nvPr/>
+      </p:nvGrpSpPr>
+      <p:grpSpPr>
+        <a:xfrm>
+          <a:off x="0" y="0"/>
+          <a:ext cx="0" cy="0"/>
+          <a:chOff x="0" y="0"/>
+          <a:chExt cx="0" cy="0"/>
+        </a:xfrm>
+      </p:grpSpPr>
+      <p:sp>
+        <p:nvSpPr>
+          <p:cNvPr id="4" name="Título 3"/>
+          <p:cNvSpPr>
+            <a:spLocks noGrp="1"/>
+          </p:cNvSpPr>
+          <p:nvPr>
+            <p:ph type="title"/>
+          </p:nvPr>
+        </p:nvSpPr>
+        <p:spPr/>
+        <p:txBody>
+          <a:bodyPr/>
+          <a:lstStyle/>
+          <a:p>
+            <a:r>
+              <a:rPr lang="es-ES" dirty="0" smtClean="0"/>
+              <a:t>DEMO</a:t>
+            </a:r>
+            <a:endParaRPr lang="es-ES" dirty="0"/>
+          </a:p>
+        </p:txBody>
+      </p:sp>
+      <p:sp>
+        <p:nvSpPr>
+          <p:cNvPr id="5" name="Marcador de texto 4"/>
+          <p:cNvSpPr>
+            <a:spLocks noGrp="1"/>
+          </p:cNvSpPr>
+          <p:nvPr>
+            <p:ph type="body" idx="1"/>
+          </p:nvPr>
+        </p:nvSpPr>
+        <p:spPr/>
+        <p:txBody>
+          <a:bodyPr/>
+          <a:lstStyle/>
+          <a:p>
+            <a:r>
+              <a:rPr lang="es-ES" dirty="0" err="1" smtClean="0"/>
+              <a:t>ASP.Net</a:t>
+            </a:r>
+            <a:r>
+              <a:rPr lang="es-ES" dirty="0" smtClean="0"/>
+              <a:t> </a:t>
+            </a:r>
+            <a:r>
+              <a:rPr lang="es-ES" dirty="0" err="1" smtClean="0"/>
+              <a:t>WebForms</a:t>
+            </a:r>
+            <a:endParaRPr lang="es-ES" dirty="0"/>
+          </a:p>
+        </p:txBody>
+      </p:sp>
+    </p:spTree>
+    <p:extLst>
+      <p:ext uri="{BB962C8B-B14F-4D97-AF65-F5344CB8AC3E}">
+        <p14:creationId xmlns:p14="http://schemas.microsoft.com/office/powerpoint/2010/main" val="3250654586"/>
+      </p:ext>
+    </p:extLst>
+  </p:cSld>
+  <p:clrMapOvr>
+    <a:masterClrMapping/>
+  </p:clrMapOvr>
+</p:sld>
+</file>
+
+<file path=ppt/slides/slide114.xml><?xml version="1.0" encoding="utf-8"?>
+<p:sld xmlns:a="http://schemas.openxmlformats.org/drawingml/2006/main" xmlns:r="http://schemas.openxmlformats.org/officeDocument/2006/relationships" xmlns:p="http://schemas.openxmlformats.org/presentationml/2006/main">
+  <p:cSld>
+    <p:spTree>
+      <p:nvGrpSpPr>
+        <p:cNvPr id="1" name=""/>
+        <p:cNvGrpSpPr/>
+        <p:nvPr/>
+      </p:nvGrpSpPr>
+      <p:grpSpPr>
+        <a:xfrm>
+          <a:off x="0" y="0"/>
+          <a:ext cx="0" cy="0"/>
+          <a:chOff x="0" y="0"/>
+          <a:chExt cx="0" cy="0"/>
+        </a:xfrm>
+      </p:grpSpPr>
+      <p:sp>
+        <p:nvSpPr>
+          <p:cNvPr id="4" name="Título 3"/>
+          <p:cNvSpPr>
+            <a:spLocks noGrp="1"/>
+          </p:cNvSpPr>
+          <p:nvPr>
+            <p:ph type="title"/>
+          </p:nvPr>
+        </p:nvSpPr>
+        <p:spPr/>
+        <p:txBody>
+          <a:bodyPr/>
+          <a:lstStyle/>
+          <a:p>
+            <a:r>
+              <a:rPr lang="es-ES" dirty="0" smtClean="0"/>
+              <a:t>DEMO</a:t>
+            </a:r>
+            <a:endParaRPr lang="es-ES" dirty="0"/>
+          </a:p>
+        </p:txBody>
+      </p:sp>
+      <p:sp>
+        <p:nvSpPr>
+          <p:cNvPr id="5" name="Marcador de texto 4"/>
+          <p:cNvSpPr>
+            <a:spLocks noGrp="1"/>
+          </p:cNvSpPr>
+          <p:nvPr>
+            <p:ph type="body" idx="1"/>
+          </p:nvPr>
+        </p:nvSpPr>
+        <p:spPr/>
+        <p:txBody>
+          <a:bodyPr/>
+          <a:lstStyle/>
+          <a:p>
+            <a:r>
+              <a:rPr lang="es-ES" dirty="0" err="1" smtClean="0"/>
+              <a:t>ASP.Net</a:t>
+            </a:r>
+            <a:r>
+              <a:rPr lang="es-ES" dirty="0" smtClean="0"/>
+              <a:t> </a:t>
+            </a:r>
+            <a:r>
+              <a:rPr lang="es-ES" dirty="0" smtClean="0"/>
+              <a:t>Web API </a:t>
+            </a:r>
+            <a:r>
+              <a:rPr lang="es-ES" dirty="0" err="1" smtClean="0"/>
+              <a:t>Razor</a:t>
+            </a:r>
+            <a:endParaRPr lang="es-ES" dirty="0"/>
+          </a:p>
+        </p:txBody>
+      </p:sp>
+    </p:spTree>
+    <p:extLst>
+      <p:ext uri="{BB962C8B-B14F-4D97-AF65-F5344CB8AC3E}">
+        <p14:creationId xmlns:p14="http://schemas.microsoft.com/office/powerpoint/2010/main" val="1971736235"/>
+      </p:ext>
+    </p:extLst>
+  </p:cSld>
+  <p:clrMapOvr>
+    <a:masterClrMapping/>
+  </p:clrMapOvr>
+</p:sld>
+</file>
+
+<file path=ppt/slides/slide115.xml><?xml version="1.0" encoding="utf-8"?>
+<p:sld xmlns:a="http://schemas.openxmlformats.org/drawingml/2006/main" xmlns:r="http://schemas.openxmlformats.org/officeDocument/2006/relationships" xmlns:p="http://schemas.openxmlformats.org/presentationml/2006/main">
+  <p:cSld>
+    <p:spTree>
+      <p:nvGrpSpPr>
+        <p:cNvPr id="1" name=""/>
+        <p:cNvGrpSpPr/>
+        <p:nvPr/>
+      </p:nvGrpSpPr>
+      <p:grpSpPr>
+        <a:xfrm>
+          <a:off x="0" y="0"/>
+          <a:ext cx="0" cy="0"/>
+          <a:chOff x="0" y="0"/>
+          <a:chExt cx="0" cy="0"/>
+        </a:xfrm>
+      </p:grpSpPr>
+      <p:sp>
+        <p:nvSpPr>
+          <p:cNvPr id="2" name="Título 1"/>
+          <p:cNvSpPr>
+            <a:spLocks noGrp="1"/>
+          </p:cNvSpPr>
+          <p:nvPr>
+            <p:ph type="title"/>
+          </p:nvPr>
+        </p:nvSpPr>
+        <p:spPr/>
+        <p:txBody>
+          <a:bodyPr/>
+          <a:lstStyle/>
+          <a:p>
+            <a:endParaRPr lang="es-ES"/>
+          </a:p>
+        </p:txBody>
+      </p:sp>
+      <p:sp>
+        <p:nvSpPr>
+          <p:cNvPr id="3" name="Marcador de contenido 2"/>
+          <p:cNvSpPr>
+            <a:spLocks noGrp="1"/>
+          </p:cNvSpPr>
+          <p:nvPr>
+            <p:ph sz="half" idx="1"/>
+          </p:nvPr>
+        </p:nvSpPr>
+        <p:spPr/>
+        <p:txBody>
+          <a:bodyPr>
+            <a:normAutofit/>
+          </a:bodyPr>
+          <a:lstStyle/>
+          <a:p>
+            <a:r>
+              <a:rPr lang="es-ES" b="1" dirty="0">
+                <a:hlinkClick r:id="rId2"/>
+              </a:rPr>
+              <a:t>http://</a:t>
+            </a:r>
+            <a:r>
+              <a:rPr lang="es-ES" b="1" dirty="0" smtClean="0">
+                <a:hlinkClick r:id="rId2"/>
+              </a:rPr>
+              <a:t>www.asp.net/web-api/overview/older-versions/self-host-a-web-api</a:t>
+            </a:r>
+            <a:endParaRPr lang="es-ES" b="1" dirty="0" smtClean="0"/>
+          </a:p>
+          <a:p>
+            <a:r>
+              <a:rPr lang="es-ES" dirty="0">
+                <a:hlinkClick r:id="rId3"/>
+              </a:rPr>
+              <a:t>https://msdn.microsoft.com/en-us/library/gg615484(v=vs.88).</a:t>
+            </a:r>
+            <a:r>
+              <a:rPr lang="es-ES" dirty="0" smtClean="0">
+                <a:hlinkClick r:id="rId3"/>
+              </a:rPr>
+              <a:t>aspx</a:t>
+            </a:r>
+            <a:endParaRPr lang="es-ES" dirty="0" smtClean="0"/>
+          </a:p>
+          <a:p>
+            <a:r>
+              <a:rPr lang="es-ES" dirty="0"/>
+              <a:t>http://katbella.com/blog/post/getting-started-with-asp-net-mvc-for-front-end-developers</a:t>
+            </a:r>
+          </a:p>
+        </p:txBody>
+      </p:sp>
+    </p:spTree>
+    <p:extLst>
+      <p:ext uri="{BB962C8B-B14F-4D97-AF65-F5344CB8AC3E}">
+        <p14:creationId xmlns:p14="http://schemas.microsoft.com/office/powerpoint/2010/main" val="2694683690"/>
+      </p:ext>
+    </p:extLst>
+  </p:cSld>
+  <p:clrMapOvr>
+    <a:masterClrMapping/>
+  </p:clrMapOvr>
+</p:sld>
+</file>
+
+<file path=ppt/slides/slide116.xml><?xml version="1.0" encoding="utf-8"?>
+<p:sld xmlns:a="http://schemas.openxmlformats.org/drawingml/2006/main" xmlns:r="http://schemas.openxmlformats.org/officeDocument/2006/relationships" xmlns:p="http://schemas.openxmlformats.org/presentationml/2006/main">
+  <p:cSld>
+    <p:spTree>
+      <p:nvGrpSpPr>
+        <p:cNvPr id="1" name=""/>
+        <p:cNvGrpSpPr/>
+        <p:nvPr/>
+      </p:nvGrpSpPr>
+      <p:grpSpPr>
+        <a:xfrm>
+          <a:off x="0" y="0"/>
+          <a:ext cx="0" cy="0"/>
+          <a:chOff x="0" y="0"/>
+          <a:chExt cx="0" cy="0"/>
+        </a:xfrm>
+      </p:grpSpPr>
+      <p:sp>
+        <p:nvSpPr>
+          <p:cNvPr id="4" name="Título 3"/>
+          <p:cNvSpPr>
+            <a:spLocks noGrp="1"/>
+          </p:cNvSpPr>
+          <p:nvPr>
+            <p:ph type="title"/>
+          </p:nvPr>
+        </p:nvSpPr>
+        <p:spPr/>
+        <p:txBody>
+          <a:bodyPr/>
+          <a:lstStyle/>
+          <a:p>
+            <a:r>
+              <a:rPr lang="es-ES" dirty="0"/>
+              <a:t>WCF</a:t>
+            </a:r>
+          </a:p>
+        </p:txBody>
+      </p:sp>
+      <p:sp>
+        <p:nvSpPr>
+          <p:cNvPr id="5" name="Marcador de texto 4"/>
+          <p:cNvSpPr>
+            <a:spLocks noGrp="1"/>
+          </p:cNvSpPr>
+          <p:nvPr>
+            <p:ph type="body" idx="1"/>
+          </p:nvPr>
+        </p:nvSpPr>
+        <p:spPr/>
+        <p:txBody>
+          <a:bodyPr/>
+          <a:lstStyle/>
+          <a:p>
+            <a:endParaRPr lang="es-ES"/>
+          </a:p>
+        </p:txBody>
+      </p:sp>
+    </p:spTree>
+    <p:extLst>
+      <p:ext uri="{BB962C8B-B14F-4D97-AF65-F5344CB8AC3E}">
+        <p14:creationId xmlns:p14="http://schemas.microsoft.com/office/powerpoint/2010/main" val="27664151"/>
+      </p:ext>
+    </p:extLst>
+  </p:cSld>
+  <p:clrMapOvr>
+    <a:masterClrMapping/>
+  </p:clrMapOvr>
+</p:sld>
+</file>
+
+<file path=ppt/slides/slide117.xml><?xml version="1.0" encoding="utf-8"?>
+<p:sld xmlns:a="http://schemas.openxmlformats.org/drawingml/2006/main" xmlns:r="http://schemas.openxmlformats.org/officeDocument/2006/relationships" xmlns:p="http://schemas.openxmlformats.org/presentationml/2006/main">
+  <p:cSld>
+    <p:spTree>
+      <p:nvGrpSpPr>
+        <p:cNvPr id="1" name=""/>
+        <p:cNvGrpSpPr/>
+        <p:nvPr/>
+      </p:nvGrpSpPr>
+      <p:grpSpPr>
+        <a:xfrm>
+          <a:off x="0" y="0"/>
+          <a:ext cx="0" cy="0"/>
+          <a:chOff x="0" y="0"/>
+          <a:chExt cx="0" cy="0"/>
+        </a:xfrm>
+      </p:grpSpPr>
+      <p:sp>
+        <p:nvSpPr>
+          <p:cNvPr id="2" name="Título 1"/>
+          <p:cNvSpPr>
+            <a:spLocks noGrp="1"/>
+          </p:cNvSpPr>
+          <p:nvPr>
+            <p:ph type="title"/>
+          </p:nvPr>
+        </p:nvSpPr>
+        <p:spPr/>
+        <p:txBody>
+          <a:bodyPr/>
+          <a:lstStyle/>
+          <a:p>
+            <a:endParaRPr lang="es-ES"/>
+          </a:p>
+        </p:txBody>
+      </p:sp>
+      <p:sp>
+        <p:nvSpPr>
+          <p:cNvPr id="3" name="Marcador de contenido 2"/>
+          <p:cNvSpPr>
+            <a:spLocks noGrp="1"/>
+          </p:cNvSpPr>
+          <p:nvPr>
+            <p:ph sz="half" idx="1"/>
+          </p:nvPr>
+        </p:nvSpPr>
+        <p:spPr/>
+        <p:txBody>
+          <a:bodyPr>
+            <a:normAutofit/>
+          </a:bodyPr>
+          <a:lstStyle/>
+          <a:p>
+            <a:r>
+              <a:rPr lang="es-ES" dirty="0" smtClean="0"/>
+              <a:t>Creada </a:t>
+            </a:r>
+            <a:r>
+              <a:rPr lang="es-ES" dirty="0"/>
+              <a:t>con el fin de permitir </a:t>
+            </a:r>
+            <a:r>
+              <a:rPr lang="es-ES" dirty="0" smtClean="0"/>
+              <a:t>el </a:t>
+            </a:r>
+            <a:r>
+              <a:rPr lang="es-ES" dirty="0"/>
+              <a:t>desarrollo de aplicaciones basadas en arquitecturas orientadas a servicios (también conocido como </a:t>
+            </a:r>
+            <a:r>
+              <a:rPr lang="es-ES" dirty="0">
+                <a:hlinkClick r:id="rId2" tooltip="Arquitectura orientada a servicios"/>
+              </a:rPr>
+              <a:t>SOA</a:t>
+            </a:r>
+            <a:r>
+              <a:rPr lang="es-ES" dirty="0"/>
+              <a:t>), con una API simple; y que puede ejecutarse en una máquina </a:t>
+            </a:r>
+            <a:r>
+              <a:rPr lang="es-ES" dirty="0" smtClean="0"/>
+              <a:t>local.</a:t>
+            </a:r>
+            <a:endParaRPr lang="es-ES" b="1" dirty="0" smtClean="0"/>
+          </a:p>
+        </p:txBody>
+      </p:sp>
+    </p:spTree>
+    <p:extLst>
+      <p:ext uri="{BB962C8B-B14F-4D97-AF65-F5344CB8AC3E}">
+        <p14:creationId xmlns:p14="http://schemas.microsoft.com/office/powerpoint/2010/main" val="885513791"/>
+      </p:ext>
+    </p:extLst>
+  </p:cSld>
+  <p:clrMapOvr>
+    <a:masterClrMapping/>
+  </p:clrMapOvr>
+</p:sld>
+</file>
+
+<file path=ppt/slides/slide118.xml><?xml version="1.0" encoding="utf-8"?>
+<p:sld xmlns:a="http://schemas.openxmlformats.org/drawingml/2006/main" xmlns:r="http://schemas.openxmlformats.org/officeDocument/2006/relationships" xmlns:p="http://schemas.openxmlformats.org/presentationml/2006/main">
+  <p:cSld>
+    <p:spTree>
+      <p:nvGrpSpPr>
+        <p:cNvPr id="1" name=""/>
+        <p:cNvGrpSpPr/>
+        <p:nvPr/>
+      </p:nvGrpSpPr>
+      <p:grpSpPr>
+        <a:xfrm>
+          <a:off x="0" y="0"/>
+          <a:ext cx="0" cy="0"/>
+          <a:chOff x="0" y="0"/>
+          <a:chExt cx="0" cy="0"/>
+        </a:xfrm>
+      </p:grpSpPr>
+      <p:sp>
+        <p:nvSpPr>
+          <p:cNvPr id="4" name="Título 3"/>
+          <p:cNvSpPr>
+            <a:spLocks noGrp="1"/>
+          </p:cNvSpPr>
+          <p:nvPr>
+            <p:ph type="title"/>
+          </p:nvPr>
+        </p:nvSpPr>
+        <p:spPr/>
+        <p:txBody>
+          <a:bodyPr/>
+          <a:lstStyle/>
+          <a:p>
+            <a:r>
+              <a:rPr lang="es-ES" dirty="0" smtClean="0"/>
+              <a:t>DEMO</a:t>
+            </a:r>
+            <a:endParaRPr lang="es-ES" dirty="0"/>
+          </a:p>
+        </p:txBody>
+      </p:sp>
+      <p:sp>
+        <p:nvSpPr>
+          <p:cNvPr id="5" name="Marcador de texto 4"/>
+          <p:cNvSpPr>
+            <a:spLocks noGrp="1"/>
+          </p:cNvSpPr>
+          <p:nvPr>
+            <p:ph type="body" idx="1"/>
+          </p:nvPr>
+        </p:nvSpPr>
+        <p:spPr/>
+        <p:txBody>
+          <a:bodyPr/>
+          <a:lstStyle/>
+          <a:p>
+            <a:r>
+              <a:rPr lang="es-ES" dirty="0" err="1" smtClean="0"/>
+              <a:t>ASP.Net</a:t>
+            </a:r>
+            <a:r>
+              <a:rPr lang="es-ES" dirty="0" smtClean="0"/>
+              <a:t> </a:t>
+            </a:r>
+            <a:r>
+              <a:rPr lang="es-ES" dirty="0" err="1" smtClean="0"/>
+              <a:t>WebForms</a:t>
+            </a:r>
+            <a:endParaRPr lang="es-ES" dirty="0"/>
+          </a:p>
+        </p:txBody>
+      </p:sp>
+    </p:spTree>
+    <p:extLst>
+      <p:ext uri="{BB962C8B-B14F-4D97-AF65-F5344CB8AC3E}">
+        <p14:creationId xmlns:p14="http://schemas.microsoft.com/office/powerpoint/2010/main" val="4034795209"/>
+      </p:ext>
+    </p:extLst>
+  </p:cSld>
+  <p:clrMapOvr>
+    <a:masterClrMapping/>
+  </p:clrMapOvr>
+</p:sld>
+</file>
+
+<file path=ppt/slides/slide119.xml><?xml version="1.0" encoding="utf-8"?>
+<p:sld xmlns:a="http://schemas.openxmlformats.org/drawingml/2006/main" xmlns:r="http://schemas.openxmlformats.org/officeDocument/2006/relationships" xmlns:p="http://schemas.openxmlformats.org/presentationml/2006/main">
+  <p:cSld>
+    <p:spTree>
+      <p:nvGrpSpPr>
+        <p:cNvPr id="1" name=""/>
+        <p:cNvGrpSpPr/>
+        <p:nvPr/>
+      </p:nvGrpSpPr>
+      <p:grpSpPr>
+        <a:xfrm>
+          <a:off x="0" y="0"/>
+          <a:ext cx="0" cy="0"/>
+          <a:chOff x="0" y="0"/>
+          <a:chExt cx="0" cy="0"/>
+        </a:xfrm>
+      </p:grpSpPr>
+      <p:sp>
+        <p:nvSpPr>
+          <p:cNvPr id="2" name="Título 1"/>
+          <p:cNvSpPr>
+            <a:spLocks noGrp="1"/>
+          </p:cNvSpPr>
+          <p:nvPr>
+            <p:ph type="title"/>
+          </p:nvPr>
+        </p:nvSpPr>
+        <p:spPr/>
+        <p:txBody>
+          <a:bodyPr/>
+          <a:lstStyle/>
+          <a:p>
+            <a:endParaRPr lang="es-ES"/>
+          </a:p>
+        </p:txBody>
+      </p:sp>
+      <p:sp>
+        <p:nvSpPr>
+          <p:cNvPr id="3" name="Marcador de contenido 2"/>
+          <p:cNvSpPr>
+            <a:spLocks noGrp="1"/>
+          </p:cNvSpPr>
+          <p:nvPr>
+            <p:ph sz="half" idx="1"/>
+          </p:nvPr>
+        </p:nvSpPr>
+        <p:spPr/>
+        <p:txBody>
+          <a:bodyPr>
+            <a:normAutofit/>
+          </a:bodyPr>
+          <a:lstStyle/>
+          <a:p>
+            <a:r>
+              <a:rPr lang="es-ES" dirty="0">
+                <a:hlinkClick r:id="rId2"/>
+              </a:rPr>
+              <a:t>http://</a:t>
+            </a:r>
+            <a:r>
+              <a:rPr lang="es-ES" dirty="0" smtClean="0">
+                <a:hlinkClick r:id="rId2"/>
+              </a:rPr>
+              <a:t>www.codeproject.com/Articles/784084/WCF-Self-Hosting-in-a-Console-Application-Simplifi</a:t>
+            </a:r>
+            <a:endParaRPr lang="es-ES" dirty="0" smtClean="0"/>
+          </a:p>
+          <a:p>
+            <a:r>
+              <a:rPr lang="es-ES" b="1" dirty="0"/>
+              <a:t>https://msdn.microsoft.com/en-us/library/ff650862.aspx</a:t>
+            </a:r>
+            <a:endParaRPr lang="es-ES" b="1" dirty="0" smtClean="0"/>
+          </a:p>
+        </p:txBody>
+      </p:sp>
+    </p:spTree>
+    <p:extLst>
+      <p:ext uri="{BB962C8B-B14F-4D97-AF65-F5344CB8AC3E}">
+        <p14:creationId xmlns:p14="http://schemas.microsoft.com/office/powerpoint/2010/main" val="3392842322"/>
       </p:ext>
     </p:extLst>
   </p:cSld>
@@ -20802,6 +21964,815 @@
 </p:sld>
 </file>
 
+<file path=ppt/slides/slide120.xml><?xml version="1.0" encoding="utf-8"?>
+<p:sld xmlns:a="http://schemas.openxmlformats.org/drawingml/2006/main" xmlns:r="http://schemas.openxmlformats.org/officeDocument/2006/relationships" xmlns:p="http://schemas.openxmlformats.org/presentationml/2006/main">
+  <p:cSld>
+    <p:spTree>
+      <p:nvGrpSpPr>
+        <p:cNvPr id="1" name=""/>
+        <p:cNvGrpSpPr/>
+        <p:nvPr/>
+      </p:nvGrpSpPr>
+      <p:grpSpPr>
+        <a:xfrm>
+          <a:off x="0" y="0"/>
+          <a:ext cx="0" cy="0"/>
+          <a:chOff x="0" y="0"/>
+          <a:chExt cx="0" cy="0"/>
+        </a:xfrm>
+      </p:grpSpPr>
+      <p:sp>
+        <p:nvSpPr>
+          <p:cNvPr id="4" name="Título 3"/>
+          <p:cNvSpPr>
+            <a:spLocks noGrp="1"/>
+          </p:cNvSpPr>
+          <p:nvPr>
+            <p:ph type="title"/>
+          </p:nvPr>
+        </p:nvSpPr>
+        <p:spPr/>
+        <p:txBody>
+          <a:bodyPr/>
+          <a:lstStyle/>
+          <a:p>
+            <a:r>
+              <a:rPr lang="es-ES" dirty="0" err="1"/>
+              <a:t>Azure</a:t>
+            </a:r>
+            <a:endParaRPr lang="es-ES" dirty="0"/>
+          </a:p>
+        </p:txBody>
+      </p:sp>
+      <p:sp>
+        <p:nvSpPr>
+          <p:cNvPr id="5" name="Marcador de texto 4"/>
+          <p:cNvSpPr>
+            <a:spLocks noGrp="1"/>
+          </p:cNvSpPr>
+          <p:nvPr>
+            <p:ph type="body" idx="1"/>
+          </p:nvPr>
+        </p:nvSpPr>
+        <p:spPr/>
+        <p:txBody>
+          <a:bodyPr/>
+          <a:lstStyle/>
+          <a:p>
+            <a:endParaRPr lang="es-ES"/>
+          </a:p>
+        </p:txBody>
+      </p:sp>
+    </p:spTree>
+    <p:extLst>
+      <p:ext uri="{BB962C8B-B14F-4D97-AF65-F5344CB8AC3E}">
+        <p14:creationId xmlns:p14="http://schemas.microsoft.com/office/powerpoint/2010/main" val="3588265828"/>
+      </p:ext>
+    </p:extLst>
+  </p:cSld>
+  <p:clrMapOvr>
+    <a:masterClrMapping/>
+  </p:clrMapOvr>
+</p:sld>
+</file>
+
+<file path=ppt/slides/slide121.xml><?xml version="1.0" encoding="utf-8"?>
+<p:sld xmlns:a="http://schemas.openxmlformats.org/drawingml/2006/main" xmlns:r="http://schemas.openxmlformats.org/officeDocument/2006/relationships" xmlns:p="http://schemas.openxmlformats.org/presentationml/2006/main">
+  <p:cSld>
+    <p:spTree>
+      <p:nvGrpSpPr>
+        <p:cNvPr id="1" name=""/>
+        <p:cNvGrpSpPr/>
+        <p:nvPr/>
+      </p:nvGrpSpPr>
+      <p:grpSpPr>
+        <a:xfrm>
+          <a:off x="0" y="0"/>
+          <a:ext cx="0" cy="0"/>
+          <a:chOff x="0" y="0"/>
+          <a:chExt cx="0" cy="0"/>
+        </a:xfrm>
+      </p:grpSpPr>
+      <p:sp>
+        <p:nvSpPr>
+          <p:cNvPr id="2" name="Título 1"/>
+          <p:cNvSpPr>
+            <a:spLocks noGrp="1"/>
+          </p:cNvSpPr>
+          <p:nvPr>
+            <p:ph type="title"/>
+          </p:nvPr>
+        </p:nvSpPr>
+        <p:spPr/>
+        <p:txBody>
+          <a:bodyPr/>
+          <a:lstStyle/>
+          <a:p>
+            <a:endParaRPr lang="es-ES"/>
+          </a:p>
+        </p:txBody>
+      </p:sp>
+      <p:sp>
+        <p:nvSpPr>
+          <p:cNvPr id="3" name="Marcador de contenido 2"/>
+          <p:cNvSpPr>
+            <a:spLocks noGrp="1"/>
+          </p:cNvSpPr>
+          <p:nvPr>
+            <p:ph sz="half" idx="1"/>
+          </p:nvPr>
+        </p:nvSpPr>
+        <p:spPr/>
+        <p:txBody>
+          <a:bodyPr>
+            <a:normAutofit/>
+          </a:bodyPr>
+          <a:lstStyle/>
+          <a:p>
+            <a:r>
+              <a:rPr lang="es-ES" dirty="0" smtClean="0"/>
+              <a:t>Es una </a:t>
+            </a:r>
+            <a:r>
+              <a:rPr lang="es-ES" dirty="0"/>
+              <a:t>plataforma general que tiene diferentes servicios para aplicaciones, desde servicios que alojan aplicaciones </a:t>
+            </a:r>
+            <a:r>
+              <a:rPr lang="es-ES" dirty="0" smtClean="0"/>
+              <a:t>hasta </a:t>
+            </a:r>
+            <a:r>
+              <a:rPr lang="es-ES" dirty="0"/>
+              <a:t>servicios de comunicación segura y federación entre aplicaciones</a:t>
+            </a:r>
+            <a:r>
+              <a:rPr lang="es-ES" dirty="0" smtClean="0"/>
+              <a:t>.</a:t>
+            </a:r>
+            <a:endParaRPr lang="es-ES" b="1" dirty="0" smtClean="0"/>
+          </a:p>
+        </p:txBody>
+      </p:sp>
+    </p:spTree>
+    <p:extLst>
+      <p:ext uri="{BB962C8B-B14F-4D97-AF65-F5344CB8AC3E}">
+        <p14:creationId xmlns:p14="http://schemas.microsoft.com/office/powerpoint/2010/main" val="4217576956"/>
+      </p:ext>
+    </p:extLst>
+  </p:cSld>
+  <p:clrMapOvr>
+    <a:masterClrMapping/>
+  </p:clrMapOvr>
+</p:sld>
+</file>
+
+<file path=ppt/slides/slide122.xml><?xml version="1.0" encoding="utf-8"?>
+<p:sld xmlns:a="http://schemas.openxmlformats.org/drawingml/2006/main" xmlns:r="http://schemas.openxmlformats.org/officeDocument/2006/relationships" xmlns:p="http://schemas.openxmlformats.org/presentationml/2006/main">
+  <p:cSld>
+    <p:spTree>
+      <p:nvGrpSpPr>
+        <p:cNvPr id="1" name=""/>
+        <p:cNvGrpSpPr/>
+        <p:nvPr/>
+      </p:nvGrpSpPr>
+      <p:grpSpPr>
+        <a:xfrm>
+          <a:off x="0" y="0"/>
+          <a:ext cx="0" cy="0"/>
+          <a:chOff x="0" y="0"/>
+          <a:chExt cx="0" cy="0"/>
+        </a:xfrm>
+      </p:grpSpPr>
+      <p:sp>
+        <p:nvSpPr>
+          <p:cNvPr id="4" name="Título 3"/>
+          <p:cNvSpPr>
+            <a:spLocks noGrp="1"/>
+          </p:cNvSpPr>
+          <p:nvPr>
+            <p:ph type="title"/>
+          </p:nvPr>
+        </p:nvSpPr>
+        <p:spPr/>
+        <p:txBody>
+          <a:bodyPr/>
+          <a:lstStyle/>
+          <a:p>
+            <a:r>
+              <a:rPr lang="es-ES" dirty="0" err="1" smtClean="0"/>
+              <a:t>Nuget</a:t>
+            </a:r>
+            <a:endParaRPr lang="es-ES" dirty="0"/>
+          </a:p>
+        </p:txBody>
+      </p:sp>
+      <p:sp>
+        <p:nvSpPr>
+          <p:cNvPr id="5" name="Marcador de texto 4"/>
+          <p:cNvSpPr>
+            <a:spLocks noGrp="1"/>
+          </p:cNvSpPr>
+          <p:nvPr>
+            <p:ph type="body" idx="1"/>
+          </p:nvPr>
+        </p:nvSpPr>
+        <p:spPr/>
+        <p:txBody>
+          <a:bodyPr/>
+          <a:lstStyle/>
+          <a:p>
+            <a:endParaRPr lang="es-ES"/>
+          </a:p>
+        </p:txBody>
+      </p:sp>
+    </p:spTree>
+    <p:extLst>
+      <p:ext uri="{BB962C8B-B14F-4D97-AF65-F5344CB8AC3E}">
+        <p14:creationId xmlns:p14="http://schemas.microsoft.com/office/powerpoint/2010/main" val="1044252823"/>
+      </p:ext>
+    </p:extLst>
+  </p:cSld>
+  <p:clrMapOvr>
+    <a:masterClrMapping/>
+  </p:clrMapOvr>
+</p:sld>
+</file>
+
+<file path=ppt/slides/slide123.xml><?xml version="1.0" encoding="utf-8"?>
+<p:sld xmlns:a="http://schemas.openxmlformats.org/drawingml/2006/main" xmlns:r="http://schemas.openxmlformats.org/officeDocument/2006/relationships" xmlns:p="http://schemas.openxmlformats.org/presentationml/2006/main">
+  <p:cSld>
+    <p:spTree>
+      <p:nvGrpSpPr>
+        <p:cNvPr id="1" name=""/>
+        <p:cNvGrpSpPr/>
+        <p:nvPr/>
+      </p:nvGrpSpPr>
+      <p:grpSpPr>
+        <a:xfrm>
+          <a:off x="0" y="0"/>
+          <a:ext cx="0" cy="0"/>
+          <a:chOff x="0" y="0"/>
+          <a:chExt cx="0" cy="0"/>
+        </a:xfrm>
+      </p:grpSpPr>
+      <p:sp>
+        <p:nvSpPr>
+          <p:cNvPr id="2" name="Título 1"/>
+          <p:cNvSpPr>
+            <a:spLocks noGrp="1"/>
+          </p:cNvSpPr>
+          <p:nvPr>
+            <p:ph type="title"/>
+          </p:nvPr>
+        </p:nvSpPr>
+        <p:spPr/>
+        <p:txBody>
+          <a:bodyPr/>
+          <a:lstStyle/>
+          <a:p>
+            <a:endParaRPr lang="es-ES"/>
+          </a:p>
+        </p:txBody>
+      </p:sp>
+      <p:pic>
+        <p:nvPicPr>
+          <p:cNvPr id="4" name="Marcador de contenido 3"/>
+          <p:cNvPicPr>
+            <a:picLocks noGrp="1" noChangeAspect="1"/>
+          </p:cNvPicPr>
+          <p:nvPr>
+            <p:ph sz="half" idx="1"/>
+          </p:nvPr>
+        </p:nvPicPr>
+        <p:blipFill>
+          <a:blip r:embed="rId2">
+            <a:extLst>
+              <a:ext uri="{28A0092B-C50C-407E-A947-70E740481C1C}">
+                <a14:useLocalDpi xmlns:a14="http://schemas.microsoft.com/office/drawing/2010/main" val="0"/>
+              </a:ext>
+            </a:extLst>
+          </a:blip>
+          <a:stretch>
+            <a:fillRect/>
+          </a:stretch>
+        </p:blipFill>
+        <p:spPr>
+          <a:xfrm>
+            <a:off x="2717229" y="915988"/>
+            <a:ext cx="3709541" cy="3678237"/>
+          </a:xfrm>
+        </p:spPr>
+      </p:pic>
+    </p:spTree>
+    <p:extLst>
+      <p:ext uri="{BB962C8B-B14F-4D97-AF65-F5344CB8AC3E}">
+        <p14:creationId xmlns:p14="http://schemas.microsoft.com/office/powerpoint/2010/main" val="1930710208"/>
+      </p:ext>
+    </p:extLst>
+  </p:cSld>
+  <p:clrMapOvr>
+    <a:masterClrMapping/>
+  </p:clrMapOvr>
+</p:sld>
+</file>
+
+<file path=ppt/slides/slide124.xml><?xml version="1.0" encoding="utf-8"?>
+<p:sld xmlns:a="http://schemas.openxmlformats.org/drawingml/2006/main" xmlns:r="http://schemas.openxmlformats.org/officeDocument/2006/relationships" xmlns:p="http://schemas.openxmlformats.org/presentationml/2006/main">
+  <p:cSld>
+    <p:spTree>
+      <p:nvGrpSpPr>
+        <p:cNvPr id="1" name=""/>
+        <p:cNvGrpSpPr/>
+        <p:nvPr/>
+      </p:nvGrpSpPr>
+      <p:grpSpPr>
+        <a:xfrm>
+          <a:off x="0" y="0"/>
+          <a:ext cx="0" cy="0"/>
+          <a:chOff x="0" y="0"/>
+          <a:chExt cx="0" cy="0"/>
+        </a:xfrm>
+      </p:grpSpPr>
+      <p:sp>
+        <p:nvSpPr>
+          <p:cNvPr id="2" name="Título 1"/>
+          <p:cNvSpPr>
+            <a:spLocks noGrp="1"/>
+          </p:cNvSpPr>
+          <p:nvPr>
+            <p:ph type="title"/>
+          </p:nvPr>
+        </p:nvSpPr>
+        <p:spPr/>
+        <p:txBody>
+          <a:bodyPr/>
+          <a:lstStyle/>
+          <a:p>
+            <a:endParaRPr lang="es-ES"/>
+          </a:p>
+        </p:txBody>
+      </p:sp>
+      <p:pic>
+        <p:nvPicPr>
+          <p:cNvPr id="4" name="Marcador de contenido 3"/>
+          <p:cNvPicPr>
+            <a:picLocks noGrp="1" noChangeAspect="1"/>
+          </p:cNvPicPr>
+          <p:nvPr>
+            <p:ph sz="half" idx="1"/>
+          </p:nvPr>
+        </p:nvPicPr>
+        <p:blipFill>
+          <a:blip r:embed="rId2">
+            <a:extLst>
+              <a:ext uri="{28A0092B-C50C-407E-A947-70E740481C1C}">
+                <a14:useLocalDpi xmlns:a14="http://schemas.microsoft.com/office/drawing/2010/main" val="0"/>
+              </a:ext>
+            </a:extLst>
+          </a:blip>
+          <a:stretch>
+            <a:fillRect/>
+          </a:stretch>
+        </p:blipFill>
+        <p:spPr>
+          <a:xfrm>
+            <a:off x="1915539" y="844069"/>
+            <a:ext cx="5477307" cy="3678237"/>
+          </a:xfrm>
+        </p:spPr>
+      </p:pic>
+    </p:spTree>
+    <p:extLst>
+      <p:ext uri="{BB962C8B-B14F-4D97-AF65-F5344CB8AC3E}">
+        <p14:creationId xmlns:p14="http://schemas.microsoft.com/office/powerpoint/2010/main" val="2552200626"/>
+      </p:ext>
+    </p:extLst>
+  </p:cSld>
+  <p:clrMapOvr>
+    <a:masterClrMapping/>
+  </p:clrMapOvr>
+</p:sld>
+</file>
+
+<file path=ppt/slides/slide125.xml><?xml version="1.0" encoding="utf-8"?>
+<p:sld xmlns:a="http://schemas.openxmlformats.org/drawingml/2006/main" xmlns:r="http://schemas.openxmlformats.org/officeDocument/2006/relationships" xmlns:p="http://schemas.openxmlformats.org/presentationml/2006/main">
+  <p:cSld>
+    <p:spTree>
+      <p:nvGrpSpPr>
+        <p:cNvPr id="1" name=""/>
+        <p:cNvGrpSpPr/>
+        <p:nvPr/>
+      </p:nvGrpSpPr>
+      <p:grpSpPr>
+        <a:xfrm>
+          <a:off x="0" y="0"/>
+          <a:ext cx="0" cy="0"/>
+          <a:chOff x="0" y="0"/>
+          <a:chExt cx="0" cy="0"/>
+        </a:xfrm>
+      </p:grpSpPr>
+      <p:sp>
+        <p:nvSpPr>
+          <p:cNvPr id="4" name="Título 3"/>
+          <p:cNvSpPr>
+            <a:spLocks noGrp="1"/>
+          </p:cNvSpPr>
+          <p:nvPr>
+            <p:ph type="title"/>
+          </p:nvPr>
+        </p:nvSpPr>
+        <p:spPr/>
+        <p:txBody>
+          <a:bodyPr/>
+          <a:lstStyle/>
+          <a:p>
+            <a:r>
+              <a:rPr lang="es-ES" dirty="0" smtClean="0"/>
+              <a:t>DEMO</a:t>
+            </a:r>
+            <a:endParaRPr lang="es-ES" dirty="0"/>
+          </a:p>
+        </p:txBody>
+      </p:sp>
+      <p:sp>
+        <p:nvSpPr>
+          <p:cNvPr id="5" name="Marcador de texto 4"/>
+          <p:cNvSpPr>
+            <a:spLocks noGrp="1"/>
+          </p:cNvSpPr>
+          <p:nvPr>
+            <p:ph type="body" idx="1"/>
+          </p:nvPr>
+        </p:nvSpPr>
+        <p:spPr/>
+        <p:txBody>
+          <a:bodyPr/>
+          <a:lstStyle/>
+          <a:p>
+            <a:r>
+              <a:rPr lang="es-ES" dirty="0" smtClean="0"/>
+              <a:t>Que podemos hacer con </a:t>
+            </a:r>
+            <a:r>
+              <a:rPr lang="es-ES" dirty="0" err="1" smtClean="0"/>
+              <a:t>azure</a:t>
+            </a:r>
+            <a:endParaRPr lang="es-ES" dirty="0"/>
+          </a:p>
+        </p:txBody>
+      </p:sp>
+    </p:spTree>
+    <p:extLst>
+      <p:ext uri="{BB962C8B-B14F-4D97-AF65-F5344CB8AC3E}">
+        <p14:creationId xmlns:p14="http://schemas.microsoft.com/office/powerpoint/2010/main" val="3385936509"/>
+      </p:ext>
+    </p:extLst>
+  </p:cSld>
+  <p:clrMapOvr>
+    <a:masterClrMapping/>
+  </p:clrMapOvr>
+</p:sld>
+</file>
+
+<file path=ppt/slides/slide126.xml><?xml version="1.0" encoding="utf-8"?>
+<p:sld xmlns:a="http://schemas.openxmlformats.org/drawingml/2006/main" xmlns:r="http://schemas.openxmlformats.org/officeDocument/2006/relationships" xmlns:p="http://schemas.openxmlformats.org/presentationml/2006/main">
+  <p:cSld>
+    <p:spTree>
+      <p:nvGrpSpPr>
+        <p:cNvPr id="1" name=""/>
+        <p:cNvGrpSpPr/>
+        <p:nvPr/>
+      </p:nvGrpSpPr>
+      <p:grpSpPr>
+        <a:xfrm>
+          <a:off x="0" y="0"/>
+          <a:ext cx="0" cy="0"/>
+          <a:chOff x="0" y="0"/>
+          <a:chExt cx="0" cy="0"/>
+        </a:xfrm>
+      </p:grpSpPr>
+      <p:sp>
+        <p:nvSpPr>
+          <p:cNvPr id="4" name="Título 3"/>
+          <p:cNvSpPr>
+            <a:spLocks noGrp="1"/>
+          </p:cNvSpPr>
+          <p:nvPr>
+            <p:ph type="title"/>
+          </p:nvPr>
+        </p:nvSpPr>
+        <p:spPr/>
+        <p:txBody>
+          <a:bodyPr/>
+          <a:lstStyle/>
+          <a:p>
+            <a:r>
+              <a:rPr lang="es-ES" dirty="0" err="1"/>
+              <a:t>Xamarin</a:t>
+            </a:r>
+            <a:endParaRPr lang="es-ES" dirty="0"/>
+          </a:p>
+        </p:txBody>
+      </p:sp>
+      <p:sp>
+        <p:nvSpPr>
+          <p:cNvPr id="5" name="Marcador de texto 4"/>
+          <p:cNvSpPr>
+            <a:spLocks noGrp="1"/>
+          </p:cNvSpPr>
+          <p:nvPr>
+            <p:ph type="body" idx="1"/>
+          </p:nvPr>
+        </p:nvSpPr>
+        <p:spPr/>
+        <p:txBody>
+          <a:bodyPr/>
+          <a:lstStyle/>
+          <a:p>
+            <a:endParaRPr lang="es-ES"/>
+          </a:p>
+        </p:txBody>
+      </p:sp>
+    </p:spTree>
+    <p:extLst>
+      <p:ext uri="{BB962C8B-B14F-4D97-AF65-F5344CB8AC3E}">
+        <p14:creationId xmlns:p14="http://schemas.microsoft.com/office/powerpoint/2010/main" val="3354631335"/>
+      </p:ext>
+    </p:extLst>
+  </p:cSld>
+  <p:clrMapOvr>
+    <a:masterClrMapping/>
+  </p:clrMapOvr>
+</p:sld>
+</file>
+
+<file path=ppt/slides/slide127.xml><?xml version="1.0" encoding="utf-8"?>
+<p:sld xmlns:a="http://schemas.openxmlformats.org/drawingml/2006/main" xmlns:r="http://schemas.openxmlformats.org/officeDocument/2006/relationships" xmlns:p="http://schemas.openxmlformats.org/presentationml/2006/main">
+  <p:cSld>
+    <p:spTree>
+      <p:nvGrpSpPr>
+        <p:cNvPr id="1" name=""/>
+        <p:cNvGrpSpPr/>
+        <p:nvPr/>
+      </p:nvGrpSpPr>
+      <p:grpSpPr>
+        <a:xfrm>
+          <a:off x="0" y="0"/>
+          <a:ext cx="0" cy="0"/>
+          <a:chOff x="0" y="0"/>
+          <a:chExt cx="0" cy="0"/>
+        </a:xfrm>
+      </p:grpSpPr>
+      <p:sp>
+        <p:nvSpPr>
+          <p:cNvPr id="4" name="Título 3"/>
+          <p:cNvSpPr>
+            <a:spLocks noGrp="1"/>
+          </p:cNvSpPr>
+          <p:nvPr>
+            <p:ph type="title"/>
+          </p:nvPr>
+        </p:nvSpPr>
+        <p:spPr/>
+        <p:txBody>
+          <a:bodyPr/>
+          <a:lstStyle/>
+          <a:p>
+            <a:r>
+              <a:rPr lang="es-ES" dirty="0" err="1" smtClean="0"/>
+              <a:t>Xamarin</a:t>
+            </a:r>
+            <a:r>
+              <a:rPr lang="es-ES" dirty="0" smtClean="0"/>
+              <a:t> </a:t>
+            </a:r>
+            <a:r>
+              <a:rPr lang="es-ES" dirty="0" err="1" smtClean="0"/>
+              <a:t>MvvmCross</a:t>
+            </a:r>
+            <a:endParaRPr lang="es-ES" dirty="0"/>
+          </a:p>
+        </p:txBody>
+      </p:sp>
+      <p:sp>
+        <p:nvSpPr>
+          <p:cNvPr id="5" name="Marcador de texto 4"/>
+          <p:cNvSpPr>
+            <a:spLocks noGrp="1"/>
+          </p:cNvSpPr>
+          <p:nvPr>
+            <p:ph type="body" idx="1"/>
+          </p:nvPr>
+        </p:nvSpPr>
+        <p:spPr/>
+        <p:txBody>
+          <a:bodyPr/>
+          <a:lstStyle/>
+          <a:p>
+            <a:endParaRPr lang="es-ES"/>
+          </a:p>
+        </p:txBody>
+      </p:sp>
+    </p:spTree>
+    <p:extLst>
+      <p:ext uri="{BB962C8B-B14F-4D97-AF65-F5344CB8AC3E}">
+        <p14:creationId xmlns:p14="http://schemas.microsoft.com/office/powerpoint/2010/main" val="3731822021"/>
+      </p:ext>
+    </p:extLst>
+  </p:cSld>
+  <p:clrMapOvr>
+    <a:masterClrMapping/>
+  </p:clrMapOvr>
+</p:sld>
+</file>
+
+<file path=ppt/slides/slide128.xml><?xml version="1.0" encoding="utf-8"?>
+<p:sld xmlns:a="http://schemas.openxmlformats.org/drawingml/2006/main" xmlns:r="http://schemas.openxmlformats.org/officeDocument/2006/relationships" xmlns:p="http://schemas.openxmlformats.org/presentationml/2006/main">
+  <p:cSld>
+    <p:spTree>
+      <p:nvGrpSpPr>
+        <p:cNvPr id="1" name=""/>
+        <p:cNvGrpSpPr/>
+        <p:nvPr/>
+      </p:nvGrpSpPr>
+      <p:grpSpPr>
+        <a:xfrm>
+          <a:off x="0" y="0"/>
+          <a:ext cx="0" cy="0"/>
+          <a:chOff x="0" y="0"/>
+          <a:chExt cx="0" cy="0"/>
+        </a:xfrm>
+      </p:grpSpPr>
+      <p:sp>
+        <p:nvSpPr>
+          <p:cNvPr id="2" name="Título 1"/>
+          <p:cNvSpPr>
+            <a:spLocks noGrp="1"/>
+          </p:cNvSpPr>
+          <p:nvPr>
+            <p:ph type="title"/>
+          </p:nvPr>
+        </p:nvSpPr>
+        <p:spPr/>
+        <p:txBody>
+          <a:bodyPr/>
+          <a:lstStyle/>
+          <a:p>
+            <a:endParaRPr lang="es-ES"/>
+          </a:p>
+        </p:txBody>
+      </p:sp>
+      <p:sp>
+        <p:nvSpPr>
+          <p:cNvPr id="3" name="Marcador de contenido 2"/>
+          <p:cNvSpPr>
+            <a:spLocks noGrp="1"/>
+          </p:cNvSpPr>
+          <p:nvPr>
+            <p:ph sz="half" idx="1"/>
+          </p:nvPr>
+        </p:nvSpPr>
+        <p:spPr/>
+        <p:txBody>
+          <a:bodyPr>
+            <a:normAutofit/>
+          </a:bodyPr>
+          <a:lstStyle/>
+          <a:p>
+            <a:r>
+              <a:rPr lang="es-ES" dirty="0">
+                <a:hlinkClick r:id="rId2"/>
+              </a:rPr>
+              <a:t>https://</a:t>
+            </a:r>
+            <a:r>
+              <a:rPr lang="es-ES" dirty="0" smtClean="0">
+                <a:hlinkClick r:id="rId2"/>
+              </a:rPr>
+              <a:t>github.com/MvvmCross/MvvmCross</a:t>
+            </a:r>
+            <a:endParaRPr lang="es-ES" dirty="0" smtClean="0"/>
+          </a:p>
+          <a:p>
+            <a:r>
+              <a:rPr lang="es-ES" b="1" dirty="0">
+                <a:hlinkClick r:id="rId3"/>
+              </a:rPr>
+              <a:t>https://</a:t>
+            </a:r>
+            <a:r>
+              <a:rPr lang="es-ES" b="1" dirty="0" smtClean="0">
+                <a:hlinkClick r:id="rId3"/>
+              </a:rPr>
+              <a:t>github.com/MvvmCross/NPlus1DaysOfMvvmCross</a:t>
+            </a:r>
+            <a:endParaRPr lang="es-ES" b="1" dirty="0" smtClean="0"/>
+          </a:p>
+          <a:p>
+            <a:r>
+              <a:rPr lang="es-ES" b="1" dirty="0"/>
+              <a:t>https://www.youtube.com/watch?v=_DHDMNB_IeY</a:t>
+            </a:r>
+            <a:endParaRPr lang="es-ES" b="1" dirty="0" smtClean="0"/>
+          </a:p>
+          <a:p>
+            <a:endParaRPr lang="es-ES" b="1" dirty="0" smtClean="0"/>
+          </a:p>
+        </p:txBody>
+      </p:sp>
+    </p:spTree>
+    <p:extLst>
+      <p:ext uri="{BB962C8B-B14F-4D97-AF65-F5344CB8AC3E}">
+        <p14:creationId xmlns:p14="http://schemas.microsoft.com/office/powerpoint/2010/main" val="2448100468"/>
+      </p:ext>
+    </p:extLst>
+  </p:cSld>
+  <p:clrMapOvr>
+    <a:masterClrMapping/>
+  </p:clrMapOvr>
+</p:sld>
+</file>
+
+<file path=ppt/slides/slide129.xml><?xml version="1.0" encoding="utf-8"?>
+<p:sld xmlns:a="http://schemas.openxmlformats.org/drawingml/2006/main" xmlns:r="http://schemas.openxmlformats.org/officeDocument/2006/relationships" xmlns:p="http://schemas.openxmlformats.org/presentationml/2006/main">
+  <p:cSld>
+    <p:spTree>
+      <p:nvGrpSpPr>
+        <p:cNvPr id="1" name=""/>
+        <p:cNvGrpSpPr/>
+        <p:nvPr/>
+      </p:nvGrpSpPr>
+      <p:grpSpPr>
+        <a:xfrm>
+          <a:off x="0" y="0"/>
+          <a:ext cx="0" cy="0"/>
+          <a:chOff x="0" y="0"/>
+          <a:chExt cx="0" cy="0"/>
+        </a:xfrm>
+      </p:grpSpPr>
+      <p:sp>
+        <p:nvSpPr>
+          <p:cNvPr id="4" name="Título 3"/>
+          <p:cNvSpPr>
+            <a:spLocks noGrp="1"/>
+          </p:cNvSpPr>
+          <p:nvPr>
+            <p:ph type="title"/>
+          </p:nvPr>
+        </p:nvSpPr>
+        <p:spPr/>
+        <p:txBody>
+          <a:bodyPr/>
+          <a:lstStyle/>
+          <a:p>
+            <a:r>
+              <a:rPr lang="es-ES" dirty="0" smtClean="0"/>
+              <a:t>DEMO</a:t>
+            </a:r>
+            <a:endParaRPr lang="es-ES" dirty="0"/>
+          </a:p>
+        </p:txBody>
+      </p:sp>
+      <p:sp>
+        <p:nvSpPr>
+          <p:cNvPr id="5" name="Marcador de texto 4"/>
+          <p:cNvSpPr>
+            <a:spLocks noGrp="1"/>
+          </p:cNvSpPr>
+          <p:nvPr>
+            <p:ph type="body" idx="1"/>
+          </p:nvPr>
+        </p:nvSpPr>
+        <p:spPr/>
+        <p:txBody>
+          <a:bodyPr/>
+          <a:lstStyle/>
+          <a:p>
+            <a:r>
+              <a:rPr lang="es-ES" dirty="0" err="1" smtClean="0"/>
+              <a:t>Setup</a:t>
+            </a:r>
+            <a:r>
+              <a:rPr lang="es-ES" dirty="0" smtClean="0"/>
+              <a:t> de app</a:t>
+            </a:r>
+            <a:endParaRPr lang="es-ES" dirty="0"/>
+          </a:p>
+        </p:txBody>
+      </p:sp>
+    </p:spTree>
+    <p:extLst>
+      <p:ext uri="{BB962C8B-B14F-4D97-AF65-F5344CB8AC3E}">
+        <p14:creationId xmlns:p14="http://schemas.microsoft.com/office/powerpoint/2010/main" val="1736777132"/>
+      </p:ext>
+    </p:extLst>
+  </p:cSld>
+  <p:clrMapOvr>
+    <a:masterClrMapping/>
+  </p:clrMapOvr>
+</p:sld>
+</file>
+
 <file path=ppt/slides/slide13.xml><?xml version="1.0" encoding="utf-8"?>
 <p:sld xmlns:a="http://schemas.openxmlformats.org/drawingml/2006/main" xmlns:r="http://schemas.openxmlformats.org/officeDocument/2006/relationships" xmlns:p="http://schemas.openxmlformats.org/presentationml/2006/main">
   <p:cSld>
@@ -20901,6 +22872,790 @@
     <p:extLst>
       <p:ext uri="{BB962C8B-B14F-4D97-AF65-F5344CB8AC3E}">
         <p14:creationId xmlns:p14="http://schemas.microsoft.com/office/powerpoint/2010/main" val="1780322435"/>
+      </p:ext>
+    </p:extLst>
+  </p:cSld>
+  <p:clrMapOvr>
+    <a:masterClrMapping/>
+  </p:clrMapOvr>
+</p:sld>
+</file>
+
+<file path=ppt/slides/slide130.xml><?xml version="1.0" encoding="utf-8"?>
+<p:sld xmlns:a="http://schemas.openxmlformats.org/drawingml/2006/main" xmlns:r="http://schemas.openxmlformats.org/officeDocument/2006/relationships" xmlns:p="http://schemas.openxmlformats.org/presentationml/2006/main">
+  <p:cSld>
+    <p:spTree>
+      <p:nvGrpSpPr>
+        <p:cNvPr id="1" name=""/>
+        <p:cNvGrpSpPr/>
+        <p:nvPr/>
+      </p:nvGrpSpPr>
+      <p:grpSpPr>
+        <a:xfrm>
+          <a:off x="0" y="0"/>
+          <a:ext cx="0" cy="0"/>
+          <a:chOff x="0" y="0"/>
+          <a:chExt cx="0" cy="0"/>
+        </a:xfrm>
+      </p:grpSpPr>
+      <p:sp>
+        <p:nvSpPr>
+          <p:cNvPr id="4" name="Título 3"/>
+          <p:cNvSpPr>
+            <a:spLocks noGrp="1"/>
+          </p:cNvSpPr>
+          <p:nvPr>
+            <p:ph type="title"/>
+          </p:nvPr>
+        </p:nvSpPr>
+        <p:spPr/>
+        <p:txBody>
+          <a:bodyPr/>
+          <a:lstStyle/>
+          <a:p>
+            <a:r>
+              <a:rPr lang="es-ES" dirty="0" smtClean="0"/>
+              <a:t>DEMO</a:t>
+            </a:r>
+            <a:endParaRPr lang="es-ES" dirty="0"/>
+          </a:p>
+        </p:txBody>
+      </p:sp>
+      <p:sp>
+        <p:nvSpPr>
+          <p:cNvPr id="5" name="Marcador de texto 4"/>
+          <p:cNvSpPr>
+            <a:spLocks noGrp="1"/>
+          </p:cNvSpPr>
+          <p:nvPr>
+            <p:ph type="body" idx="1"/>
+          </p:nvPr>
+        </p:nvSpPr>
+        <p:spPr/>
+        <p:txBody>
+          <a:bodyPr/>
+          <a:lstStyle/>
+          <a:p>
+            <a:r>
+              <a:rPr lang="es-ES" smtClean="0"/>
+              <a:t>Particularidades</a:t>
+            </a:r>
+            <a:endParaRPr lang="es-ES" dirty="0"/>
+          </a:p>
+        </p:txBody>
+      </p:sp>
+    </p:spTree>
+    <p:extLst>
+      <p:ext uri="{BB962C8B-B14F-4D97-AF65-F5344CB8AC3E}">
+        <p14:creationId xmlns:p14="http://schemas.microsoft.com/office/powerpoint/2010/main" val="2646267822"/>
+      </p:ext>
+    </p:extLst>
+  </p:cSld>
+  <p:clrMapOvr>
+    <a:masterClrMapping/>
+  </p:clrMapOvr>
+</p:sld>
+</file>
+
+<file path=ppt/slides/slide131.xml><?xml version="1.0" encoding="utf-8"?>
+<p:sld xmlns:a="http://schemas.openxmlformats.org/drawingml/2006/main" xmlns:r="http://schemas.openxmlformats.org/officeDocument/2006/relationships" xmlns:p="http://schemas.openxmlformats.org/presentationml/2006/main">
+  <p:cSld>
+    <p:spTree>
+      <p:nvGrpSpPr>
+        <p:cNvPr id="1" name=""/>
+        <p:cNvGrpSpPr/>
+        <p:nvPr/>
+      </p:nvGrpSpPr>
+      <p:grpSpPr>
+        <a:xfrm>
+          <a:off x="0" y="0"/>
+          <a:ext cx="0" cy="0"/>
+          <a:chOff x="0" y="0"/>
+          <a:chExt cx="0" cy="0"/>
+        </a:xfrm>
+      </p:grpSpPr>
+      <p:sp>
+        <p:nvSpPr>
+          <p:cNvPr id="4" name="Título 3"/>
+          <p:cNvSpPr>
+            <a:spLocks noGrp="1"/>
+          </p:cNvSpPr>
+          <p:nvPr>
+            <p:ph type="title"/>
+          </p:nvPr>
+        </p:nvSpPr>
+        <p:spPr/>
+        <p:txBody>
+          <a:bodyPr/>
+          <a:lstStyle/>
+          <a:p>
+            <a:r>
+              <a:rPr lang="es-ES" dirty="0" smtClean="0"/>
+              <a:t>DEMO</a:t>
+            </a:r>
+            <a:endParaRPr lang="es-ES" dirty="0"/>
+          </a:p>
+        </p:txBody>
+      </p:sp>
+      <p:sp>
+        <p:nvSpPr>
+          <p:cNvPr id="5" name="Marcador de texto 4"/>
+          <p:cNvSpPr>
+            <a:spLocks noGrp="1"/>
+          </p:cNvSpPr>
+          <p:nvPr>
+            <p:ph type="body" idx="1"/>
+          </p:nvPr>
+        </p:nvSpPr>
+        <p:spPr/>
+        <p:txBody>
+          <a:bodyPr/>
+          <a:lstStyle/>
+          <a:p>
+            <a:r>
+              <a:rPr lang="es-ES" dirty="0" err="1" smtClean="0"/>
+              <a:t>Commands</a:t>
+            </a:r>
+            <a:endParaRPr lang="es-ES" dirty="0"/>
+          </a:p>
+        </p:txBody>
+      </p:sp>
+    </p:spTree>
+    <p:extLst>
+      <p:ext uri="{BB962C8B-B14F-4D97-AF65-F5344CB8AC3E}">
+        <p14:creationId xmlns:p14="http://schemas.microsoft.com/office/powerpoint/2010/main" val="1750790998"/>
+      </p:ext>
+    </p:extLst>
+  </p:cSld>
+  <p:clrMapOvr>
+    <a:masterClrMapping/>
+  </p:clrMapOvr>
+</p:sld>
+</file>
+
+<file path=ppt/slides/slide132.xml><?xml version="1.0" encoding="utf-8"?>
+<p:sld xmlns:a="http://schemas.openxmlformats.org/drawingml/2006/main" xmlns:r="http://schemas.openxmlformats.org/officeDocument/2006/relationships" xmlns:p="http://schemas.openxmlformats.org/presentationml/2006/main">
+  <p:cSld>
+    <p:spTree>
+      <p:nvGrpSpPr>
+        <p:cNvPr id="1" name=""/>
+        <p:cNvGrpSpPr/>
+        <p:nvPr/>
+      </p:nvGrpSpPr>
+      <p:grpSpPr>
+        <a:xfrm>
+          <a:off x="0" y="0"/>
+          <a:ext cx="0" cy="0"/>
+          <a:chOff x="0" y="0"/>
+          <a:chExt cx="0" cy="0"/>
+        </a:xfrm>
+      </p:grpSpPr>
+      <p:sp>
+        <p:nvSpPr>
+          <p:cNvPr id="4" name="Título 3"/>
+          <p:cNvSpPr>
+            <a:spLocks noGrp="1"/>
+          </p:cNvSpPr>
+          <p:nvPr>
+            <p:ph type="title"/>
+          </p:nvPr>
+        </p:nvSpPr>
+        <p:spPr/>
+        <p:txBody>
+          <a:bodyPr/>
+          <a:lstStyle/>
+          <a:p>
+            <a:r>
+              <a:rPr lang="es-ES" dirty="0" smtClean="0"/>
+              <a:t>DEMO</a:t>
+            </a:r>
+            <a:endParaRPr lang="es-ES" dirty="0"/>
+          </a:p>
+        </p:txBody>
+      </p:sp>
+      <p:sp>
+        <p:nvSpPr>
+          <p:cNvPr id="5" name="Marcador de texto 4"/>
+          <p:cNvSpPr>
+            <a:spLocks noGrp="1"/>
+          </p:cNvSpPr>
+          <p:nvPr>
+            <p:ph type="body" idx="1"/>
+          </p:nvPr>
+        </p:nvSpPr>
+        <p:spPr/>
+        <p:txBody>
+          <a:bodyPr/>
+          <a:lstStyle/>
+          <a:p>
+            <a:r>
+              <a:rPr lang="es-ES" dirty="0" smtClean="0"/>
+              <a:t>Navegación entre vistas</a:t>
+            </a:r>
+            <a:endParaRPr lang="es-ES" dirty="0"/>
+          </a:p>
+        </p:txBody>
+      </p:sp>
+    </p:spTree>
+    <p:extLst>
+      <p:ext uri="{BB962C8B-B14F-4D97-AF65-F5344CB8AC3E}">
+        <p14:creationId xmlns:p14="http://schemas.microsoft.com/office/powerpoint/2010/main" val="1546505468"/>
+      </p:ext>
+    </p:extLst>
+  </p:cSld>
+  <p:clrMapOvr>
+    <a:masterClrMapping/>
+  </p:clrMapOvr>
+</p:sld>
+</file>
+
+<file path=ppt/slides/slide133.xml><?xml version="1.0" encoding="utf-8"?>
+<p:sld xmlns:a="http://schemas.openxmlformats.org/drawingml/2006/main" xmlns:r="http://schemas.openxmlformats.org/officeDocument/2006/relationships" xmlns:p="http://schemas.openxmlformats.org/presentationml/2006/main">
+  <p:cSld>
+    <p:spTree>
+      <p:nvGrpSpPr>
+        <p:cNvPr id="1" name=""/>
+        <p:cNvGrpSpPr/>
+        <p:nvPr/>
+      </p:nvGrpSpPr>
+      <p:grpSpPr>
+        <a:xfrm>
+          <a:off x="0" y="0"/>
+          <a:ext cx="0" cy="0"/>
+          <a:chOff x="0" y="0"/>
+          <a:chExt cx="0" cy="0"/>
+        </a:xfrm>
+      </p:grpSpPr>
+      <p:sp>
+        <p:nvSpPr>
+          <p:cNvPr id="4" name="Título 3"/>
+          <p:cNvSpPr>
+            <a:spLocks noGrp="1"/>
+          </p:cNvSpPr>
+          <p:nvPr>
+            <p:ph type="title"/>
+          </p:nvPr>
+        </p:nvSpPr>
+        <p:spPr/>
+        <p:txBody>
+          <a:bodyPr/>
+          <a:lstStyle/>
+          <a:p>
+            <a:r>
+              <a:rPr lang="es-ES" dirty="0" smtClean="0"/>
+              <a:t>DEMO</a:t>
+            </a:r>
+            <a:endParaRPr lang="es-ES" dirty="0"/>
+          </a:p>
+        </p:txBody>
+      </p:sp>
+      <p:sp>
+        <p:nvSpPr>
+          <p:cNvPr id="5" name="Marcador de texto 4"/>
+          <p:cNvSpPr>
+            <a:spLocks noGrp="1"/>
+          </p:cNvSpPr>
+          <p:nvPr>
+            <p:ph type="body" idx="1"/>
+          </p:nvPr>
+        </p:nvSpPr>
+        <p:spPr/>
+        <p:txBody>
+          <a:bodyPr/>
+          <a:lstStyle/>
+          <a:p>
+            <a:r>
+              <a:rPr lang="es-ES" dirty="0" err="1" smtClean="0"/>
+              <a:t>Services</a:t>
+            </a:r>
+            <a:endParaRPr lang="es-ES" dirty="0"/>
+          </a:p>
+        </p:txBody>
+      </p:sp>
+    </p:spTree>
+    <p:extLst>
+      <p:ext uri="{BB962C8B-B14F-4D97-AF65-F5344CB8AC3E}">
+        <p14:creationId xmlns:p14="http://schemas.microsoft.com/office/powerpoint/2010/main" val="1360268508"/>
+      </p:ext>
+    </p:extLst>
+  </p:cSld>
+  <p:clrMapOvr>
+    <a:masterClrMapping/>
+  </p:clrMapOvr>
+</p:sld>
+</file>
+
+<file path=ppt/slides/slide134.xml><?xml version="1.0" encoding="utf-8"?>
+<p:sld xmlns:a="http://schemas.openxmlformats.org/drawingml/2006/main" xmlns:r="http://schemas.openxmlformats.org/officeDocument/2006/relationships" xmlns:p="http://schemas.openxmlformats.org/presentationml/2006/main">
+  <p:cSld>
+    <p:spTree>
+      <p:nvGrpSpPr>
+        <p:cNvPr id="1" name=""/>
+        <p:cNvGrpSpPr/>
+        <p:nvPr/>
+      </p:nvGrpSpPr>
+      <p:grpSpPr>
+        <a:xfrm>
+          <a:off x="0" y="0"/>
+          <a:ext cx="0" cy="0"/>
+          <a:chOff x="0" y="0"/>
+          <a:chExt cx="0" cy="0"/>
+        </a:xfrm>
+      </p:grpSpPr>
+      <p:sp>
+        <p:nvSpPr>
+          <p:cNvPr id="4" name="Título 3"/>
+          <p:cNvSpPr>
+            <a:spLocks noGrp="1"/>
+          </p:cNvSpPr>
+          <p:nvPr>
+            <p:ph type="title"/>
+          </p:nvPr>
+        </p:nvSpPr>
+        <p:spPr/>
+        <p:txBody>
+          <a:bodyPr/>
+          <a:lstStyle/>
+          <a:p>
+            <a:r>
+              <a:rPr lang="es-ES" dirty="0" smtClean="0"/>
+              <a:t>DEMO</a:t>
+            </a:r>
+            <a:endParaRPr lang="es-ES" dirty="0"/>
+          </a:p>
+        </p:txBody>
+      </p:sp>
+      <p:sp>
+        <p:nvSpPr>
+          <p:cNvPr id="5" name="Marcador de texto 4"/>
+          <p:cNvSpPr>
+            <a:spLocks noGrp="1"/>
+          </p:cNvSpPr>
+          <p:nvPr>
+            <p:ph type="body" idx="1"/>
+          </p:nvPr>
+        </p:nvSpPr>
+        <p:spPr/>
+        <p:txBody>
+          <a:bodyPr/>
+          <a:lstStyle/>
+          <a:p>
+            <a:r>
+              <a:rPr lang="es-ES" dirty="0" err="1" smtClean="0"/>
+              <a:t>Plugins</a:t>
+            </a:r>
+            <a:endParaRPr lang="es-ES" dirty="0"/>
+          </a:p>
+        </p:txBody>
+      </p:sp>
+    </p:spTree>
+    <p:extLst>
+      <p:ext uri="{BB962C8B-B14F-4D97-AF65-F5344CB8AC3E}">
+        <p14:creationId xmlns:p14="http://schemas.microsoft.com/office/powerpoint/2010/main" val="2362797329"/>
+      </p:ext>
+    </p:extLst>
+  </p:cSld>
+  <p:clrMapOvr>
+    <a:masterClrMapping/>
+  </p:clrMapOvr>
+</p:sld>
+</file>
+
+<file path=ppt/slides/slide135.xml><?xml version="1.0" encoding="utf-8"?>
+<p:sld xmlns:a="http://schemas.openxmlformats.org/drawingml/2006/main" xmlns:r="http://schemas.openxmlformats.org/officeDocument/2006/relationships" xmlns:p="http://schemas.openxmlformats.org/presentationml/2006/main">
+  <p:cSld>
+    <p:spTree>
+      <p:nvGrpSpPr>
+        <p:cNvPr id="1" name=""/>
+        <p:cNvGrpSpPr/>
+        <p:nvPr/>
+      </p:nvGrpSpPr>
+      <p:grpSpPr>
+        <a:xfrm>
+          <a:off x="0" y="0"/>
+          <a:ext cx="0" cy="0"/>
+          <a:chOff x="0" y="0"/>
+          <a:chExt cx="0" cy="0"/>
+        </a:xfrm>
+      </p:grpSpPr>
+      <p:sp>
+        <p:nvSpPr>
+          <p:cNvPr id="4" name="Título 3"/>
+          <p:cNvSpPr>
+            <a:spLocks noGrp="1"/>
+          </p:cNvSpPr>
+          <p:nvPr>
+            <p:ph type="title"/>
+          </p:nvPr>
+        </p:nvSpPr>
+        <p:spPr/>
+        <p:txBody>
+          <a:bodyPr/>
+          <a:lstStyle/>
+          <a:p>
+            <a:r>
+              <a:rPr lang="es-ES" dirty="0" smtClean="0"/>
+              <a:t>DEMO</a:t>
+            </a:r>
+            <a:endParaRPr lang="es-ES" dirty="0"/>
+          </a:p>
+        </p:txBody>
+      </p:sp>
+      <p:sp>
+        <p:nvSpPr>
+          <p:cNvPr id="5" name="Marcador de texto 4"/>
+          <p:cNvSpPr>
+            <a:spLocks noGrp="1"/>
+          </p:cNvSpPr>
+          <p:nvPr>
+            <p:ph type="body" idx="1"/>
+          </p:nvPr>
+        </p:nvSpPr>
+        <p:spPr/>
+        <p:txBody>
+          <a:bodyPr/>
+          <a:lstStyle/>
+          <a:p>
+            <a:r>
+              <a:rPr lang="es-ES" dirty="0" err="1" smtClean="0"/>
+              <a:t>Localizacion</a:t>
+            </a:r>
+            <a:endParaRPr lang="es-ES" dirty="0"/>
+          </a:p>
+        </p:txBody>
+      </p:sp>
+    </p:spTree>
+    <p:extLst>
+      <p:ext uri="{BB962C8B-B14F-4D97-AF65-F5344CB8AC3E}">
+        <p14:creationId xmlns:p14="http://schemas.microsoft.com/office/powerpoint/2010/main" val="3044551863"/>
+      </p:ext>
+    </p:extLst>
+  </p:cSld>
+  <p:clrMapOvr>
+    <a:masterClrMapping/>
+  </p:clrMapOvr>
+</p:sld>
+</file>
+
+<file path=ppt/slides/slide136.xml><?xml version="1.0" encoding="utf-8"?>
+<p:sld xmlns:a="http://schemas.openxmlformats.org/drawingml/2006/main" xmlns:r="http://schemas.openxmlformats.org/officeDocument/2006/relationships" xmlns:p="http://schemas.openxmlformats.org/presentationml/2006/main">
+  <p:cSld>
+    <p:spTree>
+      <p:nvGrpSpPr>
+        <p:cNvPr id="1" name=""/>
+        <p:cNvGrpSpPr/>
+        <p:nvPr/>
+      </p:nvGrpSpPr>
+      <p:grpSpPr>
+        <a:xfrm>
+          <a:off x="0" y="0"/>
+          <a:ext cx="0" cy="0"/>
+          <a:chOff x="0" y="0"/>
+          <a:chExt cx="0" cy="0"/>
+        </a:xfrm>
+      </p:grpSpPr>
+      <p:sp>
+        <p:nvSpPr>
+          <p:cNvPr id="4" name="Título 3"/>
+          <p:cNvSpPr>
+            <a:spLocks noGrp="1"/>
+          </p:cNvSpPr>
+          <p:nvPr>
+            <p:ph type="title"/>
+          </p:nvPr>
+        </p:nvSpPr>
+        <p:spPr/>
+        <p:txBody>
+          <a:bodyPr/>
+          <a:lstStyle/>
+          <a:p>
+            <a:r>
+              <a:rPr lang="es-ES" dirty="0" smtClean="0"/>
+              <a:t>DEMO</a:t>
+            </a:r>
+            <a:endParaRPr lang="es-ES" dirty="0"/>
+          </a:p>
+        </p:txBody>
+      </p:sp>
+      <p:sp>
+        <p:nvSpPr>
+          <p:cNvPr id="5" name="Marcador de texto 4"/>
+          <p:cNvSpPr>
+            <a:spLocks noGrp="1"/>
+          </p:cNvSpPr>
+          <p:nvPr>
+            <p:ph type="body" idx="1"/>
+          </p:nvPr>
+        </p:nvSpPr>
+        <p:spPr/>
+        <p:txBody>
+          <a:bodyPr/>
+          <a:lstStyle/>
+          <a:p>
+            <a:r>
+              <a:rPr lang="es-ES" dirty="0" err="1" smtClean="0"/>
+              <a:t>Value</a:t>
+            </a:r>
+            <a:r>
+              <a:rPr lang="es-ES" dirty="0" smtClean="0"/>
+              <a:t> </a:t>
+            </a:r>
+            <a:r>
+              <a:rPr lang="es-ES" dirty="0" err="1" smtClean="0"/>
+              <a:t>converters</a:t>
+            </a:r>
+            <a:r>
+              <a:rPr lang="es-ES" dirty="0" smtClean="0"/>
+              <a:t> y Target </a:t>
+            </a:r>
+            <a:r>
+              <a:rPr lang="es-ES" dirty="0" err="1" smtClean="0"/>
+              <a:t>binding</a:t>
+            </a:r>
+            <a:endParaRPr lang="es-ES" dirty="0"/>
+          </a:p>
+        </p:txBody>
+      </p:sp>
+    </p:spTree>
+    <p:extLst>
+      <p:ext uri="{BB962C8B-B14F-4D97-AF65-F5344CB8AC3E}">
+        <p14:creationId xmlns:p14="http://schemas.microsoft.com/office/powerpoint/2010/main" val="3101876779"/>
+      </p:ext>
+    </p:extLst>
+  </p:cSld>
+  <p:clrMapOvr>
+    <a:masterClrMapping/>
+  </p:clrMapOvr>
+</p:sld>
+</file>
+
+<file path=ppt/slides/slide137.xml><?xml version="1.0" encoding="utf-8"?>
+<p:sld xmlns:a="http://schemas.openxmlformats.org/drawingml/2006/main" xmlns:r="http://schemas.openxmlformats.org/officeDocument/2006/relationships" xmlns:p="http://schemas.openxmlformats.org/presentationml/2006/main">
+  <p:cSld>
+    <p:spTree>
+      <p:nvGrpSpPr>
+        <p:cNvPr id="1" name=""/>
+        <p:cNvGrpSpPr/>
+        <p:nvPr/>
+      </p:nvGrpSpPr>
+      <p:grpSpPr>
+        <a:xfrm>
+          <a:off x="0" y="0"/>
+          <a:ext cx="0" cy="0"/>
+          <a:chOff x="0" y="0"/>
+          <a:chExt cx="0" cy="0"/>
+        </a:xfrm>
+      </p:grpSpPr>
+      <p:sp>
+        <p:nvSpPr>
+          <p:cNvPr id="4" name="Título 3"/>
+          <p:cNvSpPr>
+            <a:spLocks noGrp="1"/>
+          </p:cNvSpPr>
+          <p:nvPr>
+            <p:ph type="title"/>
+          </p:nvPr>
+        </p:nvSpPr>
+        <p:spPr/>
+        <p:txBody>
+          <a:bodyPr/>
+          <a:lstStyle/>
+          <a:p>
+            <a:r>
+              <a:rPr lang="es-ES" dirty="0" smtClean="0"/>
+              <a:t>DEMO</a:t>
+            </a:r>
+            <a:endParaRPr lang="es-ES" dirty="0"/>
+          </a:p>
+        </p:txBody>
+      </p:sp>
+      <p:sp>
+        <p:nvSpPr>
+          <p:cNvPr id="5" name="Marcador de texto 4"/>
+          <p:cNvSpPr>
+            <a:spLocks noGrp="1"/>
+          </p:cNvSpPr>
+          <p:nvPr>
+            <p:ph type="body" idx="1"/>
+          </p:nvPr>
+        </p:nvSpPr>
+        <p:spPr/>
+        <p:txBody>
+          <a:bodyPr/>
+          <a:lstStyle/>
+          <a:p>
+            <a:r>
+              <a:rPr lang="es-ES" dirty="0" smtClean="0"/>
+              <a:t>Messenger</a:t>
+            </a:r>
+            <a:endParaRPr lang="es-ES" dirty="0"/>
+          </a:p>
+        </p:txBody>
+      </p:sp>
+    </p:spTree>
+    <p:extLst>
+      <p:ext uri="{BB962C8B-B14F-4D97-AF65-F5344CB8AC3E}">
+        <p14:creationId xmlns:p14="http://schemas.microsoft.com/office/powerpoint/2010/main" val="1612612887"/>
+      </p:ext>
+    </p:extLst>
+  </p:cSld>
+  <p:clrMapOvr>
+    <a:masterClrMapping/>
+  </p:clrMapOvr>
+</p:sld>
+</file>
+
+<file path=ppt/slides/slide138.xml><?xml version="1.0" encoding="utf-8"?>
+<p:sld xmlns:a="http://schemas.openxmlformats.org/drawingml/2006/main" xmlns:r="http://schemas.openxmlformats.org/officeDocument/2006/relationships" xmlns:p="http://schemas.openxmlformats.org/presentationml/2006/main">
+  <p:cSld>
+    <p:spTree>
+      <p:nvGrpSpPr>
+        <p:cNvPr id="1" name=""/>
+        <p:cNvGrpSpPr/>
+        <p:nvPr/>
+      </p:nvGrpSpPr>
+      <p:grpSpPr>
+        <a:xfrm>
+          <a:off x="0" y="0"/>
+          <a:ext cx="0" cy="0"/>
+          <a:chOff x="0" y="0"/>
+          <a:chExt cx="0" cy="0"/>
+        </a:xfrm>
+      </p:grpSpPr>
+      <p:sp>
+        <p:nvSpPr>
+          <p:cNvPr id="4" name="Título 3"/>
+          <p:cNvSpPr>
+            <a:spLocks noGrp="1"/>
+          </p:cNvSpPr>
+          <p:nvPr>
+            <p:ph type="title"/>
+          </p:nvPr>
+        </p:nvSpPr>
+        <p:spPr/>
+        <p:txBody>
+          <a:bodyPr/>
+          <a:lstStyle/>
+          <a:p>
+            <a:r>
+              <a:rPr lang="es-ES" dirty="0" smtClean="0"/>
+              <a:t>DEMO</a:t>
+            </a:r>
+            <a:endParaRPr lang="es-ES" dirty="0"/>
+          </a:p>
+        </p:txBody>
+      </p:sp>
+      <p:sp>
+        <p:nvSpPr>
+          <p:cNvPr id="5" name="Marcador de texto 4"/>
+          <p:cNvSpPr>
+            <a:spLocks noGrp="1"/>
+          </p:cNvSpPr>
+          <p:nvPr>
+            <p:ph type="body" idx="1"/>
+          </p:nvPr>
+        </p:nvSpPr>
+        <p:spPr/>
+        <p:txBody>
+          <a:bodyPr/>
+          <a:lstStyle/>
+          <a:p>
+            <a:r>
+              <a:rPr lang="es-ES" dirty="0" smtClean="0"/>
+              <a:t>Reusable 100%</a:t>
+            </a:r>
+            <a:endParaRPr lang="es-ES" dirty="0"/>
+          </a:p>
+        </p:txBody>
+      </p:sp>
+    </p:spTree>
+    <p:extLst>
+      <p:ext uri="{BB962C8B-B14F-4D97-AF65-F5344CB8AC3E}">
+        <p14:creationId xmlns:p14="http://schemas.microsoft.com/office/powerpoint/2010/main" val="2202724196"/>
+      </p:ext>
+    </p:extLst>
+  </p:cSld>
+  <p:clrMapOvr>
+    <a:masterClrMapping/>
+  </p:clrMapOvr>
+</p:sld>
+</file>
+
+<file path=ppt/slides/slide139.xml><?xml version="1.0" encoding="utf-8"?>
+<p:sld xmlns:a="http://schemas.openxmlformats.org/drawingml/2006/main" xmlns:r="http://schemas.openxmlformats.org/officeDocument/2006/relationships" xmlns:p="http://schemas.openxmlformats.org/presentationml/2006/main">
+  <p:cSld>
+    <p:spTree>
+      <p:nvGrpSpPr>
+        <p:cNvPr id="1" name=""/>
+        <p:cNvGrpSpPr/>
+        <p:nvPr/>
+      </p:nvGrpSpPr>
+      <p:grpSpPr>
+        <a:xfrm>
+          <a:off x="0" y="0"/>
+          <a:ext cx="0" cy="0"/>
+          <a:chOff x="0" y="0"/>
+          <a:chExt cx="0" cy="0"/>
+        </a:xfrm>
+      </p:grpSpPr>
+      <p:sp>
+        <p:nvSpPr>
+          <p:cNvPr id="4" name="Título 3"/>
+          <p:cNvSpPr>
+            <a:spLocks noGrp="1"/>
+          </p:cNvSpPr>
+          <p:nvPr>
+            <p:ph type="title"/>
+          </p:nvPr>
+        </p:nvSpPr>
+        <p:spPr/>
+        <p:txBody>
+          <a:bodyPr/>
+          <a:lstStyle/>
+          <a:p>
+            <a:r>
+              <a:rPr lang="es-ES" dirty="0" smtClean="0"/>
+              <a:t>DEMO</a:t>
+            </a:r>
+            <a:endParaRPr lang="es-ES" dirty="0"/>
+          </a:p>
+        </p:txBody>
+      </p:sp>
+      <p:sp>
+        <p:nvSpPr>
+          <p:cNvPr id="5" name="Marcador de texto 4"/>
+          <p:cNvSpPr>
+            <a:spLocks noGrp="1"/>
+          </p:cNvSpPr>
+          <p:nvPr>
+            <p:ph type="body" idx="1"/>
+          </p:nvPr>
+        </p:nvSpPr>
+        <p:spPr/>
+        <p:txBody>
+          <a:bodyPr/>
+          <a:lstStyle/>
+          <a:p>
+            <a:r>
+              <a:rPr lang="es-ES" dirty="0" err="1" smtClean="0"/>
+              <a:t>Hack</a:t>
+            </a:r>
+            <a:r>
+              <a:rPr lang="es-ES" dirty="0" smtClean="0"/>
+              <a:t> </a:t>
+            </a:r>
+            <a:r>
+              <a:rPr lang="es-ES" dirty="0" err="1" smtClean="0"/>
+              <a:t>MvvmCross</a:t>
+            </a:r>
+            <a:endParaRPr lang="es-ES" dirty="0"/>
+          </a:p>
+        </p:txBody>
+      </p:sp>
+    </p:spTree>
+    <p:extLst>
+      <p:ext uri="{BB962C8B-B14F-4D97-AF65-F5344CB8AC3E}">
+        <p14:creationId xmlns:p14="http://schemas.microsoft.com/office/powerpoint/2010/main" val="2579610990"/>
       </p:ext>
     </p:extLst>
   </p:cSld>
@@ -20990,6 +23745,2155 @@
   <p:clrMapOvr>
     <a:masterClrMapping/>
   </p:clrMapOvr>
+</p:sld>
+</file>
+
+<file path=ppt/slides/slide140.xml><?xml version="1.0" encoding="utf-8"?>
+<p:sld xmlns:a="http://schemas.openxmlformats.org/drawingml/2006/main" xmlns:r="http://schemas.openxmlformats.org/officeDocument/2006/relationships" xmlns:p="http://schemas.openxmlformats.org/presentationml/2006/main">
+  <p:cSld>
+    <p:spTree>
+      <p:nvGrpSpPr>
+        <p:cNvPr id="1" name=""/>
+        <p:cNvGrpSpPr/>
+        <p:nvPr/>
+      </p:nvGrpSpPr>
+      <p:grpSpPr>
+        <a:xfrm>
+          <a:off x="0" y="0"/>
+          <a:ext cx="0" cy="0"/>
+          <a:chOff x="0" y="0"/>
+          <a:chExt cx="0" cy="0"/>
+        </a:xfrm>
+      </p:grpSpPr>
+      <p:sp>
+        <p:nvSpPr>
+          <p:cNvPr id="4" name="Título 3"/>
+          <p:cNvSpPr>
+            <a:spLocks noGrp="1"/>
+          </p:cNvSpPr>
+          <p:nvPr>
+            <p:ph type="title"/>
+          </p:nvPr>
+        </p:nvSpPr>
+        <p:spPr/>
+        <p:txBody>
+          <a:bodyPr/>
+          <a:lstStyle/>
+          <a:p>
+            <a:r>
+              <a:rPr lang="es-ES" dirty="0" err="1" smtClean="0"/>
+              <a:t>Xamarin.Forms</a:t>
+            </a:r>
+            <a:endParaRPr lang="es-ES" dirty="0"/>
+          </a:p>
+        </p:txBody>
+      </p:sp>
+    </p:spTree>
+    <p:extLst>
+      <p:ext uri="{BB962C8B-B14F-4D97-AF65-F5344CB8AC3E}">
+        <p14:creationId xmlns:p14="http://schemas.microsoft.com/office/powerpoint/2010/main" val="141400238"/>
+      </p:ext>
+    </p:extLst>
+  </p:cSld>
+  <p:clrMapOvr>
+    <a:masterClrMapping/>
+  </p:clrMapOvr>
+</p:sld>
+</file>
+
+<file path=ppt/slides/slide141.xml><?xml version="1.0" encoding="utf-8"?>
+<p:sld xmlns:a="http://schemas.openxmlformats.org/drawingml/2006/main" xmlns:r="http://schemas.openxmlformats.org/officeDocument/2006/relationships" xmlns:p="http://schemas.openxmlformats.org/presentationml/2006/main" show="0">
+  <p:cSld>
+    <p:spTree>
+      <p:nvGrpSpPr>
+        <p:cNvPr id="1" name=""/>
+        <p:cNvGrpSpPr/>
+        <p:nvPr/>
+      </p:nvGrpSpPr>
+      <p:grpSpPr>
+        <a:xfrm>
+          <a:off x="0" y="0"/>
+          <a:ext cx="0" cy="0"/>
+          <a:chOff x="0" y="0"/>
+          <a:chExt cx="0" cy="0"/>
+        </a:xfrm>
+      </p:grpSpPr>
+      <p:sp>
+        <p:nvSpPr>
+          <p:cNvPr id="2" name="Title 1"/>
+          <p:cNvSpPr>
+            <a:spLocks noGrp="1"/>
+          </p:cNvSpPr>
+          <p:nvPr>
+            <p:ph type="title"/>
+          </p:nvPr>
+        </p:nvSpPr>
+        <p:spPr/>
+        <p:txBody>
+          <a:bodyPr/>
+          <a:lstStyle/>
+          <a:p>
+            <a:r>
+              <a:rPr lang="en-US" smtClean="0"/>
+              <a:t>transparent icons and photos</a:t>
+            </a:r>
+            <a:endParaRPr lang="en-US" dirty="0"/>
+          </a:p>
+        </p:txBody>
+      </p:sp>
+      <p:sp>
+        <p:nvSpPr>
+          <p:cNvPr id="3" name="Content Placeholder 2"/>
+          <p:cNvSpPr>
+            <a:spLocks noGrp="1"/>
+          </p:cNvSpPr>
+          <p:nvPr>
+            <p:ph sz="half" idx="1"/>
+          </p:nvPr>
+        </p:nvSpPr>
+        <p:spPr>
+          <a:xfrm>
+            <a:off x="457200" y="858482"/>
+            <a:ext cx="8229600" cy="760768"/>
+          </a:xfrm>
+        </p:spPr>
+        <p:txBody>
+          <a:bodyPr>
+            <a:normAutofit fontScale="55000" lnSpcReduction="20000"/>
+          </a:bodyPr>
+          <a:lstStyle/>
+          <a:p>
+            <a:r>
+              <a:rPr lang="en-US" smtClean="0"/>
+              <a:t>We have provided you with an assortment of transparent Icons and photos to use for replacement–only within the modern templates</a:t>
+            </a:r>
+          </a:p>
+          <a:p>
+            <a:r>
+              <a:rPr lang="en-US" smtClean="0"/>
+              <a:t>Copy from here or take from the transparent icon library </a:t>
+            </a:r>
+            <a:endParaRPr lang="en-US" dirty="0"/>
+          </a:p>
+        </p:txBody>
+      </p:sp>
+      <p:sp>
+        <p:nvSpPr>
+          <p:cNvPr id="4" name="Rectangle 3"/>
+          <p:cNvSpPr/>
+          <p:nvPr/>
+        </p:nvSpPr>
+        <p:spPr bwMode="auto">
+          <a:xfrm>
+            <a:off x="567528" y="1664627"/>
+            <a:ext cx="8053689" cy="3377475"/>
+          </a:xfrm>
+          <a:prstGeom prst="rect">
+            <a:avLst/>
+          </a:prstGeom>
+          <a:solidFill>
+            <a:srgbClr val="0072C6"/>
+          </a:solidFill>
+          <a:ln>
+            <a:noFill/>
+            <a:headEnd type="none" w="med" len="med"/>
+            <a:tailEnd type="none" w="med" len="med"/>
+          </a:ln>
+          <a:effectLst/>
+        </p:spPr>
+        <p:style>
+          <a:lnRef idx="1">
+            <a:schemeClr val="accent2"/>
+          </a:lnRef>
+          <a:fillRef idx="3">
+            <a:schemeClr val="accent2"/>
+          </a:fillRef>
+          <a:effectRef idx="2">
+            <a:schemeClr val="accent2"/>
+          </a:effectRef>
+          <a:fontRef idx="minor">
+            <a:schemeClr val="lt1"/>
+          </a:fontRef>
+        </p:style>
+        <p:txBody>
+          <a:bodyPr rot="0" spcFirstLastPara="0" vertOverflow="overflow" horzOverflow="overflow" vert="horz" wrap="square" lIns="91440" tIns="91440" rIns="45720" bIns="91440" numCol="1" spcCol="0" rtlCol="0" fromWordArt="0" anchor="t" anchorCtr="0" forceAA="0" compatLnSpc="1">
+            <a:prstTxWarp prst="textNoShape">
+              <a:avLst/>
+            </a:prstTxWarp>
+            <a:noAutofit/>
+          </a:bodyPr>
+          <a:lstStyle/>
+          <a:p>
+            <a:pPr lvl="0"/>
+            <a:endParaRPr lang="en-US" sz="1500" dirty="0">
+              <a:solidFill>
+                <a:srgbClr val="FFFFFF"/>
+              </a:solidFill>
+              <a:latin typeface="Segoe UI" pitchFamily="34" charset="0"/>
+              <a:ea typeface="Segoe UI" pitchFamily="34" charset="0"/>
+              <a:cs typeface="Segoe UI" pitchFamily="34" charset="0"/>
+            </a:endParaRPr>
+          </a:p>
+        </p:txBody>
+      </p:sp>
+      <p:pic>
+        <p:nvPicPr>
+          <p:cNvPr id="55" name="Picture 54"/>
+          <p:cNvPicPr>
+            <a:picLocks noChangeAspect="1"/>
+          </p:cNvPicPr>
+          <p:nvPr/>
+        </p:nvPicPr>
+        <p:blipFill>
+          <a:blip r:embed="rId2">
+            <a:extLst>
+              <a:ext uri="{28A0092B-C50C-407E-A947-70E740481C1C}">
+                <a14:useLocalDpi xmlns:a14="http://schemas.microsoft.com/office/drawing/2010/main" val="0"/>
+              </a:ext>
+            </a:extLst>
+          </a:blip>
+          <a:stretch>
+            <a:fillRect/>
+          </a:stretch>
+        </p:blipFill>
+        <p:spPr>
+          <a:xfrm>
+            <a:off x="567528" y="1674153"/>
+            <a:ext cx="673590" cy="673590"/>
+          </a:xfrm>
+          <a:prstGeom prst="rect">
+            <a:avLst/>
+          </a:prstGeom>
+        </p:spPr>
+      </p:pic>
+      <p:pic>
+        <p:nvPicPr>
+          <p:cNvPr id="57" name="Picture 56"/>
+          <p:cNvPicPr>
+            <a:picLocks noChangeAspect="1"/>
+          </p:cNvPicPr>
+          <p:nvPr/>
+        </p:nvPicPr>
+        <p:blipFill>
+          <a:blip r:embed="rId3">
+            <a:extLst>
+              <a:ext uri="{28A0092B-C50C-407E-A947-70E740481C1C}">
+                <a14:useLocalDpi xmlns:a14="http://schemas.microsoft.com/office/drawing/2010/main" val="0"/>
+              </a:ext>
+            </a:extLst>
+          </a:blip>
+          <a:stretch>
+            <a:fillRect/>
+          </a:stretch>
+        </p:blipFill>
+        <p:spPr>
+          <a:xfrm>
+            <a:off x="1211727" y="1674153"/>
+            <a:ext cx="673590" cy="673590"/>
+          </a:xfrm>
+          <a:prstGeom prst="rect">
+            <a:avLst/>
+          </a:prstGeom>
+        </p:spPr>
+      </p:pic>
+      <p:pic>
+        <p:nvPicPr>
+          <p:cNvPr id="58" name="Picture 57"/>
+          <p:cNvPicPr>
+            <a:picLocks noChangeAspect="1"/>
+          </p:cNvPicPr>
+          <p:nvPr/>
+        </p:nvPicPr>
+        <p:blipFill>
+          <a:blip r:embed="rId4">
+            <a:extLst>
+              <a:ext uri="{28A0092B-C50C-407E-A947-70E740481C1C}">
+                <a14:useLocalDpi xmlns:a14="http://schemas.microsoft.com/office/drawing/2010/main" val="0"/>
+              </a:ext>
+            </a:extLst>
+          </a:blip>
+          <a:stretch>
+            <a:fillRect/>
+          </a:stretch>
+        </p:blipFill>
+        <p:spPr>
+          <a:xfrm>
+            <a:off x="1885317" y="1674153"/>
+            <a:ext cx="673590" cy="673590"/>
+          </a:xfrm>
+          <a:prstGeom prst="rect">
+            <a:avLst/>
+          </a:prstGeom>
+        </p:spPr>
+      </p:pic>
+      <p:pic>
+        <p:nvPicPr>
+          <p:cNvPr id="59" name="Picture 58"/>
+          <p:cNvPicPr>
+            <a:picLocks noChangeAspect="1"/>
+          </p:cNvPicPr>
+          <p:nvPr/>
+        </p:nvPicPr>
+        <p:blipFill>
+          <a:blip r:embed="rId5">
+            <a:extLst>
+              <a:ext uri="{28A0092B-C50C-407E-A947-70E740481C1C}">
+                <a14:useLocalDpi xmlns:a14="http://schemas.microsoft.com/office/drawing/2010/main" val="0"/>
+              </a:ext>
+            </a:extLst>
+          </a:blip>
+          <a:stretch>
+            <a:fillRect/>
+          </a:stretch>
+        </p:blipFill>
+        <p:spPr>
+          <a:xfrm>
+            <a:off x="2558907" y="1674153"/>
+            <a:ext cx="673590" cy="673590"/>
+          </a:xfrm>
+          <a:prstGeom prst="rect">
+            <a:avLst/>
+          </a:prstGeom>
+        </p:spPr>
+      </p:pic>
+      <p:pic>
+        <p:nvPicPr>
+          <p:cNvPr id="60" name="Picture 59"/>
+          <p:cNvPicPr>
+            <a:picLocks noChangeAspect="1"/>
+          </p:cNvPicPr>
+          <p:nvPr/>
+        </p:nvPicPr>
+        <p:blipFill>
+          <a:blip r:embed="rId6">
+            <a:extLst>
+              <a:ext uri="{28A0092B-C50C-407E-A947-70E740481C1C}">
+                <a14:useLocalDpi xmlns:a14="http://schemas.microsoft.com/office/drawing/2010/main" val="0"/>
+              </a:ext>
+            </a:extLst>
+          </a:blip>
+          <a:stretch>
+            <a:fillRect/>
+          </a:stretch>
+        </p:blipFill>
+        <p:spPr>
+          <a:xfrm>
+            <a:off x="3232497" y="1673665"/>
+            <a:ext cx="673590" cy="673590"/>
+          </a:xfrm>
+          <a:prstGeom prst="rect">
+            <a:avLst/>
+          </a:prstGeom>
+        </p:spPr>
+      </p:pic>
+      <p:pic>
+        <p:nvPicPr>
+          <p:cNvPr id="61" name="Picture 60"/>
+          <p:cNvPicPr>
+            <a:picLocks noChangeAspect="1"/>
+          </p:cNvPicPr>
+          <p:nvPr/>
+        </p:nvPicPr>
+        <p:blipFill>
+          <a:blip r:embed="rId7">
+            <a:extLst>
+              <a:ext uri="{28A0092B-C50C-407E-A947-70E740481C1C}">
+                <a14:useLocalDpi xmlns:a14="http://schemas.microsoft.com/office/drawing/2010/main" val="0"/>
+              </a:ext>
+            </a:extLst>
+          </a:blip>
+          <a:stretch>
+            <a:fillRect/>
+          </a:stretch>
+        </p:blipFill>
+        <p:spPr>
+          <a:xfrm>
+            <a:off x="3906087" y="1674153"/>
+            <a:ext cx="673590" cy="673590"/>
+          </a:xfrm>
+          <a:prstGeom prst="rect">
+            <a:avLst/>
+          </a:prstGeom>
+        </p:spPr>
+      </p:pic>
+      <p:pic>
+        <p:nvPicPr>
+          <p:cNvPr id="62" name="Picture 61"/>
+          <p:cNvPicPr>
+            <a:picLocks noChangeAspect="1"/>
+          </p:cNvPicPr>
+          <p:nvPr/>
+        </p:nvPicPr>
+        <p:blipFill>
+          <a:blip r:embed="rId8">
+            <a:extLst>
+              <a:ext uri="{28A0092B-C50C-407E-A947-70E740481C1C}">
+                <a14:useLocalDpi xmlns:a14="http://schemas.microsoft.com/office/drawing/2010/main" val="0"/>
+              </a:ext>
+            </a:extLst>
+          </a:blip>
+          <a:stretch>
+            <a:fillRect/>
+          </a:stretch>
+        </p:blipFill>
+        <p:spPr>
+          <a:xfrm>
+            <a:off x="4579677" y="1674153"/>
+            <a:ext cx="673590" cy="673590"/>
+          </a:xfrm>
+          <a:prstGeom prst="rect">
+            <a:avLst/>
+          </a:prstGeom>
+        </p:spPr>
+      </p:pic>
+      <p:pic>
+        <p:nvPicPr>
+          <p:cNvPr id="63" name="Picture 62"/>
+          <p:cNvPicPr>
+            <a:picLocks noChangeAspect="1"/>
+          </p:cNvPicPr>
+          <p:nvPr/>
+        </p:nvPicPr>
+        <p:blipFill>
+          <a:blip r:embed="rId9">
+            <a:extLst>
+              <a:ext uri="{28A0092B-C50C-407E-A947-70E740481C1C}">
+                <a14:useLocalDpi xmlns:a14="http://schemas.microsoft.com/office/drawing/2010/main" val="0"/>
+              </a:ext>
+            </a:extLst>
+          </a:blip>
+          <a:stretch>
+            <a:fillRect/>
+          </a:stretch>
+        </p:blipFill>
+        <p:spPr>
+          <a:xfrm>
+            <a:off x="5253267" y="1674153"/>
+            <a:ext cx="673590" cy="673590"/>
+          </a:xfrm>
+          <a:prstGeom prst="rect">
+            <a:avLst/>
+          </a:prstGeom>
+        </p:spPr>
+      </p:pic>
+      <p:pic>
+        <p:nvPicPr>
+          <p:cNvPr id="68" name="Picture 67"/>
+          <p:cNvPicPr>
+            <a:picLocks noChangeAspect="1"/>
+          </p:cNvPicPr>
+          <p:nvPr/>
+        </p:nvPicPr>
+        <p:blipFill>
+          <a:blip r:embed="rId10">
+            <a:extLst>
+              <a:ext uri="{28A0092B-C50C-407E-A947-70E740481C1C}">
+                <a14:useLocalDpi xmlns:a14="http://schemas.microsoft.com/office/drawing/2010/main" val="0"/>
+              </a:ext>
+            </a:extLst>
+          </a:blip>
+          <a:stretch>
+            <a:fillRect/>
+          </a:stretch>
+        </p:blipFill>
+        <p:spPr>
+          <a:xfrm>
+            <a:off x="5926857" y="1674153"/>
+            <a:ext cx="673590" cy="673590"/>
+          </a:xfrm>
+          <a:prstGeom prst="rect">
+            <a:avLst/>
+          </a:prstGeom>
+        </p:spPr>
+      </p:pic>
+      <p:pic>
+        <p:nvPicPr>
+          <p:cNvPr id="69" name="Picture 68"/>
+          <p:cNvPicPr>
+            <a:picLocks noChangeAspect="1"/>
+          </p:cNvPicPr>
+          <p:nvPr/>
+        </p:nvPicPr>
+        <p:blipFill>
+          <a:blip r:embed="rId11">
+            <a:extLst>
+              <a:ext uri="{28A0092B-C50C-407E-A947-70E740481C1C}">
+                <a14:useLocalDpi xmlns:a14="http://schemas.microsoft.com/office/drawing/2010/main" val="0"/>
+              </a:ext>
+            </a:extLst>
+          </a:blip>
+          <a:stretch>
+            <a:fillRect/>
+          </a:stretch>
+        </p:blipFill>
+        <p:spPr>
+          <a:xfrm>
+            <a:off x="7947627" y="1673665"/>
+            <a:ext cx="673590" cy="673590"/>
+          </a:xfrm>
+          <a:prstGeom prst="rect">
+            <a:avLst/>
+          </a:prstGeom>
+        </p:spPr>
+      </p:pic>
+      <p:pic>
+        <p:nvPicPr>
+          <p:cNvPr id="70" name="Picture 69"/>
+          <p:cNvPicPr>
+            <a:picLocks noChangeAspect="1"/>
+          </p:cNvPicPr>
+          <p:nvPr/>
+        </p:nvPicPr>
+        <p:blipFill>
+          <a:blip r:embed="rId12">
+            <a:extLst>
+              <a:ext uri="{28A0092B-C50C-407E-A947-70E740481C1C}">
+                <a14:useLocalDpi xmlns:a14="http://schemas.microsoft.com/office/drawing/2010/main" val="0"/>
+              </a:ext>
+            </a:extLst>
+          </a:blip>
+          <a:stretch>
+            <a:fillRect/>
+          </a:stretch>
+        </p:blipFill>
+        <p:spPr>
+          <a:xfrm>
+            <a:off x="6600447" y="1674153"/>
+            <a:ext cx="673590" cy="673590"/>
+          </a:xfrm>
+          <a:prstGeom prst="rect">
+            <a:avLst/>
+          </a:prstGeom>
+        </p:spPr>
+      </p:pic>
+      <p:pic>
+        <p:nvPicPr>
+          <p:cNvPr id="71" name="Picture 70"/>
+          <p:cNvPicPr>
+            <a:picLocks noChangeAspect="1"/>
+          </p:cNvPicPr>
+          <p:nvPr/>
+        </p:nvPicPr>
+        <p:blipFill>
+          <a:blip r:embed="rId13">
+            <a:extLst>
+              <a:ext uri="{28A0092B-C50C-407E-A947-70E740481C1C}">
+                <a14:useLocalDpi xmlns:a14="http://schemas.microsoft.com/office/drawing/2010/main" val="0"/>
+              </a:ext>
+            </a:extLst>
+          </a:blip>
+          <a:stretch>
+            <a:fillRect/>
+          </a:stretch>
+        </p:blipFill>
+        <p:spPr>
+          <a:xfrm>
+            <a:off x="7274037" y="1674153"/>
+            <a:ext cx="673590" cy="673590"/>
+          </a:xfrm>
+          <a:prstGeom prst="rect">
+            <a:avLst/>
+          </a:prstGeom>
+        </p:spPr>
+      </p:pic>
+      <p:pic>
+        <p:nvPicPr>
+          <p:cNvPr id="72" name="Picture 71"/>
+          <p:cNvPicPr>
+            <a:picLocks noChangeAspect="1"/>
+          </p:cNvPicPr>
+          <p:nvPr/>
+        </p:nvPicPr>
+        <p:blipFill>
+          <a:blip r:embed="rId14">
+            <a:extLst>
+              <a:ext uri="{28A0092B-C50C-407E-A947-70E740481C1C}">
+                <a14:useLocalDpi xmlns:a14="http://schemas.microsoft.com/office/drawing/2010/main" val="0"/>
+              </a:ext>
+            </a:extLst>
+          </a:blip>
+          <a:stretch>
+            <a:fillRect/>
+          </a:stretch>
+        </p:blipFill>
+        <p:spPr>
+          <a:xfrm>
+            <a:off x="567528" y="2347743"/>
+            <a:ext cx="673590" cy="673590"/>
+          </a:xfrm>
+          <a:prstGeom prst="rect">
+            <a:avLst/>
+          </a:prstGeom>
+        </p:spPr>
+      </p:pic>
+      <p:pic>
+        <p:nvPicPr>
+          <p:cNvPr id="73" name="Picture 72"/>
+          <p:cNvPicPr>
+            <a:picLocks noChangeAspect="1"/>
+          </p:cNvPicPr>
+          <p:nvPr/>
+        </p:nvPicPr>
+        <p:blipFill>
+          <a:blip r:embed="rId15">
+            <a:extLst>
+              <a:ext uri="{28A0092B-C50C-407E-A947-70E740481C1C}">
+                <a14:useLocalDpi xmlns:a14="http://schemas.microsoft.com/office/drawing/2010/main" val="0"/>
+              </a:ext>
+            </a:extLst>
+          </a:blip>
+          <a:stretch>
+            <a:fillRect/>
+          </a:stretch>
+        </p:blipFill>
+        <p:spPr>
+          <a:xfrm>
+            <a:off x="1211727" y="2347743"/>
+            <a:ext cx="673590" cy="673590"/>
+          </a:xfrm>
+          <a:prstGeom prst="rect">
+            <a:avLst/>
+          </a:prstGeom>
+        </p:spPr>
+      </p:pic>
+      <p:pic>
+        <p:nvPicPr>
+          <p:cNvPr id="74" name="Picture 73"/>
+          <p:cNvPicPr>
+            <a:picLocks noChangeAspect="1"/>
+          </p:cNvPicPr>
+          <p:nvPr/>
+        </p:nvPicPr>
+        <p:blipFill>
+          <a:blip r:embed="rId16">
+            <a:extLst>
+              <a:ext uri="{28A0092B-C50C-407E-A947-70E740481C1C}">
+                <a14:useLocalDpi xmlns:a14="http://schemas.microsoft.com/office/drawing/2010/main" val="0"/>
+              </a:ext>
+            </a:extLst>
+          </a:blip>
+          <a:stretch>
+            <a:fillRect/>
+          </a:stretch>
+        </p:blipFill>
+        <p:spPr>
+          <a:xfrm>
+            <a:off x="1885317" y="2393120"/>
+            <a:ext cx="673590" cy="673590"/>
+          </a:xfrm>
+          <a:prstGeom prst="rect">
+            <a:avLst/>
+          </a:prstGeom>
+        </p:spPr>
+      </p:pic>
+      <p:pic>
+        <p:nvPicPr>
+          <p:cNvPr id="75" name="Picture 74"/>
+          <p:cNvPicPr>
+            <a:picLocks noChangeAspect="1"/>
+          </p:cNvPicPr>
+          <p:nvPr/>
+        </p:nvPicPr>
+        <p:blipFill>
+          <a:blip r:embed="rId17">
+            <a:extLst>
+              <a:ext uri="{28A0092B-C50C-407E-A947-70E740481C1C}">
+                <a14:useLocalDpi xmlns:a14="http://schemas.microsoft.com/office/drawing/2010/main" val="0"/>
+              </a:ext>
+            </a:extLst>
+          </a:blip>
+          <a:stretch>
+            <a:fillRect/>
+          </a:stretch>
+        </p:blipFill>
+        <p:spPr>
+          <a:xfrm>
+            <a:off x="2558907" y="2347743"/>
+            <a:ext cx="673590" cy="673590"/>
+          </a:xfrm>
+          <a:prstGeom prst="rect">
+            <a:avLst/>
+          </a:prstGeom>
+        </p:spPr>
+      </p:pic>
+      <p:pic>
+        <p:nvPicPr>
+          <p:cNvPr id="76" name="Picture 75"/>
+          <p:cNvPicPr>
+            <a:picLocks noChangeAspect="1"/>
+          </p:cNvPicPr>
+          <p:nvPr/>
+        </p:nvPicPr>
+        <p:blipFill>
+          <a:blip r:embed="rId18">
+            <a:extLst>
+              <a:ext uri="{28A0092B-C50C-407E-A947-70E740481C1C}">
+                <a14:useLocalDpi xmlns:a14="http://schemas.microsoft.com/office/drawing/2010/main" val="0"/>
+              </a:ext>
+            </a:extLst>
+          </a:blip>
+          <a:stretch>
+            <a:fillRect/>
+          </a:stretch>
+        </p:blipFill>
+        <p:spPr>
+          <a:xfrm>
+            <a:off x="3232497" y="2347255"/>
+            <a:ext cx="673590" cy="673590"/>
+          </a:xfrm>
+          <a:prstGeom prst="rect">
+            <a:avLst/>
+          </a:prstGeom>
+        </p:spPr>
+      </p:pic>
+      <p:pic>
+        <p:nvPicPr>
+          <p:cNvPr id="77" name="Picture 76"/>
+          <p:cNvPicPr>
+            <a:picLocks noChangeAspect="1"/>
+          </p:cNvPicPr>
+          <p:nvPr/>
+        </p:nvPicPr>
+        <p:blipFill>
+          <a:blip r:embed="rId19">
+            <a:extLst>
+              <a:ext uri="{28A0092B-C50C-407E-A947-70E740481C1C}">
+                <a14:useLocalDpi xmlns:a14="http://schemas.microsoft.com/office/drawing/2010/main" val="0"/>
+              </a:ext>
+            </a:extLst>
+          </a:blip>
+          <a:stretch>
+            <a:fillRect/>
+          </a:stretch>
+        </p:blipFill>
+        <p:spPr>
+          <a:xfrm>
+            <a:off x="3906087" y="2347743"/>
+            <a:ext cx="673590" cy="673590"/>
+          </a:xfrm>
+          <a:prstGeom prst="rect">
+            <a:avLst/>
+          </a:prstGeom>
+        </p:spPr>
+      </p:pic>
+      <p:pic>
+        <p:nvPicPr>
+          <p:cNvPr id="78" name="Picture 77"/>
+          <p:cNvPicPr>
+            <a:picLocks noChangeAspect="1"/>
+          </p:cNvPicPr>
+          <p:nvPr/>
+        </p:nvPicPr>
+        <p:blipFill>
+          <a:blip r:embed="rId20">
+            <a:extLst>
+              <a:ext uri="{28A0092B-C50C-407E-A947-70E740481C1C}">
+                <a14:useLocalDpi xmlns:a14="http://schemas.microsoft.com/office/drawing/2010/main" val="0"/>
+              </a:ext>
+            </a:extLst>
+          </a:blip>
+          <a:stretch>
+            <a:fillRect/>
+          </a:stretch>
+        </p:blipFill>
+        <p:spPr>
+          <a:xfrm>
+            <a:off x="4579677" y="2347743"/>
+            <a:ext cx="673590" cy="673590"/>
+          </a:xfrm>
+          <a:prstGeom prst="rect">
+            <a:avLst/>
+          </a:prstGeom>
+        </p:spPr>
+      </p:pic>
+      <p:pic>
+        <p:nvPicPr>
+          <p:cNvPr id="79" name="Picture 78"/>
+          <p:cNvPicPr>
+            <a:picLocks noChangeAspect="1"/>
+          </p:cNvPicPr>
+          <p:nvPr/>
+        </p:nvPicPr>
+        <p:blipFill>
+          <a:blip r:embed="rId21">
+            <a:extLst>
+              <a:ext uri="{28A0092B-C50C-407E-A947-70E740481C1C}">
+                <a14:useLocalDpi xmlns:a14="http://schemas.microsoft.com/office/drawing/2010/main" val="0"/>
+              </a:ext>
+            </a:extLst>
+          </a:blip>
+          <a:stretch>
+            <a:fillRect/>
+          </a:stretch>
+        </p:blipFill>
+        <p:spPr>
+          <a:xfrm>
+            <a:off x="5253267" y="2347743"/>
+            <a:ext cx="673590" cy="673590"/>
+          </a:xfrm>
+          <a:prstGeom prst="rect">
+            <a:avLst/>
+          </a:prstGeom>
+        </p:spPr>
+      </p:pic>
+      <p:pic>
+        <p:nvPicPr>
+          <p:cNvPr id="80" name="Picture 79"/>
+          <p:cNvPicPr>
+            <a:picLocks noChangeAspect="1"/>
+          </p:cNvPicPr>
+          <p:nvPr/>
+        </p:nvPicPr>
+        <p:blipFill>
+          <a:blip r:embed="rId22">
+            <a:extLst>
+              <a:ext uri="{28A0092B-C50C-407E-A947-70E740481C1C}">
+                <a14:useLocalDpi xmlns:a14="http://schemas.microsoft.com/office/drawing/2010/main" val="0"/>
+              </a:ext>
+            </a:extLst>
+          </a:blip>
+          <a:stretch>
+            <a:fillRect/>
+          </a:stretch>
+        </p:blipFill>
+        <p:spPr>
+          <a:xfrm>
+            <a:off x="5926857" y="2347743"/>
+            <a:ext cx="673590" cy="673590"/>
+          </a:xfrm>
+          <a:prstGeom prst="rect">
+            <a:avLst/>
+          </a:prstGeom>
+        </p:spPr>
+      </p:pic>
+      <p:pic>
+        <p:nvPicPr>
+          <p:cNvPr id="81" name="Picture 80"/>
+          <p:cNvPicPr>
+            <a:picLocks noChangeAspect="1"/>
+          </p:cNvPicPr>
+          <p:nvPr/>
+        </p:nvPicPr>
+        <p:blipFill>
+          <a:blip r:embed="rId23">
+            <a:extLst>
+              <a:ext uri="{28A0092B-C50C-407E-A947-70E740481C1C}">
+                <a14:useLocalDpi xmlns:a14="http://schemas.microsoft.com/office/drawing/2010/main" val="0"/>
+              </a:ext>
+            </a:extLst>
+          </a:blip>
+          <a:stretch>
+            <a:fillRect/>
+          </a:stretch>
+        </p:blipFill>
+        <p:spPr>
+          <a:xfrm>
+            <a:off x="7947627" y="2347255"/>
+            <a:ext cx="673590" cy="673590"/>
+          </a:xfrm>
+          <a:prstGeom prst="rect">
+            <a:avLst/>
+          </a:prstGeom>
+        </p:spPr>
+      </p:pic>
+      <p:pic>
+        <p:nvPicPr>
+          <p:cNvPr id="82" name="Picture 81"/>
+          <p:cNvPicPr>
+            <a:picLocks noChangeAspect="1"/>
+          </p:cNvPicPr>
+          <p:nvPr/>
+        </p:nvPicPr>
+        <p:blipFill>
+          <a:blip r:embed="rId24">
+            <a:extLst>
+              <a:ext uri="{28A0092B-C50C-407E-A947-70E740481C1C}">
+                <a14:useLocalDpi xmlns:a14="http://schemas.microsoft.com/office/drawing/2010/main" val="0"/>
+              </a:ext>
+            </a:extLst>
+          </a:blip>
+          <a:stretch>
+            <a:fillRect/>
+          </a:stretch>
+        </p:blipFill>
+        <p:spPr>
+          <a:xfrm>
+            <a:off x="6600447" y="2347743"/>
+            <a:ext cx="673590" cy="673590"/>
+          </a:xfrm>
+          <a:prstGeom prst="rect">
+            <a:avLst/>
+          </a:prstGeom>
+        </p:spPr>
+      </p:pic>
+      <p:pic>
+        <p:nvPicPr>
+          <p:cNvPr id="83" name="Picture 82"/>
+          <p:cNvPicPr>
+            <a:picLocks noChangeAspect="1"/>
+          </p:cNvPicPr>
+          <p:nvPr/>
+        </p:nvPicPr>
+        <p:blipFill>
+          <a:blip r:embed="rId25">
+            <a:extLst>
+              <a:ext uri="{28A0092B-C50C-407E-A947-70E740481C1C}">
+                <a14:useLocalDpi xmlns:a14="http://schemas.microsoft.com/office/drawing/2010/main" val="0"/>
+              </a:ext>
+            </a:extLst>
+          </a:blip>
+          <a:stretch>
+            <a:fillRect/>
+          </a:stretch>
+        </p:blipFill>
+        <p:spPr>
+          <a:xfrm>
+            <a:off x="7274037" y="2347743"/>
+            <a:ext cx="673590" cy="673590"/>
+          </a:xfrm>
+          <a:prstGeom prst="rect">
+            <a:avLst/>
+          </a:prstGeom>
+        </p:spPr>
+      </p:pic>
+      <p:pic>
+        <p:nvPicPr>
+          <p:cNvPr id="84" name="Picture 83"/>
+          <p:cNvPicPr>
+            <a:picLocks noChangeAspect="1"/>
+          </p:cNvPicPr>
+          <p:nvPr/>
+        </p:nvPicPr>
+        <p:blipFill>
+          <a:blip r:embed="rId26">
+            <a:extLst>
+              <a:ext uri="{28A0092B-C50C-407E-A947-70E740481C1C}">
+                <a14:useLocalDpi xmlns:a14="http://schemas.microsoft.com/office/drawing/2010/main" val="0"/>
+              </a:ext>
+            </a:extLst>
+          </a:blip>
+          <a:stretch>
+            <a:fillRect/>
+          </a:stretch>
+        </p:blipFill>
+        <p:spPr>
+          <a:xfrm>
+            <a:off x="567528" y="3021333"/>
+            <a:ext cx="673590" cy="673590"/>
+          </a:xfrm>
+          <a:prstGeom prst="rect">
+            <a:avLst/>
+          </a:prstGeom>
+        </p:spPr>
+      </p:pic>
+      <p:pic>
+        <p:nvPicPr>
+          <p:cNvPr id="85" name="Picture 84"/>
+          <p:cNvPicPr>
+            <a:picLocks noChangeAspect="1"/>
+          </p:cNvPicPr>
+          <p:nvPr/>
+        </p:nvPicPr>
+        <p:blipFill>
+          <a:blip r:embed="rId27">
+            <a:extLst>
+              <a:ext uri="{28A0092B-C50C-407E-A947-70E740481C1C}">
+                <a14:useLocalDpi xmlns:a14="http://schemas.microsoft.com/office/drawing/2010/main" val="0"/>
+              </a:ext>
+            </a:extLst>
+          </a:blip>
+          <a:stretch>
+            <a:fillRect/>
+          </a:stretch>
+        </p:blipFill>
+        <p:spPr>
+          <a:xfrm>
+            <a:off x="1211727" y="3021333"/>
+            <a:ext cx="673590" cy="673590"/>
+          </a:xfrm>
+          <a:prstGeom prst="rect">
+            <a:avLst/>
+          </a:prstGeom>
+        </p:spPr>
+      </p:pic>
+      <p:pic>
+        <p:nvPicPr>
+          <p:cNvPr id="86" name="Picture 85"/>
+          <p:cNvPicPr>
+            <a:picLocks noChangeAspect="1"/>
+          </p:cNvPicPr>
+          <p:nvPr/>
+        </p:nvPicPr>
+        <p:blipFill>
+          <a:blip r:embed="rId28">
+            <a:extLst>
+              <a:ext uri="{28A0092B-C50C-407E-A947-70E740481C1C}">
+                <a14:useLocalDpi xmlns:a14="http://schemas.microsoft.com/office/drawing/2010/main" val="0"/>
+              </a:ext>
+            </a:extLst>
+          </a:blip>
+          <a:stretch>
+            <a:fillRect/>
+          </a:stretch>
+        </p:blipFill>
+        <p:spPr>
+          <a:xfrm>
+            <a:off x="1885317" y="3021333"/>
+            <a:ext cx="673590" cy="673590"/>
+          </a:xfrm>
+          <a:prstGeom prst="rect">
+            <a:avLst/>
+          </a:prstGeom>
+        </p:spPr>
+      </p:pic>
+      <p:pic>
+        <p:nvPicPr>
+          <p:cNvPr id="87" name="Picture 86"/>
+          <p:cNvPicPr>
+            <a:picLocks noChangeAspect="1"/>
+          </p:cNvPicPr>
+          <p:nvPr/>
+        </p:nvPicPr>
+        <p:blipFill>
+          <a:blip r:embed="rId29">
+            <a:extLst>
+              <a:ext uri="{28A0092B-C50C-407E-A947-70E740481C1C}">
+                <a14:useLocalDpi xmlns:a14="http://schemas.microsoft.com/office/drawing/2010/main" val="0"/>
+              </a:ext>
+            </a:extLst>
+          </a:blip>
+          <a:stretch>
+            <a:fillRect/>
+          </a:stretch>
+        </p:blipFill>
+        <p:spPr>
+          <a:xfrm>
+            <a:off x="2558907" y="3021333"/>
+            <a:ext cx="673590" cy="673590"/>
+          </a:xfrm>
+          <a:prstGeom prst="rect">
+            <a:avLst/>
+          </a:prstGeom>
+        </p:spPr>
+      </p:pic>
+      <p:pic>
+        <p:nvPicPr>
+          <p:cNvPr id="88" name="Picture 87"/>
+          <p:cNvPicPr>
+            <a:picLocks noChangeAspect="1"/>
+          </p:cNvPicPr>
+          <p:nvPr/>
+        </p:nvPicPr>
+        <p:blipFill>
+          <a:blip r:embed="rId30">
+            <a:extLst>
+              <a:ext uri="{28A0092B-C50C-407E-A947-70E740481C1C}">
+                <a14:useLocalDpi xmlns:a14="http://schemas.microsoft.com/office/drawing/2010/main" val="0"/>
+              </a:ext>
+            </a:extLst>
+          </a:blip>
+          <a:stretch>
+            <a:fillRect/>
+          </a:stretch>
+        </p:blipFill>
+        <p:spPr>
+          <a:xfrm>
+            <a:off x="3232497" y="3020845"/>
+            <a:ext cx="673590" cy="673590"/>
+          </a:xfrm>
+          <a:prstGeom prst="rect">
+            <a:avLst/>
+          </a:prstGeom>
+        </p:spPr>
+      </p:pic>
+      <p:pic>
+        <p:nvPicPr>
+          <p:cNvPr id="89" name="Picture 88"/>
+          <p:cNvPicPr>
+            <a:picLocks noChangeAspect="1"/>
+          </p:cNvPicPr>
+          <p:nvPr/>
+        </p:nvPicPr>
+        <p:blipFill>
+          <a:blip r:embed="rId31">
+            <a:extLst>
+              <a:ext uri="{28A0092B-C50C-407E-A947-70E740481C1C}">
+                <a14:useLocalDpi xmlns:a14="http://schemas.microsoft.com/office/drawing/2010/main" val="0"/>
+              </a:ext>
+            </a:extLst>
+          </a:blip>
+          <a:stretch>
+            <a:fillRect/>
+          </a:stretch>
+        </p:blipFill>
+        <p:spPr>
+          <a:xfrm>
+            <a:off x="3906087" y="3021333"/>
+            <a:ext cx="673590" cy="673590"/>
+          </a:xfrm>
+          <a:prstGeom prst="rect">
+            <a:avLst/>
+          </a:prstGeom>
+        </p:spPr>
+      </p:pic>
+      <p:pic>
+        <p:nvPicPr>
+          <p:cNvPr id="90" name="Picture 89"/>
+          <p:cNvPicPr>
+            <a:picLocks noChangeAspect="1"/>
+          </p:cNvPicPr>
+          <p:nvPr/>
+        </p:nvPicPr>
+        <p:blipFill>
+          <a:blip r:embed="rId32">
+            <a:extLst>
+              <a:ext uri="{28A0092B-C50C-407E-A947-70E740481C1C}">
+                <a14:useLocalDpi xmlns:a14="http://schemas.microsoft.com/office/drawing/2010/main" val="0"/>
+              </a:ext>
+            </a:extLst>
+          </a:blip>
+          <a:stretch>
+            <a:fillRect/>
+          </a:stretch>
+        </p:blipFill>
+        <p:spPr>
+          <a:xfrm>
+            <a:off x="4579677" y="3021333"/>
+            <a:ext cx="673590" cy="673590"/>
+          </a:xfrm>
+          <a:prstGeom prst="rect">
+            <a:avLst/>
+          </a:prstGeom>
+        </p:spPr>
+      </p:pic>
+      <p:pic>
+        <p:nvPicPr>
+          <p:cNvPr id="91" name="Picture 90"/>
+          <p:cNvPicPr>
+            <a:picLocks noChangeAspect="1"/>
+          </p:cNvPicPr>
+          <p:nvPr/>
+        </p:nvPicPr>
+        <p:blipFill>
+          <a:blip r:embed="rId33">
+            <a:extLst>
+              <a:ext uri="{28A0092B-C50C-407E-A947-70E740481C1C}">
+                <a14:useLocalDpi xmlns:a14="http://schemas.microsoft.com/office/drawing/2010/main" val="0"/>
+              </a:ext>
+            </a:extLst>
+          </a:blip>
+          <a:stretch>
+            <a:fillRect/>
+          </a:stretch>
+        </p:blipFill>
+        <p:spPr>
+          <a:xfrm>
+            <a:off x="5253267" y="3021333"/>
+            <a:ext cx="673590" cy="673590"/>
+          </a:xfrm>
+          <a:prstGeom prst="rect">
+            <a:avLst/>
+          </a:prstGeom>
+        </p:spPr>
+      </p:pic>
+      <p:pic>
+        <p:nvPicPr>
+          <p:cNvPr id="92" name="Picture 91"/>
+          <p:cNvPicPr>
+            <a:picLocks noChangeAspect="1"/>
+          </p:cNvPicPr>
+          <p:nvPr/>
+        </p:nvPicPr>
+        <p:blipFill>
+          <a:blip r:embed="rId34">
+            <a:extLst>
+              <a:ext uri="{28A0092B-C50C-407E-A947-70E740481C1C}">
+                <a14:useLocalDpi xmlns:a14="http://schemas.microsoft.com/office/drawing/2010/main" val="0"/>
+              </a:ext>
+            </a:extLst>
+          </a:blip>
+          <a:stretch>
+            <a:fillRect/>
+          </a:stretch>
+        </p:blipFill>
+        <p:spPr>
+          <a:xfrm>
+            <a:off x="5926857" y="3021333"/>
+            <a:ext cx="673590" cy="673590"/>
+          </a:xfrm>
+          <a:prstGeom prst="rect">
+            <a:avLst/>
+          </a:prstGeom>
+        </p:spPr>
+      </p:pic>
+      <p:pic>
+        <p:nvPicPr>
+          <p:cNvPr id="93" name="Picture 92"/>
+          <p:cNvPicPr>
+            <a:picLocks noChangeAspect="1"/>
+          </p:cNvPicPr>
+          <p:nvPr/>
+        </p:nvPicPr>
+        <p:blipFill>
+          <a:blip r:embed="rId35">
+            <a:extLst>
+              <a:ext uri="{28A0092B-C50C-407E-A947-70E740481C1C}">
+                <a14:useLocalDpi xmlns:a14="http://schemas.microsoft.com/office/drawing/2010/main" val="0"/>
+              </a:ext>
+            </a:extLst>
+          </a:blip>
+          <a:stretch>
+            <a:fillRect/>
+          </a:stretch>
+        </p:blipFill>
+        <p:spPr>
+          <a:xfrm>
+            <a:off x="7947627" y="3020845"/>
+            <a:ext cx="673590" cy="673590"/>
+          </a:xfrm>
+          <a:prstGeom prst="rect">
+            <a:avLst/>
+          </a:prstGeom>
+        </p:spPr>
+      </p:pic>
+      <p:pic>
+        <p:nvPicPr>
+          <p:cNvPr id="94" name="Picture 93"/>
+          <p:cNvPicPr>
+            <a:picLocks noChangeAspect="1"/>
+          </p:cNvPicPr>
+          <p:nvPr/>
+        </p:nvPicPr>
+        <p:blipFill>
+          <a:blip r:embed="rId36">
+            <a:extLst>
+              <a:ext uri="{28A0092B-C50C-407E-A947-70E740481C1C}">
+                <a14:useLocalDpi xmlns:a14="http://schemas.microsoft.com/office/drawing/2010/main" val="0"/>
+              </a:ext>
+            </a:extLst>
+          </a:blip>
+          <a:stretch>
+            <a:fillRect/>
+          </a:stretch>
+        </p:blipFill>
+        <p:spPr>
+          <a:xfrm>
+            <a:off x="6600447" y="3021333"/>
+            <a:ext cx="673590" cy="673590"/>
+          </a:xfrm>
+          <a:prstGeom prst="rect">
+            <a:avLst/>
+          </a:prstGeom>
+        </p:spPr>
+      </p:pic>
+      <p:pic>
+        <p:nvPicPr>
+          <p:cNvPr id="95" name="Picture 94"/>
+          <p:cNvPicPr>
+            <a:picLocks noChangeAspect="1"/>
+          </p:cNvPicPr>
+          <p:nvPr/>
+        </p:nvPicPr>
+        <p:blipFill>
+          <a:blip r:embed="rId37">
+            <a:extLst>
+              <a:ext uri="{28A0092B-C50C-407E-A947-70E740481C1C}">
+                <a14:useLocalDpi xmlns:a14="http://schemas.microsoft.com/office/drawing/2010/main" val="0"/>
+              </a:ext>
+            </a:extLst>
+          </a:blip>
+          <a:stretch>
+            <a:fillRect/>
+          </a:stretch>
+        </p:blipFill>
+        <p:spPr>
+          <a:xfrm>
+            <a:off x="7274037" y="3021333"/>
+            <a:ext cx="673590" cy="673590"/>
+          </a:xfrm>
+          <a:prstGeom prst="rect">
+            <a:avLst/>
+          </a:prstGeom>
+        </p:spPr>
+      </p:pic>
+      <p:pic>
+        <p:nvPicPr>
+          <p:cNvPr id="96" name="Picture 95"/>
+          <p:cNvPicPr>
+            <a:picLocks noChangeAspect="1"/>
+          </p:cNvPicPr>
+          <p:nvPr/>
+        </p:nvPicPr>
+        <p:blipFill>
+          <a:blip r:embed="rId38">
+            <a:extLst>
+              <a:ext uri="{28A0092B-C50C-407E-A947-70E740481C1C}">
+                <a14:useLocalDpi xmlns:a14="http://schemas.microsoft.com/office/drawing/2010/main" val="0"/>
+              </a:ext>
+            </a:extLst>
+          </a:blip>
+          <a:stretch>
+            <a:fillRect/>
+          </a:stretch>
+        </p:blipFill>
+        <p:spPr>
+          <a:xfrm>
+            <a:off x="567528" y="3694435"/>
+            <a:ext cx="673590" cy="673590"/>
+          </a:xfrm>
+          <a:prstGeom prst="rect">
+            <a:avLst/>
+          </a:prstGeom>
+        </p:spPr>
+      </p:pic>
+      <p:pic>
+        <p:nvPicPr>
+          <p:cNvPr id="97" name="Picture 96"/>
+          <p:cNvPicPr>
+            <a:picLocks noChangeAspect="1"/>
+          </p:cNvPicPr>
+          <p:nvPr/>
+        </p:nvPicPr>
+        <p:blipFill>
+          <a:blip r:embed="rId39">
+            <a:extLst>
+              <a:ext uri="{28A0092B-C50C-407E-A947-70E740481C1C}">
+                <a14:useLocalDpi xmlns:a14="http://schemas.microsoft.com/office/drawing/2010/main" val="0"/>
+              </a:ext>
+            </a:extLst>
+          </a:blip>
+          <a:stretch>
+            <a:fillRect/>
+          </a:stretch>
+        </p:blipFill>
+        <p:spPr>
+          <a:xfrm>
+            <a:off x="1211727" y="3694435"/>
+            <a:ext cx="673590" cy="673590"/>
+          </a:xfrm>
+          <a:prstGeom prst="rect">
+            <a:avLst/>
+          </a:prstGeom>
+        </p:spPr>
+      </p:pic>
+      <p:pic>
+        <p:nvPicPr>
+          <p:cNvPr id="98" name="Picture 97"/>
+          <p:cNvPicPr>
+            <a:picLocks noChangeAspect="1"/>
+          </p:cNvPicPr>
+          <p:nvPr/>
+        </p:nvPicPr>
+        <p:blipFill>
+          <a:blip r:embed="rId40">
+            <a:extLst>
+              <a:ext uri="{28A0092B-C50C-407E-A947-70E740481C1C}">
+                <a14:useLocalDpi xmlns:a14="http://schemas.microsoft.com/office/drawing/2010/main" val="0"/>
+              </a:ext>
+            </a:extLst>
+          </a:blip>
+          <a:stretch>
+            <a:fillRect/>
+          </a:stretch>
+        </p:blipFill>
+        <p:spPr>
+          <a:xfrm>
+            <a:off x="1885317" y="3694435"/>
+            <a:ext cx="673590" cy="673590"/>
+          </a:xfrm>
+          <a:prstGeom prst="rect">
+            <a:avLst/>
+          </a:prstGeom>
+        </p:spPr>
+      </p:pic>
+      <p:pic>
+        <p:nvPicPr>
+          <p:cNvPr id="99" name="Picture 98"/>
+          <p:cNvPicPr>
+            <a:picLocks noChangeAspect="1"/>
+          </p:cNvPicPr>
+          <p:nvPr/>
+        </p:nvPicPr>
+        <p:blipFill>
+          <a:blip r:embed="rId41">
+            <a:extLst>
+              <a:ext uri="{28A0092B-C50C-407E-A947-70E740481C1C}">
+                <a14:useLocalDpi xmlns:a14="http://schemas.microsoft.com/office/drawing/2010/main" val="0"/>
+              </a:ext>
+            </a:extLst>
+          </a:blip>
+          <a:stretch>
+            <a:fillRect/>
+          </a:stretch>
+        </p:blipFill>
+        <p:spPr>
+          <a:xfrm>
+            <a:off x="2558907" y="3694435"/>
+            <a:ext cx="673590" cy="673590"/>
+          </a:xfrm>
+          <a:prstGeom prst="rect">
+            <a:avLst/>
+          </a:prstGeom>
+        </p:spPr>
+      </p:pic>
+      <p:pic>
+        <p:nvPicPr>
+          <p:cNvPr id="100" name="Picture 99"/>
+          <p:cNvPicPr>
+            <a:picLocks noChangeAspect="1"/>
+          </p:cNvPicPr>
+          <p:nvPr/>
+        </p:nvPicPr>
+        <p:blipFill>
+          <a:blip r:embed="rId42">
+            <a:extLst>
+              <a:ext uri="{28A0092B-C50C-407E-A947-70E740481C1C}">
+                <a14:useLocalDpi xmlns:a14="http://schemas.microsoft.com/office/drawing/2010/main" val="0"/>
+              </a:ext>
+            </a:extLst>
+          </a:blip>
+          <a:stretch>
+            <a:fillRect/>
+          </a:stretch>
+        </p:blipFill>
+        <p:spPr>
+          <a:xfrm>
+            <a:off x="3232497" y="3693947"/>
+            <a:ext cx="673590" cy="673590"/>
+          </a:xfrm>
+          <a:prstGeom prst="rect">
+            <a:avLst/>
+          </a:prstGeom>
+        </p:spPr>
+      </p:pic>
+      <p:pic>
+        <p:nvPicPr>
+          <p:cNvPr id="101" name="Picture 100"/>
+          <p:cNvPicPr>
+            <a:picLocks noChangeAspect="1"/>
+          </p:cNvPicPr>
+          <p:nvPr/>
+        </p:nvPicPr>
+        <p:blipFill>
+          <a:blip r:embed="rId43">
+            <a:extLst>
+              <a:ext uri="{28A0092B-C50C-407E-A947-70E740481C1C}">
+                <a14:useLocalDpi xmlns:a14="http://schemas.microsoft.com/office/drawing/2010/main" val="0"/>
+              </a:ext>
+            </a:extLst>
+          </a:blip>
+          <a:stretch>
+            <a:fillRect/>
+          </a:stretch>
+        </p:blipFill>
+        <p:spPr>
+          <a:xfrm>
+            <a:off x="3906087" y="3694435"/>
+            <a:ext cx="673590" cy="673590"/>
+          </a:xfrm>
+          <a:prstGeom prst="rect">
+            <a:avLst/>
+          </a:prstGeom>
+        </p:spPr>
+      </p:pic>
+      <p:pic>
+        <p:nvPicPr>
+          <p:cNvPr id="102" name="Picture 101"/>
+          <p:cNvPicPr>
+            <a:picLocks noChangeAspect="1"/>
+          </p:cNvPicPr>
+          <p:nvPr/>
+        </p:nvPicPr>
+        <p:blipFill>
+          <a:blip r:embed="rId44">
+            <a:extLst>
+              <a:ext uri="{28A0092B-C50C-407E-A947-70E740481C1C}">
+                <a14:useLocalDpi xmlns:a14="http://schemas.microsoft.com/office/drawing/2010/main" val="0"/>
+              </a:ext>
+            </a:extLst>
+          </a:blip>
+          <a:stretch>
+            <a:fillRect/>
+          </a:stretch>
+        </p:blipFill>
+        <p:spPr>
+          <a:xfrm>
+            <a:off x="4579677" y="3694435"/>
+            <a:ext cx="673590" cy="673590"/>
+          </a:xfrm>
+          <a:prstGeom prst="rect">
+            <a:avLst/>
+          </a:prstGeom>
+        </p:spPr>
+      </p:pic>
+      <p:pic>
+        <p:nvPicPr>
+          <p:cNvPr id="103" name="Picture 102"/>
+          <p:cNvPicPr>
+            <a:picLocks noChangeAspect="1"/>
+          </p:cNvPicPr>
+          <p:nvPr/>
+        </p:nvPicPr>
+        <p:blipFill>
+          <a:blip r:embed="rId45">
+            <a:extLst>
+              <a:ext uri="{28A0092B-C50C-407E-A947-70E740481C1C}">
+                <a14:useLocalDpi xmlns:a14="http://schemas.microsoft.com/office/drawing/2010/main" val="0"/>
+              </a:ext>
+            </a:extLst>
+          </a:blip>
+          <a:stretch>
+            <a:fillRect/>
+          </a:stretch>
+        </p:blipFill>
+        <p:spPr>
+          <a:xfrm>
+            <a:off x="5253267" y="3694435"/>
+            <a:ext cx="673590" cy="673590"/>
+          </a:xfrm>
+          <a:prstGeom prst="rect">
+            <a:avLst/>
+          </a:prstGeom>
+        </p:spPr>
+      </p:pic>
+      <p:pic>
+        <p:nvPicPr>
+          <p:cNvPr id="104" name="Picture 103"/>
+          <p:cNvPicPr>
+            <a:picLocks noChangeAspect="1"/>
+          </p:cNvPicPr>
+          <p:nvPr/>
+        </p:nvPicPr>
+        <p:blipFill>
+          <a:blip r:embed="rId46">
+            <a:extLst>
+              <a:ext uri="{28A0092B-C50C-407E-A947-70E740481C1C}">
+                <a14:useLocalDpi xmlns:a14="http://schemas.microsoft.com/office/drawing/2010/main" val="0"/>
+              </a:ext>
+            </a:extLst>
+          </a:blip>
+          <a:stretch>
+            <a:fillRect/>
+          </a:stretch>
+        </p:blipFill>
+        <p:spPr>
+          <a:xfrm>
+            <a:off x="5926857" y="3694435"/>
+            <a:ext cx="673590" cy="673590"/>
+          </a:xfrm>
+          <a:prstGeom prst="rect">
+            <a:avLst/>
+          </a:prstGeom>
+        </p:spPr>
+      </p:pic>
+      <p:pic>
+        <p:nvPicPr>
+          <p:cNvPr id="105" name="Picture 104"/>
+          <p:cNvPicPr>
+            <a:picLocks noChangeAspect="1"/>
+          </p:cNvPicPr>
+          <p:nvPr/>
+        </p:nvPicPr>
+        <p:blipFill>
+          <a:blip r:embed="rId47">
+            <a:extLst>
+              <a:ext uri="{28A0092B-C50C-407E-A947-70E740481C1C}">
+                <a14:useLocalDpi xmlns:a14="http://schemas.microsoft.com/office/drawing/2010/main" val="0"/>
+              </a:ext>
+            </a:extLst>
+          </a:blip>
+          <a:stretch>
+            <a:fillRect/>
+          </a:stretch>
+        </p:blipFill>
+        <p:spPr>
+          <a:xfrm>
+            <a:off x="7947627" y="3693947"/>
+            <a:ext cx="673590" cy="673590"/>
+          </a:xfrm>
+          <a:prstGeom prst="rect">
+            <a:avLst/>
+          </a:prstGeom>
+        </p:spPr>
+      </p:pic>
+      <p:pic>
+        <p:nvPicPr>
+          <p:cNvPr id="106" name="Picture 105"/>
+          <p:cNvPicPr>
+            <a:picLocks noChangeAspect="1"/>
+          </p:cNvPicPr>
+          <p:nvPr/>
+        </p:nvPicPr>
+        <p:blipFill>
+          <a:blip r:embed="rId48">
+            <a:extLst>
+              <a:ext uri="{28A0092B-C50C-407E-A947-70E740481C1C}">
+                <a14:useLocalDpi xmlns:a14="http://schemas.microsoft.com/office/drawing/2010/main" val="0"/>
+              </a:ext>
+            </a:extLst>
+          </a:blip>
+          <a:stretch>
+            <a:fillRect/>
+          </a:stretch>
+        </p:blipFill>
+        <p:spPr>
+          <a:xfrm>
+            <a:off x="6600447" y="3694435"/>
+            <a:ext cx="673590" cy="673590"/>
+          </a:xfrm>
+          <a:prstGeom prst="rect">
+            <a:avLst/>
+          </a:prstGeom>
+        </p:spPr>
+      </p:pic>
+      <p:pic>
+        <p:nvPicPr>
+          <p:cNvPr id="107" name="Picture 106"/>
+          <p:cNvPicPr>
+            <a:picLocks noChangeAspect="1"/>
+          </p:cNvPicPr>
+          <p:nvPr/>
+        </p:nvPicPr>
+        <p:blipFill>
+          <a:blip r:embed="rId49">
+            <a:extLst>
+              <a:ext uri="{28A0092B-C50C-407E-A947-70E740481C1C}">
+                <a14:useLocalDpi xmlns:a14="http://schemas.microsoft.com/office/drawing/2010/main" val="0"/>
+              </a:ext>
+            </a:extLst>
+          </a:blip>
+          <a:stretch>
+            <a:fillRect/>
+          </a:stretch>
+        </p:blipFill>
+        <p:spPr>
+          <a:xfrm>
+            <a:off x="7274037" y="3694435"/>
+            <a:ext cx="673590" cy="673590"/>
+          </a:xfrm>
+          <a:prstGeom prst="rect">
+            <a:avLst/>
+          </a:prstGeom>
+        </p:spPr>
+      </p:pic>
+      <p:pic>
+        <p:nvPicPr>
+          <p:cNvPr id="110" name="Picture 109"/>
+          <p:cNvPicPr>
+            <a:picLocks noChangeAspect="1"/>
+          </p:cNvPicPr>
+          <p:nvPr/>
+        </p:nvPicPr>
+        <p:blipFill>
+          <a:blip r:embed="rId50">
+            <a:extLst>
+              <a:ext uri="{28A0092B-C50C-407E-A947-70E740481C1C}">
+                <a14:useLocalDpi xmlns:a14="http://schemas.microsoft.com/office/drawing/2010/main" val="0"/>
+              </a:ext>
+            </a:extLst>
+          </a:blip>
+          <a:stretch>
+            <a:fillRect/>
+          </a:stretch>
+        </p:blipFill>
+        <p:spPr>
+          <a:xfrm>
+            <a:off x="1241118" y="4368025"/>
+            <a:ext cx="673590" cy="673590"/>
+          </a:xfrm>
+          <a:prstGeom prst="rect">
+            <a:avLst/>
+          </a:prstGeom>
+        </p:spPr>
+      </p:pic>
+      <p:pic>
+        <p:nvPicPr>
+          <p:cNvPr id="111" name="Picture 110"/>
+          <p:cNvPicPr>
+            <a:picLocks noChangeAspect="1"/>
+          </p:cNvPicPr>
+          <p:nvPr/>
+        </p:nvPicPr>
+        <p:blipFill>
+          <a:blip r:embed="rId51">
+            <a:extLst>
+              <a:ext uri="{28A0092B-C50C-407E-A947-70E740481C1C}">
+                <a14:useLocalDpi xmlns:a14="http://schemas.microsoft.com/office/drawing/2010/main" val="0"/>
+              </a:ext>
+            </a:extLst>
+          </a:blip>
+          <a:stretch>
+            <a:fillRect/>
+          </a:stretch>
+        </p:blipFill>
+        <p:spPr>
+          <a:xfrm>
+            <a:off x="567528" y="4368513"/>
+            <a:ext cx="673590" cy="673590"/>
+          </a:xfrm>
+          <a:prstGeom prst="rect">
+            <a:avLst/>
+          </a:prstGeom>
+        </p:spPr>
+      </p:pic>
+    </p:spTree>
+    <p:extLst>
+      <p:ext uri="{BB962C8B-B14F-4D97-AF65-F5344CB8AC3E}">
+        <p14:creationId xmlns:p14="http://schemas.microsoft.com/office/powerpoint/2010/main" val="3946463471"/>
+      </p:ext>
+    </p:extLst>
+  </p:cSld>
+  <p:clrMapOvr>
+    <a:masterClrMapping/>
+  </p:clrMapOvr>
+  <mc:AlternateContent xmlns:mc="http://schemas.openxmlformats.org/markup-compatibility/2006" xmlns:p14="http://schemas.microsoft.com/office/powerpoint/2010/main">
+    <mc:Choice Requires="p14">
+      <p:transition spd="slow" p14:dur="2000"/>
+    </mc:Choice>
+    <mc:Fallback xmlns:mv="urn:schemas-microsoft-com:mac:vml" xmlns="">
+      <mp:transition xmlns:mp="http://schemas.microsoft.com/office/mac/powerpoint/2008/main" spd="slow"/>
+    </mc:Fallback>
+  </mc:AlternateContent>
+</p:sld>
+</file>
+
+<file path=ppt/slides/slide142.xml><?xml version="1.0" encoding="utf-8"?>
+<p:sld xmlns:a="http://schemas.openxmlformats.org/drawingml/2006/main" xmlns:r="http://schemas.openxmlformats.org/officeDocument/2006/relationships" xmlns:p="http://schemas.openxmlformats.org/presentationml/2006/main" show="0">
+  <p:cSld>
+    <p:spTree>
+      <p:nvGrpSpPr>
+        <p:cNvPr id="1" name=""/>
+        <p:cNvGrpSpPr/>
+        <p:nvPr/>
+      </p:nvGrpSpPr>
+      <p:grpSpPr>
+        <a:xfrm>
+          <a:off x="0" y="0"/>
+          <a:ext cx="0" cy="0"/>
+          <a:chOff x="0" y="0"/>
+          <a:chExt cx="0" cy="0"/>
+        </a:xfrm>
+      </p:grpSpPr>
+      <p:sp>
+        <p:nvSpPr>
+          <p:cNvPr id="16" name="Rectangle 15"/>
+          <p:cNvSpPr/>
+          <p:nvPr/>
+        </p:nvSpPr>
+        <p:spPr bwMode="auto">
+          <a:xfrm>
+            <a:off x="6007100" y="1371600"/>
+            <a:ext cx="2661894" cy="1405744"/>
+          </a:xfrm>
+          <a:prstGeom prst="rect">
+            <a:avLst/>
+          </a:prstGeom>
+          <a:solidFill>
+            <a:srgbClr val="00BCF2"/>
+          </a:solidFill>
+          <a:ln>
+            <a:noFill/>
+            <a:headEnd type="none" w="med" len="med"/>
+            <a:tailEnd type="none" w="med" len="med"/>
+          </a:ln>
+          <a:effectLst/>
+        </p:spPr>
+        <p:style>
+          <a:lnRef idx="1">
+            <a:schemeClr val="accent2"/>
+          </a:lnRef>
+          <a:fillRef idx="3">
+            <a:schemeClr val="accent2"/>
+          </a:fillRef>
+          <a:effectRef idx="2">
+            <a:schemeClr val="accent2"/>
+          </a:effectRef>
+          <a:fontRef idx="minor">
+            <a:schemeClr val="lt1"/>
+          </a:fontRef>
+        </p:style>
+        <p:txBody>
+          <a:bodyPr rot="0" spcFirstLastPara="0" vertOverflow="overflow" horzOverflow="overflow" vert="horz" wrap="square" lIns="91440" tIns="91440" rIns="45720" bIns="91440" numCol="1" spcCol="0" rtlCol="0" fromWordArt="0" anchor="t" anchorCtr="0" forceAA="0" compatLnSpc="1">
+            <a:prstTxWarp prst="textNoShape">
+              <a:avLst/>
+            </a:prstTxWarp>
+            <a:noAutofit/>
+          </a:bodyPr>
+          <a:lstStyle/>
+          <a:p>
+            <a:pPr lvl="0"/>
+            <a:r>
+              <a:rPr lang="en-US" sz="1500" dirty="0" smtClean="0">
+                <a:latin typeface="Segoe UI" pitchFamily="34" charset="0"/>
+                <a:ea typeface="Segoe UI" pitchFamily="34" charset="0"/>
+                <a:cs typeface="Segoe UI" pitchFamily="34" charset="0"/>
+              </a:rPr>
+              <a:t>Enter text</a:t>
+            </a:r>
+            <a:endParaRPr lang="en-US" sz="1500" dirty="0">
+              <a:latin typeface="Segoe UI" pitchFamily="34" charset="0"/>
+              <a:ea typeface="Segoe UI" pitchFamily="34" charset="0"/>
+              <a:cs typeface="Segoe UI" pitchFamily="34" charset="0"/>
+            </a:endParaRPr>
+          </a:p>
+        </p:txBody>
+      </p:sp>
+      <p:sp>
+        <p:nvSpPr>
+          <p:cNvPr id="13" name="Rectangle 12"/>
+          <p:cNvSpPr/>
+          <p:nvPr/>
+        </p:nvSpPr>
+        <p:spPr bwMode="auto">
+          <a:xfrm>
+            <a:off x="449292" y="1371600"/>
+            <a:ext cx="2894936" cy="1405744"/>
+          </a:xfrm>
+          <a:prstGeom prst="rect">
+            <a:avLst/>
+          </a:prstGeom>
+          <a:solidFill>
+            <a:srgbClr val="0072C6"/>
+          </a:solidFill>
+          <a:ln>
+            <a:noFill/>
+            <a:headEnd type="none" w="med" len="med"/>
+            <a:tailEnd type="none" w="med" len="med"/>
+          </a:ln>
+          <a:effectLst/>
+        </p:spPr>
+        <p:style>
+          <a:lnRef idx="1">
+            <a:schemeClr val="accent2"/>
+          </a:lnRef>
+          <a:fillRef idx="3">
+            <a:schemeClr val="accent2"/>
+          </a:fillRef>
+          <a:effectRef idx="2">
+            <a:schemeClr val="accent2"/>
+          </a:effectRef>
+          <a:fontRef idx="minor">
+            <a:schemeClr val="lt1"/>
+          </a:fontRef>
+        </p:style>
+        <p:txBody>
+          <a:bodyPr rot="0" spcFirstLastPara="0" vertOverflow="overflow" horzOverflow="overflow" vert="horz" wrap="square" lIns="91440" tIns="91440" rIns="45720" bIns="91440" numCol="1" spcCol="0" rtlCol="0" fromWordArt="0" anchor="t" anchorCtr="0" forceAA="0" compatLnSpc="1">
+            <a:prstTxWarp prst="textNoShape">
+              <a:avLst/>
+            </a:prstTxWarp>
+            <a:noAutofit/>
+          </a:bodyPr>
+          <a:lstStyle/>
+          <a:p>
+            <a:pPr lvl="0"/>
+            <a:r>
+              <a:rPr lang="en-US" sz="1500" dirty="0" smtClean="0">
+                <a:solidFill>
+                  <a:srgbClr val="FFFFFF"/>
+                </a:solidFill>
+                <a:latin typeface="Segoe UI" pitchFamily="34" charset="0"/>
+                <a:ea typeface="Segoe UI" pitchFamily="34" charset="0"/>
+                <a:cs typeface="Segoe UI" pitchFamily="34" charset="0"/>
+              </a:rPr>
+              <a:t>Enter text</a:t>
+            </a:r>
+            <a:endParaRPr lang="en-US" sz="1500" dirty="0">
+              <a:solidFill>
+                <a:srgbClr val="FFFFFF"/>
+              </a:solidFill>
+              <a:latin typeface="Segoe UI" pitchFamily="34" charset="0"/>
+              <a:ea typeface="Segoe UI" pitchFamily="34" charset="0"/>
+              <a:cs typeface="Segoe UI" pitchFamily="34" charset="0"/>
+            </a:endParaRPr>
+          </a:p>
+        </p:txBody>
+      </p:sp>
+      <p:sp>
+        <p:nvSpPr>
+          <p:cNvPr id="2" name="Title 1"/>
+          <p:cNvSpPr>
+            <a:spLocks noGrp="1"/>
+          </p:cNvSpPr>
+          <p:nvPr>
+            <p:ph type="title"/>
+          </p:nvPr>
+        </p:nvSpPr>
+        <p:spPr/>
+        <p:txBody>
+          <a:bodyPr/>
+          <a:lstStyle/>
+          <a:p>
+            <a:r>
+              <a:rPr lang="en-US" smtClean="0"/>
+              <a:t>modern template example </a:t>
+            </a:r>
+            <a:endParaRPr lang="en-US" dirty="0"/>
+          </a:p>
+        </p:txBody>
+      </p:sp>
+      <p:sp>
+        <p:nvSpPr>
+          <p:cNvPr id="3" name="Rectangle 2"/>
+          <p:cNvSpPr/>
+          <p:nvPr/>
+        </p:nvSpPr>
+        <p:spPr bwMode="auto">
+          <a:xfrm>
+            <a:off x="449292" y="2864339"/>
+            <a:ext cx="1409346" cy="1402862"/>
+          </a:xfrm>
+          <a:prstGeom prst="rect">
+            <a:avLst/>
+          </a:prstGeom>
+          <a:solidFill>
+            <a:srgbClr val="6DC2E9"/>
+          </a:solidFill>
+          <a:ln>
+            <a:noFill/>
+            <a:headEnd type="none" w="med" len="med"/>
+            <a:tailEnd type="none" w="med" len="med"/>
+          </a:ln>
+          <a:effectLst/>
+        </p:spPr>
+        <p:style>
+          <a:lnRef idx="1">
+            <a:schemeClr val="accent2"/>
+          </a:lnRef>
+          <a:fillRef idx="3">
+            <a:schemeClr val="accent2"/>
+          </a:fillRef>
+          <a:effectRef idx="2">
+            <a:schemeClr val="accent2"/>
+          </a:effectRef>
+          <a:fontRef idx="minor">
+            <a:schemeClr val="lt1"/>
+          </a:fontRef>
+        </p:style>
+        <p:txBody>
+          <a:bodyPr rot="0" spcFirstLastPara="0" vertOverflow="overflow" horzOverflow="overflow" vert="horz" wrap="square" lIns="91440" tIns="91440" rIns="45720" bIns="91440" numCol="1" spcCol="0" rtlCol="0" fromWordArt="0" anchor="ctr" anchorCtr="0" forceAA="0" compatLnSpc="1">
+            <a:prstTxWarp prst="textNoShape">
+              <a:avLst/>
+            </a:prstTxWarp>
+            <a:noAutofit/>
+          </a:bodyPr>
+          <a:lstStyle/>
+          <a:p>
+            <a:pPr defTabSz="685666" fontAlgn="base">
+              <a:spcBef>
+                <a:spcPct val="0"/>
+              </a:spcBef>
+              <a:spcAft>
+                <a:spcPct val="0"/>
+              </a:spcAft>
+            </a:pPr>
+            <a:endParaRPr lang="en-US" sz="1600" spc="-38" dirty="0" smtClean="0">
+              <a:solidFill>
+                <a:srgbClr val="FFFFFF"/>
+              </a:solidFill>
+              <a:latin typeface="Segoe UI" pitchFamily="34" charset="0"/>
+              <a:ea typeface="Segoe UI" pitchFamily="34" charset="0"/>
+              <a:cs typeface="Segoe UI" pitchFamily="34" charset="0"/>
+            </a:endParaRPr>
+          </a:p>
+        </p:txBody>
+      </p:sp>
+      <p:sp>
+        <p:nvSpPr>
+          <p:cNvPr id="4" name="Rectangle 3"/>
+          <p:cNvSpPr/>
+          <p:nvPr/>
+        </p:nvSpPr>
+        <p:spPr bwMode="auto">
+          <a:xfrm>
+            <a:off x="1936035" y="2864339"/>
+            <a:ext cx="1409346" cy="1402862"/>
+          </a:xfrm>
+          <a:prstGeom prst="rect">
+            <a:avLst/>
+          </a:prstGeom>
+          <a:solidFill>
+            <a:srgbClr val="0072C6"/>
+          </a:solidFill>
+          <a:ln>
+            <a:noFill/>
+            <a:headEnd type="none" w="med" len="med"/>
+            <a:tailEnd type="none" w="med" len="med"/>
+          </a:ln>
+          <a:effectLst/>
+        </p:spPr>
+        <p:style>
+          <a:lnRef idx="1">
+            <a:schemeClr val="accent2"/>
+          </a:lnRef>
+          <a:fillRef idx="3">
+            <a:schemeClr val="accent2"/>
+          </a:fillRef>
+          <a:effectRef idx="2">
+            <a:schemeClr val="accent2"/>
+          </a:effectRef>
+          <a:fontRef idx="minor">
+            <a:schemeClr val="lt1"/>
+          </a:fontRef>
+        </p:style>
+        <p:txBody>
+          <a:bodyPr rot="0" spcFirstLastPara="0" vertOverflow="overflow" horzOverflow="overflow" vert="horz" wrap="square" lIns="91440" tIns="91440" rIns="45720" bIns="91440" numCol="1" spcCol="0" rtlCol="0" fromWordArt="0" anchor="t" anchorCtr="0" forceAA="0" compatLnSpc="1">
+            <a:prstTxWarp prst="textNoShape">
+              <a:avLst/>
+            </a:prstTxWarp>
+            <a:noAutofit/>
+          </a:bodyPr>
+          <a:lstStyle/>
+          <a:p>
+            <a:pPr defTabSz="685666" fontAlgn="base">
+              <a:spcBef>
+                <a:spcPct val="0"/>
+              </a:spcBef>
+              <a:spcAft>
+                <a:spcPct val="0"/>
+              </a:spcAft>
+            </a:pPr>
+            <a:r>
+              <a:rPr lang="en-US" sz="1500" spc="-38" dirty="0" smtClean="0">
+                <a:solidFill>
+                  <a:schemeClr val="bg1"/>
+                </a:solidFill>
+                <a:latin typeface="Segoe UI" pitchFamily="34" charset="0"/>
+                <a:ea typeface="Segoe UI" pitchFamily="34" charset="0"/>
+                <a:cs typeface="Segoe UI" pitchFamily="34" charset="0"/>
+              </a:rPr>
+              <a:t>Enter text</a:t>
+            </a:r>
+            <a:endParaRPr lang="en-US" sz="1500" spc="-38" dirty="0">
+              <a:solidFill>
+                <a:schemeClr val="bg1"/>
+              </a:solidFill>
+              <a:latin typeface="Segoe UI" pitchFamily="34" charset="0"/>
+              <a:ea typeface="Segoe UI" pitchFamily="34" charset="0"/>
+              <a:cs typeface="Segoe UI" pitchFamily="34" charset="0"/>
+            </a:endParaRPr>
+          </a:p>
+        </p:txBody>
+      </p:sp>
+      <p:sp>
+        <p:nvSpPr>
+          <p:cNvPr id="5" name="Rectangle 4"/>
+          <p:cNvSpPr/>
+          <p:nvPr/>
+        </p:nvSpPr>
+        <p:spPr bwMode="auto">
+          <a:xfrm>
+            <a:off x="6007100" y="2864339"/>
+            <a:ext cx="2661894" cy="1402861"/>
+          </a:xfrm>
+          <a:prstGeom prst="rect">
+            <a:avLst/>
+          </a:prstGeom>
+          <a:solidFill>
+            <a:srgbClr val="00BCF2"/>
+          </a:solidFill>
+          <a:ln>
+            <a:noFill/>
+            <a:headEnd type="none" w="med" len="med"/>
+            <a:tailEnd type="none" w="med" len="med"/>
+          </a:ln>
+          <a:effectLst/>
+        </p:spPr>
+        <p:style>
+          <a:lnRef idx="1">
+            <a:schemeClr val="accent2"/>
+          </a:lnRef>
+          <a:fillRef idx="3">
+            <a:schemeClr val="accent2"/>
+          </a:fillRef>
+          <a:effectRef idx="2">
+            <a:schemeClr val="accent2"/>
+          </a:effectRef>
+          <a:fontRef idx="minor">
+            <a:schemeClr val="lt1"/>
+          </a:fontRef>
+        </p:style>
+        <p:txBody>
+          <a:bodyPr rot="0" spcFirstLastPara="0" vertOverflow="overflow" horzOverflow="overflow" vert="horz" wrap="square" lIns="91440" tIns="91440" rIns="45720" bIns="91440" numCol="1" spcCol="0" rtlCol="0" fromWordArt="0" anchor="t" anchorCtr="0" forceAA="0" compatLnSpc="1">
+            <a:prstTxWarp prst="textNoShape">
+              <a:avLst/>
+            </a:prstTxWarp>
+            <a:noAutofit/>
+          </a:bodyPr>
+          <a:lstStyle/>
+          <a:p>
+            <a:pPr lvl="0"/>
+            <a:r>
+              <a:rPr lang="en-US" sz="1500" dirty="0" smtClean="0">
+                <a:latin typeface="Segoe UI" pitchFamily="34" charset="0"/>
+                <a:ea typeface="Segoe UI" pitchFamily="34" charset="0"/>
+                <a:cs typeface="Segoe UI" pitchFamily="34" charset="0"/>
+              </a:rPr>
+              <a:t>Enter text</a:t>
+            </a:r>
+            <a:endParaRPr lang="en-US" sz="1500" dirty="0">
+              <a:latin typeface="Segoe UI" pitchFamily="34" charset="0"/>
+              <a:ea typeface="Segoe UI" pitchFamily="34" charset="0"/>
+              <a:cs typeface="Segoe UI" pitchFamily="34" charset="0"/>
+            </a:endParaRPr>
+          </a:p>
+        </p:txBody>
+      </p:sp>
+      <p:pic>
+        <p:nvPicPr>
+          <p:cNvPr id="6" name="Picture 5" descr="WIN11_Vincent_04.jpg"/>
+          <p:cNvPicPr>
+            <a:picLocks noChangeAspect="1"/>
+          </p:cNvPicPr>
+          <p:nvPr/>
+        </p:nvPicPr>
+        <p:blipFill>
+          <a:blip r:embed="rId2" cstate="email">
+            <a:extLst>
+              <a:ext uri="{28A0092B-C50C-407E-A947-70E740481C1C}">
+                <a14:useLocalDpi xmlns:a14="http://schemas.microsoft.com/office/drawing/2010/main"/>
+              </a:ext>
+            </a:extLst>
+          </a:blip>
+          <a:srcRect/>
+          <a:stretch>
+            <a:fillRect/>
+          </a:stretch>
+        </p:blipFill>
+        <p:spPr>
+          <a:xfrm>
+            <a:off x="3449665" y="1371600"/>
+            <a:ext cx="2447774" cy="2895600"/>
+          </a:xfrm>
+          <a:prstGeom prst="rect">
+            <a:avLst/>
+          </a:prstGeom>
+        </p:spPr>
+      </p:pic>
+    </p:spTree>
+    <p:extLst>
+      <p:ext uri="{BB962C8B-B14F-4D97-AF65-F5344CB8AC3E}">
+        <p14:creationId xmlns:p14="http://schemas.microsoft.com/office/powerpoint/2010/main" val="2633157601"/>
+      </p:ext>
+    </p:extLst>
+  </p:cSld>
+  <p:clrMapOvr>
+    <a:masterClrMapping/>
+  </p:clrMapOvr>
+  <mc:AlternateContent xmlns:mc="http://schemas.openxmlformats.org/markup-compatibility/2006" xmlns:p14="http://schemas.microsoft.com/office/powerpoint/2010/main">
+    <mc:Choice Requires="p14">
+      <p:transition spd="slow" p14:dur="2000"/>
+    </mc:Choice>
+    <mc:Fallback xmlns:mv="urn:schemas-microsoft-com:mac:vml" xmlns="">
+      <mp:transition xmlns:mp="http://schemas.microsoft.com/office/mac/powerpoint/2008/main" spd="slow"/>
+    </mc:Fallback>
+  </mc:AlternateContent>
+  <p:timing>
+    <p:tnLst>
+      <p:par>
+        <p:cTn id="1" dur="indefinite" restart="never" nodeType="tmRoot"/>
+      </p:par>
+    </p:tnLst>
+  </p:timing>
 </p:sld>
 </file>
 
